--- a/src/main/resources/static/docs/Apresentacao_Spring_Mail_Thymeleaf.pptx
+++ b/src/main/resources/static/docs/Apresentacao_Spring_Mail_Thymeleaf.pptx
@@ -5,42 +5,31 @@
     <p:sldMasterId id="2147483654" r:id="rId1"/>
   </p:sldMasterIdLst>
   <p:notesMasterIdLst>
-    <p:notesMasterId r:id="rId18"/>
+    <p:notesMasterId r:id="rId7"/>
   </p:notesMasterIdLst>
   <p:sldIdLst>
     <p:sldId id="256" r:id="rId2"/>
     <p:sldId id="257" r:id="rId3"/>
     <p:sldId id="258" r:id="rId4"/>
-    <p:sldId id="259" r:id="rId5"/>
-    <p:sldId id="266" r:id="rId6"/>
-    <p:sldId id="267" r:id="rId7"/>
-    <p:sldId id="270" r:id="rId8"/>
-    <p:sldId id="268" r:id="rId9"/>
-    <p:sldId id="269" r:id="rId10"/>
-    <p:sldId id="272" r:id="rId11"/>
-    <p:sldId id="273" r:id="rId12"/>
-    <p:sldId id="261" r:id="rId13"/>
-    <p:sldId id="274" r:id="rId14"/>
-    <p:sldId id="275" r:id="rId15"/>
-    <p:sldId id="276" r:id="rId16"/>
-    <p:sldId id="260" r:id="rId17"/>
+    <p:sldId id="261" r:id="rId5"/>
+    <p:sldId id="260" r:id="rId6"/>
   </p:sldIdLst>
   <p:sldSz cx="9144000" cy="5143500" type="screen16x9"/>
   <p:notesSz cx="6858000" cy="9144000"/>
   <p:embeddedFontLst>
     <p:embeddedFont>
       <p:font typeface="Roboto" panose="02000000000000000000" pitchFamily="2" charset="0"/>
-      <p:regular r:id="rId19"/>
-      <p:bold r:id="rId20"/>
-      <p:italic r:id="rId21"/>
-      <p:boldItalic r:id="rId22"/>
+      <p:regular r:id="rId8"/>
+      <p:bold r:id="rId9"/>
+      <p:italic r:id="rId10"/>
+      <p:boldItalic r:id="rId11"/>
     </p:embeddedFont>
     <p:embeddedFont>
       <p:font typeface="Roboto Light" panose="02000000000000000000" pitchFamily="2" charset="0"/>
-      <p:regular r:id="rId23"/>
-      <p:bold r:id="rId24"/>
-      <p:italic r:id="rId25"/>
-      <p:boldItalic r:id="rId26"/>
+      <p:regular r:id="rId12"/>
+      <p:bold r:id="rId13"/>
+      <p:italic r:id="rId14"/>
+      <p:boldItalic r:id="rId15"/>
     </p:embeddedFont>
   </p:embeddedFontLst>
   <p:defaultTextStyle>
@@ -840,787 +829,6 @@
 </p:notes>
 </file>
 
-<file path=ppt/notesSlides/notesSlide10.xml><?xml version="1.0" encoding="utf-8"?>
-<p:notes xmlns:a="http://schemas.openxmlformats.org/drawingml/2006/main" xmlns:r="http://schemas.openxmlformats.org/officeDocument/2006/relationships" xmlns:p="http://schemas.openxmlformats.org/presentationml/2006/main" showMasterSp="0" showMasterPhAnim="0">
-  <p:cSld>
-    <p:spTree>
-      <p:nvGrpSpPr>
-        <p:cNvPr id="1" name="Shape 54"/>
-        <p:cNvGrpSpPr/>
-        <p:nvPr/>
-      </p:nvGrpSpPr>
-      <p:grpSpPr>
-        <a:xfrm>
-          <a:off x="0" y="0"/>
-          <a:ext cx="0" cy="0"/>
-          <a:chOff x="0" y="0"/>
-          <a:chExt cx="0" cy="0"/>
-        </a:xfrm>
-      </p:grpSpPr>
-      <p:sp>
-        <p:nvSpPr>
-          <p:cNvPr id="55" name="Google Shape;55;gd8e9b03fd4_0_10:notes"/>
-          <p:cNvSpPr>
-            <a:spLocks noGrp="1" noRot="1" noChangeAspect="1"/>
-          </p:cNvSpPr>
-          <p:nvPr>
-            <p:ph type="sldImg" idx="2"/>
-          </p:nvPr>
-        </p:nvSpPr>
-        <p:spPr>
-          <a:xfrm>
-            <a:off x="381000" y="685800"/>
-            <a:ext cx="6096000" cy="3429000"/>
-          </a:xfrm>
-          <a:custGeom>
-            <a:avLst/>
-            <a:gdLst/>
-            <a:ahLst/>
-            <a:cxnLst/>
-            <a:rect l="l" t="t" r="r" b="b"/>
-            <a:pathLst>
-              <a:path w="120000" h="120000" extrusionOk="0">
-                <a:moveTo>
-                  <a:pt x="0" y="0"/>
-                </a:moveTo>
-                <a:lnTo>
-                  <a:pt x="120000" y="0"/>
-                </a:lnTo>
-                <a:lnTo>
-                  <a:pt x="120000" y="120000"/>
-                </a:lnTo>
-                <a:lnTo>
-                  <a:pt x="0" y="120000"/>
-                </a:lnTo>
-                <a:close/>
-              </a:path>
-            </a:pathLst>
-          </a:custGeom>
-        </p:spPr>
-      </p:sp>
-      <p:sp>
-        <p:nvSpPr>
-          <p:cNvPr id="56" name="Google Shape;56;gd8e9b03fd4_0_10:notes"/>
-          <p:cNvSpPr txBox="1">
-            <a:spLocks noGrp="1"/>
-          </p:cNvSpPr>
-          <p:nvPr>
-            <p:ph type="body" idx="1"/>
-          </p:nvPr>
-        </p:nvSpPr>
-        <p:spPr>
-          <a:xfrm>
-            <a:off x="685800" y="4343400"/>
-            <a:ext cx="5486400" cy="4114800"/>
-          </a:xfrm>
-          <a:prstGeom prst="rect">
-            <a:avLst/>
-          </a:prstGeom>
-        </p:spPr>
-        <p:txBody>
-          <a:bodyPr spcFirstLastPara="1" wrap="square" lIns="91425" tIns="91425" rIns="91425" bIns="91425" anchor="t" anchorCtr="0">
-            <a:noAutofit/>
-          </a:bodyPr>
-          <a:lstStyle/>
-          <a:p>
-            <a:pPr marL="0" lvl="0" indent="0" algn="l" rtl="0">
-              <a:spcBef>
-                <a:spcPts val="0"/>
-              </a:spcBef>
-              <a:spcAft>
-                <a:spcPts val="0"/>
-              </a:spcAft>
-              <a:buNone/>
-            </a:pPr>
-            <a:r>
-              <a:rPr lang="pt-BR"/>
-              <a:t>Objetivo: apresentar mais informações sobre a aula e o que será entregue com mais detalhamento.</a:t>
-            </a:r>
-            <a:endParaRPr/>
-          </a:p>
-        </p:txBody>
-      </p:sp>
-    </p:spTree>
-    <p:extLst>
-      <p:ext uri="{BB962C8B-B14F-4D97-AF65-F5344CB8AC3E}">
-        <p14:creationId xmlns:p14="http://schemas.microsoft.com/office/powerpoint/2010/main" val="3028964556"/>
-      </p:ext>
-    </p:extLst>
-  </p:cSld>
-  <p:clrMapOvr>
-    <a:masterClrMapping/>
-  </p:clrMapOvr>
-</p:notes>
-</file>
-
-<file path=ppt/notesSlides/notesSlide11.xml><?xml version="1.0" encoding="utf-8"?>
-<p:notes xmlns:a="http://schemas.openxmlformats.org/drawingml/2006/main" xmlns:r="http://schemas.openxmlformats.org/officeDocument/2006/relationships" xmlns:p="http://schemas.openxmlformats.org/presentationml/2006/main" showMasterSp="0" showMasterPhAnim="0">
-  <p:cSld>
-    <p:spTree>
-      <p:nvGrpSpPr>
-        <p:cNvPr id="1" name="Shape 54"/>
-        <p:cNvGrpSpPr/>
-        <p:nvPr/>
-      </p:nvGrpSpPr>
-      <p:grpSpPr>
-        <a:xfrm>
-          <a:off x="0" y="0"/>
-          <a:ext cx="0" cy="0"/>
-          <a:chOff x="0" y="0"/>
-          <a:chExt cx="0" cy="0"/>
-        </a:xfrm>
-      </p:grpSpPr>
-      <p:sp>
-        <p:nvSpPr>
-          <p:cNvPr id="55" name="Google Shape;55;gd8e9b03fd4_0_10:notes"/>
-          <p:cNvSpPr>
-            <a:spLocks noGrp="1" noRot="1" noChangeAspect="1"/>
-          </p:cNvSpPr>
-          <p:nvPr>
-            <p:ph type="sldImg" idx="2"/>
-          </p:nvPr>
-        </p:nvSpPr>
-        <p:spPr>
-          <a:xfrm>
-            <a:off x="381000" y="685800"/>
-            <a:ext cx="6096000" cy="3429000"/>
-          </a:xfrm>
-          <a:custGeom>
-            <a:avLst/>
-            <a:gdLst/>
-            <a:ahLst/>
-            <a:cxnLst/>
-            <a:rect l="l" t="t" r="r" b="b"/>
-            <a:pathLst>
-              <a:path w="120000" h="120000" extrusionOk="0">
-                <a:moveTo>
-                  <a:pt x="0" y="0"/>
-                </a:moveTo>
-                <a:lnTo>
-                  <a:pt x="120000" y="0"/>
-                </a:lnTo>
-                <a:lnTo>
-                  <a:pt x="120000" y="120000"/>
-                </a:lnTo>
-                <a:lnTo>
-                  <a:pt x="0" y="120000"/>
-                </a:lnTo>
-                <a:close/>
-              </a:path>
-            </a:pathLst>
-          </a:custGeom>
-        </p:spPr>
-      </p:sp>
-      <p:sp>
-        <p:nvSpPr>
-          <p:cNvPr id="56" name="Google Shape;56;gd8e9b03fd4_0_10:notes"/>
-          <p:cNvSpPr txBox="1">
-            <a:spLocks noGrp="1"/>
-          </p:cNvSpPr>
-          <p:nvPr>
-            <p:ph type="body" idx="1"/>
-          </p:nvPr>
-        </p:nvSpPr>
-        <p:spPr>
-          <a:xfrm>
-            <a:off x="685800" y="4343400"/>
-            <a:ext cx="5486400" cy="4114800"/>
-          </a:xfrm>
-          <a:prstGeom prst="rect">
-            <a:avLst/>
-          </a:prstGeom>
-        </p:spPr>
-        <p:txBody>
-          <a:bodyPr spcFirstLastPara="1" wrap="square" lIns="91425" tIns="91425" rIns="91425" bIns="91425" anchor="t" anchorCtr="0">
-            <a:noAutofit/>
-          </a:bodyPr>
-          <a:lstStyle/>
-          <a:p>
-            <a:pPr marL="0" lvl="0" indent="0" algn="l" rtl="0">
-              <a:spcBef>
-                <a:spcPts val="0"/>
-              </a:spcBef>
-              <a:spcAft>
-                <a:spcPts val="0"/>
-              </a:spcAft>
-              <a:buNone/>
-            </a:pPr>
-            <a:r>
-              <a:rPr lang="pt-BR"/>
-              <a:t>Objetivo: apresentar mais informações sobre a aula e o que será entregue com mais detalhamento.</a:t>
-            </a:r>
-            <a:endParaRPr/>
-          </a:p>
-        </p:txBody>
-      </p:sp>
-    </p:spTree>
-    <p:extLst>
-      <p:ext uri="{BB962C8B-B14F-4D97-AF65-F5344CB8AC3E}">
-        <p14:creationId xmlns:p14="http://schemas.microsoft.com/office/powerpoint/2010/main" val="243170837"/>
-      </p:ext>
-    </p:extLst>
-  </p:cSld>
-  <p:clrMapOvr>
-    <a:masterClrMapping/>
-  </p:clrMapOvr>
-</p:notes>
-</file>
-
-<file path=ppt/notesSlides/notesSlide12.xml><?xml version="1.0" encoding="utf-8"?>
-<p:notes xmlns:a="http://schemas.openxmlformats.org/drawingml/2006/main" xmlns:r="http://schemas.openxmlformats.org/officeDocument/2006/relationships" xmlns:p="http://schemas.openxmlformats.org/presentationml/2006/main" showMasterSp="0" showMasterPhAnim="0">
-  <p:cSld>
-    <p:spTree>
-      <p:nvGrpSpPr>
-        <p:cNvPr id="1" name="Shape 66"/>
-        <p:cNvGrpSpPr/>
-        <p:nvPr/>
-      </p:nvGrpSpPr>
-      <p:grpSpPr>
-        <a:xfrm>
-          <a:off x="0" y="0"/>
-          <a:ext cx="0" cy="0"/>
-          <a:chOff x="0" y="0"/>
-          <a:chExt cx="0" cy="0"/>
-        </a:xfrm>
-      </p:grpSpPr>
-      <p:sp>
-        <p:nvSpPr>
-          <p:cNvPr id="67" name="Google Shape;67;gd8e9b03fd4_0_15:notes"/>
-          <p:cNvSpPr>
-            <a:spLocks noGrp="1" noRot="1" noChangeAspect="1"/>
-          </p:cNvSpPr>
-          <p:nvPr>
-            <p:ph type="sldImg" idx="2"/>
-          </p:nvPr>
-        </p:nvSpPr>
-        <p:spPr>
-          <a:xfrm>
-            <a:off x="381000" y="685800"/>
-            <a:ext cx="6096000" cy="3429000"/>
-          </a:xfrm>
-          <a:custGeom>
-            <a:avLst/>
-            <a:gdLst/>
-            <a:ahLst/>
-            <a:cxnLst/>
-            <a:rect l="l" t="t" r="r" b="b"/>
-            <a:pathLst>
-              <a:path w="120000" h="120000" extrusionOk="0">
-                <a:moveTo>
-                  <a:pt x="0" y="0"/>
-                </a:moveTo>
-                <a:lnTo>
-                  <a:pt x="120000" y="0"/>
-                </a:lnTo>
-                <a:lnTo>
-                  <a:pt x="120000" y="120000"/>
-                </a:lnTo>
-                <a:lnTo>
-                  <a:pt x="0" y="120000"/>
-                </a:lnTo>
-                <a:close/>
-              </a:path>
-            </a:pathLst>
-          </a:custGeom>
-        </p:spPr>
-      </p:sp>
-      <p:sp>
-        <p:nvSpPr>
-          <p:cNvPr id="68" name="Google Shape;68;gd8e9b03fd4_0_15:notes"/>
-          <p:cNvSpPr txBox="1">
-            <a:spLocks noGrp="1"/>
-          </p:cNvSpPr>
-          <p:nvPr>
-            <p:ph type="body" idx="1"/>
-          </p:nvPr>
-        </p:nvSpPr>
-        <p:spPr>
-          <a:xfrm>
-            <a:off x="685800" y="4343400"/>
-            <a:ext cx="5486400" cy="4114800"/>
-          </a:xfrm>
-          <a:prstGeom prst="rect">
-            <a:avLst/>
-          </a:prstGeom>
-        </p:spPr>
-        <p:txBody>
-          <a:bodyPr spcFirstLastPara="1" wrap="square" lIns="91425" tIns="91425" rIns="91425" bIns="91425" anchor="t" anchorCtr="0">
-            <a:noAutofit/>
-          </a:bodyPr>
-          <a:lstStyle/>
-          <a:p>
-            <a:pPr marL="0" lvl="0" indent="0" algn="l" rtl="0">
-              <a:spcBef>
-                <a:spcPts val="0"/>
-              </a:spcBef>
-              <a:spcAft>
-                <a:spcPts val="0"/>
-              </a:spcAft>
-              <a:buNone/>
-            </a:pPr>
-            <a:r>
-              <a:rPr lang="pt-BR"/>
-              <a:t>Objetivo: informar à audiência o que é necessário para melhor aproveitamento do conteúdo.</a:t>
-            </a:r>
-            <a:endParaRPr/>
-          </a:p>
-        </p:txBody>
-      </p:sp>
-    </p:spTree>
-  </p:cSld>
-  <p:clrMapOvr>
-    <a:masterClrMapping/>
-  </p:clrMapOvr>
-</p:notes>
-</file>
-
-<file path=ppt/notesSlides/notesSlide13.xml><?xml version="1.0" encoding="utf-8"?>
-<p:notes xmlns:a="http://schemas.openxmlformats.org/drawingml/2006/main" xmlns:r="http://schemas.openxmlformats.org/officeDocument/2006/relationships" xmlns:p="http://schemas.openxmlformats.org/presentationml/2006/main" showMasterSp="0" showMasterPhAnim="0">
-  <p:cSld>
-    <p:spTree>
-      <p:nvGrpSpPr>
-        <p:cNvPr id="1" name="Shape 66"/>
-        <p:cNvGrpSpPr/>
-        <p:nvPr/>
-      </p:nvGrpSpPr>
-      <p:grpSpPr>
-        <a:xfrm>
-          <a:off x="0" y="0"/>
-          <a:ext cx="0" cy="0"/>
-          <a:chOff x="0" y="0"/>
-          <a:chExt cx="0" cy="0"/>
-        </a:xfrm>
-      </p:grpSpPr>
-      <p:sp>
-        <p:nvSpPr>
-          <p:cNvPr id="67" name="Google Shape;67;gd8e9b03fd4_0_15:notes"/>
-          <p:cNvSpPr>
-            <a:spLocks noGrp="1" noRot="1" noChangeAspect="1"/>
-          </p:cNvSpPr>
-          <p:nvPr>
-            <p:ph type="sldImg" idx="2"/>
-          </p:nvPr>
-        </p:nvSpPr>
-        <p:spPr>
-          <a:xfrm>
-            <a:off x="381000" y="685800"/>
-            <a:ext cx="6096000" cy="3429000"/>
-          </a:xfrm>
-          <a:custGeom>
-            <a:avLst/>
-            <a:gdLst/>
-            <a:ahLst/>
-            <a:cxnLst/>
-            <a:rect l="l" t="t" r="r" b="b"/>
-            <a:pathLst>
-              <a:path w="120000" h="120000" extrusionOk="0">
-                <a:moveTo>
-                  <a:pt x="0" y="0"/>
-                </a:moveTo>
-                <a:lnTo>
-                  <a:pt x="120000" y="0"/>
-                </a:lnTo>
-                <a:lnTo>
-                  <a:pt x="120000" y="120000"/>
-                </a:lnTo>
-                <a:lnTo>
-                  <a:pt x="0" y="120000"/>
-                </a:lnTo>
-                <a:close/>
-              </a:path>
-            </a:pathLst>
-          </a:custGeom>
-        </p:spPr>
-      </p:sp>
-      <p:sp>
-        <p:nvSpPr>
-          <p:cNvPr id="68" name="Google Shape;68;gd8e9b03fd4_0_15:notes"/>
-          <p:cNvSpPr txBox="1">
-            <a:spLocks noGrp="1"/>
-          </p:cNvSpPr>
-          <p:nvPr>
-            <p:ph type="body" idx="1"/>
-          </p:nvPr>
-        </p:nvSpPr>
-        <p:spPr>
-          <a:xfrm>
-            <a:off x="685800" y="4343400"/>
-            <a:ext cx="5486400" cy="4114800"/>
-          </a:xfrm>
-          <a:prstGeom prst="rect">
-            <a:avLst/>
-          </a:prstGeom>
-        </p:spPr>
-        <p:txBody>
-          <a:bodyPr spcFirstLastPara="1" wrap="square" lIns="91425" tIns="91425" rIns="91425" bIns="91425" anchor="t" anchorCtr="0">
-            <a:noAutofit/>
-          </a:bodyPr>
-          <a:lstStyle/>
-          <a:p>
-            <a:pPr marL="0" lvl="0" indent="0" algn="l" rtl="0">
-              <a:spcBef>
-                <a:spcPts val="0"/>
-              </a:spcBef>
-              <a:spcAft>
-                <a:spcPts val="0"/>
-              </a:spcAft>
-              <a:buNone/>
-            </a:pPr>
-            <a:r>
-              <a:rPr lang="pt-BR"/>
-              <a:t>Objetivo: informar à audiência o que é necessário para melhor aproveitamento do conteúdo.</a:t>
-            </a:r>
-            <a:endParaRPr/>
-          </a:p>
-        </p:txBody>
-      </p:sp>
-    </p:spTree>
-    <p:extLst>
-      <p:ext uri="{BB962C8B-B14F-4D97-AF65-F5344CB8AC3E}">
-        <p14:creationId xmlns:p14="http://schemas.microsoft.com/office/powerpoint/2010/main" val="1796410334"/>
-      </p:ext>
-    </p:extLst>
-  </p:cSld>
-  <p:clrMapOvr>
-    <a:masterClrMapping/>
-  </p:clrMapOvr>
-</p:notes>
-</file>
-
-<file path=ppt/notesSlides/notesSlide14.xml><?xml version="1.0" encoding="utf-8"?>
-<p:notes xmlns:a="http://schemas.openxmlformats.org/drawingml/2006/main" xmlns:r="http://schemas.openxmlformats.org/officeDocument/2006/relationships" xmlns:p="http://schemas.openxmlformats.org/presentationml/2006/main" showMasterSp="0" showMasterPhAnim="0">
-  <p:cSld>
-    <p:spTree>
-      <p:nvGrpSpPr>
-        <p:cNvPr id="1" name="Shape 66"/>
-        <p:cNvGrpSpPr/>
-        <p:nvPr/>
-      </p:nvGrpSpPr>
-      <p:grpSpPr>
-        <a:xfrm>
-          <a:off x="0" y="0"/>
-          <a:ext cx="0" cy="0"/>
-          <a:chOff x="0" y="0"/>
-          <a:chExt cx="0" cy="0"/>
-        </a:xfrm>
-      </p:grpSpPr>
-      <p:sp>
-        <p:nvSpPr>
-          <p:cNvPr id="67" name="Google Shape;67;gd8e9b03fd4_0_15:notes"/>
-          <p:cNvSpPr>
-            <a:spLocks noGrp="1" noRot="1" noChangeAspect="1"/>
-          </p:cNvSpPr>
-          <p:nvPr>
-            <p:ph type="sldImg" idx="2"/>
-          </p:nvPr>
-        </p:nvSpPr>
-        <p:spPr>
-          <a:xfrm>
-            <a:off x="381000" y="685800"/>
-            <a:ext cx="6096000" cy="3429000"/>
-          </a:xfrm>
-          <a:custGeom>
-            <a:avLst/>
-            <a:gdLst/>
-            <a:ahLst/>
-            <a:cxnLst/>
-            <a:rect l="l" t="t" r="r" b="b"/>
-            <a:pathLst>
-              <a:path w="120000" h="120000" extrusionOk="0">
-                <a:moveTo>
-                  <a:pt x="0" y="0"/>
-                </a:moveTo>
-                <a:lnTo>
-                  <a:pt x="120000" y="0"/>
-                </a:lnTo>
-                <a:lnTo>
-                  <a:pt x="120000" y="120000"/>
-                </a:lnTo>
-                <a:lnTo>
-                  <a:pt x="0" y="120000"/>
-                </a:lnTo>
-                <a:close/>
-              </a:path>
-            </a:pathLst>
-          </a:custGeom>
-        </p:spPr>
-      </p:sp>
-      <p:sp>
-        <p:nvSpPr>
-          <p:cNvPr id="68" name="Google Shape;68;gd8e9b03fd4_0_15:notes"/>
-          <p:cNvSpPr txBox="1">
-            <a:spLocks noGrp="1"/>
-          </p:cNvSpPr>
-          <p:nvPr>
-            <p:ph type="body" idx="1"/>
-          </p:nvPr>
-        </p:nvSpPr>
-        <p:spPr>
-          <a:xfrm>
-            <a:off x="685800" y="4343400"/>
-            <a:ext cx="5486400" cy="4114800"/>
-          </a:xfrm>
-          <a:prstGeom prst="rect">
-            <a:avLst/>
-          </a:prstGeom>
-        </p:spPr>
-        <p:txBody>
-          <a:bodyPr spcFirstLastPara="1" wrap="square" lIns="91425" tIns="91425" rIns="91425" bIns="91425" anchor="t" anchorCtr="0">
-            <a:noAutofit/>
-          </a:bodyPr>
-          <a:lstStyle/>
-          <a:p>
-            <a:pPr marL="0" lvl="0" indent="0" algn="l" rtl="0">
-              <a:spcBef>
-                <a:spcPts val="0"/>
-              </a:spcBef>
-              <a:spcAft>
-                <a:spcPts val="0"/>
-              </a:spcAft>
-              <a:buNone/>
-            </a:pPr>
-            <a:r>
-              <a:rPr lang="pt-BR"/>
-              <a:t>Objetivo: informar à audiência o que é necessário para melhor aproveitamento do conteúdo.</a:t>
-            </a:r>
-            <a:endParaRPr/>
-          </a:p>
-        </p:txBody>
-      </p:sp>
-    </p:spTree>
-    <p:extLst>
-      <p:ext uri="{BB962C8B-B14F-4D97-AF65-F5344CB8AC3E}">
-        <p14:creationId xmlns:p14="http://schemas.microsoft.com/office/powerpoint/2010/main" val="1609477544"/>
-      </p:ext>
-    </p:extLst>
-  </p:cSld>
-  <p:clrMapOvr>
-    <a:masterClrMapping/>
-  </p:clrMapOvr>
-</p:notes>
-</file>
-
-<file path=ppt/notesSlides/notesSlide15.xml><?xml version="1.0" encoding="utf-8"?>
-<p:notes xmlns:a="http://schemas.openxmlformats.org/drawingml/2006/main" xmlns:r="http://schemas.openxmlformats.org/officeDocument/2006/relationships" xmlns:p="http://schemas.openxmlformats.org/presentationml/2006/main" showMasterSp="0" showMasterPhAnim="0">
-  <p:cSld>
-    <p:spTree>
-      <p:nvGrpSpPr>
-        <p:cNvPr id="1" name="Shape 66"/>
-        <p:cNvGrpSpPr/>
-        <p:nvPr/>
-      </p:nvGrpSpPr>
-      <p:grpSpPr>
-        <a:xfrm>
-          <a:off x="0" y="0"/>
-          <a:ext cx="0" cy="0"/>
-          <a:chOff x="0" y="0"/>
-          <a:chExt cx="0" cy="0"/>
-        </a:xfrm>
-      </p:grpSpPr>
-      <p:sp>
-        <p:nvSpPr>
-          <p:cNvPr id="67" name="Google Shape;67;gd8e9b03fd4_0_15:notes"/>
-          <p:cNvSpPr>
-            <a:spLocks noGrp="1" noRot="1" noChangeAspect="1"/>
-          </p:cNvSpPr>
-          <p:nvPr>
-            <p:ph type="sldImg" idx="2"/>
-          </p:nvPr>
-        </p:nvSpPr>
-        <p:spPr>
-          <a:xfrm>
-            <a:off x="381000" y="685800"/>
-            <a:ext cx="6096000" cy="3429000"/>
-          </a:xfrm>
-          <a:custGeom>
-            <a:avLst/>
-            <a:gdLst/>
-            <a:ahLst/>
-            <a:cxnLst/>
-            <a:rect l="l" t="t" r="r" b="b"/>
-            <a:pathLst>
-              <a:path w="120000" h="120000" extrusionOk="0">
-                <a:moveTo>
-                  <a:pt x="0" y="0"/>
-                </a:moveTo>
-                <a:lnTo>
-                  <a:pt x="120000" y="0"/>
-                </a:lnTo>
-                <a:lnTo>
-                  <a:pt x="120000" y="120000"/>
-                </a:lnTo>
-                <a:lnTo>
-                  <a:pt x="0" y="120000"/>
-                </a:lnTo>
-                <a:close/>
-              </a:path>
-            </a:pathLst>
-          </a:custGeom>
-        </p:spPr>
-      </p:sp>
-      <p:sp>
-        <p:nvSpPr>
-          <p:cNvPr id="68" name="Google Shape;68;gd8e9b03fd4_0_15:notes"/>
-          <p:cNvSpPr txBox="1">
-            <a:spLocks noGrp="1"/>
-          </p:cNvSpPr>
-          <p:nvPr>
-            <p:ph type="body" idx="1"/>
-          </p:nvPr>
-        </p:nvSpPr>
-        <p:spPr>
-          <a:xfrm>
-            <a:off x="685800" y="4343400"/>
-            <a:ext cx="5486400" cy="4114800"/>
-          </a:xfrm>
-          <a:prstGeom prst="rect">
-            <a:avLst/>
-          </a:prstGeom>
-        </p:spPr>
-        <p:txBody>
-          <a:bodyPr spcFirstLastPara="1" wrap="square" lIns="91425" tIns="91425" rIns="91425" bIns="91425" anchor="t" anchorCtr="0">
-            <a:noAutofit/>
-          </a:bodyPr>
-          <a:lstStyle/>
-          <a:p>
-            <a:pPr marL="0" lvl="0" indent="0" algn="l" rtl="0">
-              <a:spcBef>
-                <a:spcPts val="0"/>
-              </a:spcBef>
-              <a:spcAft>
-                <a:spcPts val="0"/>
-              </a:spcAft>
-              <a:buNone/>
-            </a:pPr>
-            <a:r>
-              <a:rPr lang="pt-BR"/>
-              <a:t>Objetivo: informar à audiência o que é necessário para melhor aproveitamento do conteúdo.</a:t>
-            </a:r>
-            <a:endParaRPr/>
-          </a:p>
-        </p:txBody>
-      </p:sp>
-    </p:spTree>
-    <p:extLst>
-      <p:ext uri="{BB962C8B-B14F-4D97-AF65-F5344CB8AC3E}">
-        <p14:creationId xmlns:p14="http://schemas.microsoft.com/office/powerpoint/2010/main" val="4072100017"/>
-      </p:ext>
-    </p:extLst>
-  </p:cSld>
-  <p:clrMapOvr>
-    <a:masterClrMapping/>
-  </p:clrMapOvr>
-</p:notes>
-</file>
-
-<file path=ppt/notesSlides/notesSlide16.xml><?xml version="1.0" encoding="utf-8"?>
-<p:notes xmlns:a="http://schemas.openxmlformats.org/drawingml/2006/main" xmlns:r="http://schemas.openxmlformats.org/officeDocument/2006/relationships" xmlns:p="http://schemas.openxmlformats.org/presentationml/2006/main" showMasterSp="0" showMasterPhAnim="0">
-  <p:cSld>
-    <p:spTree>
-      <p:nvGrpSpPr>
-        <p:cNvPr id="1" name="Shape 60"/>
-        <p:cNvGrpSpPr/>
-        <p:nvPr/>
-      </p:nvGrpSpPr>
-      <p:grpSpPr>
-        <a:xfrm>
-          <a:off x="0" y="0"/>
-          <a:ext cx="0" cy="0"/>
-          <a:chOff x="0" y="0"/>
-          <a:chExt cx="0" cy="0"/>
-        </a:xfrm>
-      </p:grpSpPr>
-      <p:sp>
-        <p:nvSpPr>
-          <p:cNvPr id="61" name="Google Shape;61;gd8e9b03fd4_0_117:notes"/>
-          <p:cNvSpPr>
-            <a:spLocks noGrp="1" noRot="1" noChangeAspect="1"/>
-          </p:cNvSpPr>
-          <p:nvPr>
-            <p:ph type="sldImg" idx="2"/>
-          </p:nvPr>
-        </p:nvSpPr>
-        <p:spPr>
-          <a:xfrm>
-            <a:off x="381000" y="685800"/>
-            <a:ext cx="6096000" cy="3429000"/>
-          </a:xfrm>
-          <a:custGeom>
-            <a:avLst/>
-            <a:gdLst/>
-            <a:ahLst/>
-            <a:cxnLst/>
-            <a:rect l="l" t="t" r="r" b="b"/>
-            <a:pathLst>
-              <a:path w="120000" h="120000" extrusionOk="0">
-                <a:moveTo>
-                  <a:pt x="0" y="0"/>
-                </a:moveTo>
-                <a:lnTo>
-                  <a:pt x="120000" y="0"/>
-                </a:lnTo>
-                <a:lnTo>
-                  <a:pt x="120000" y="120000"/>
-                </a:lnTo>
-                <a:lnTo>
-                  <a:pt x="0" y="120000"/>
-                </a:lnTo>
-                <a:close/>
-              </a:path>
-            </a:pathLst>
-          </a:custGeom>
-        </p:spPr>
-      </p:sp>
-      <p:sp>
-        <p:nvSpPr>
-          <p:cNvPr id="62" name="Google Shape;62;gd8e9b03fd4_0_117:notes"/>
-          <p:cNvSpPr txBox="1">
-            <a:spLocks noGrp="1"/>
-          </p:cNvSpPr>
-          <p:nvPr>
-            <p:ph type="body" idx="1"/>
-          </p:nvPr>
-        </p:nvSpPr>
-        <p:spPr>
-          <a:xfrm>
-            <a:off x="685800" y="4343400"/>
-            <a:ext cx="5486400" cy="4114800"/>
-          </a:xfrm>
-          <a:prstGeom prst="rect">
-            <a:avLst/>
-          </a:prstGeom>
-        </p:spPr>
-        <p:txBody>
-          <a:bodyPr spcFirstLastPara="1" wrap="square" lIns="91425" tIns="91425" rIns="91425" bIns="91425" anchor="t" anchorCtr="0">
-            <a:noAutofit/>
-          </a:bodyPr>
-          <a:lstStyle/>
-          <a:p>
-            <a:pPr marL="0" lvl="0" indent="0" algn="l" rtl="0">
-              <a:spcBef>
-                <a:spcPts val="0"/>
-              </a:spcBef>
-              <a:spcAft>
-                <a:spcPts val="0"/>
-              </a:spcAft>
-              <a:buNone/>
-            </a:pPr>
-            <a:r>
-              <a:rPr lang="pt-BR"/>
-              <a:t>Objetivo: agradecer!</a:t>
-            </a:r>
-            <a:endParaRPr/>
-          </a:p>
-        </p:txBody>
-      </p:sp>
-    </p:spTree>
-  </p:cSld>
-  <p:clrMapOvr>
-    <a:masterClrMapping/>
-  </p:clrMapOvr>
-</p:notes>
-</file>
-
 <file path=ppt/notesSlides/notesSlide2.xml><?xml version="1.0" encoding="utf-8"?>
 <p:notes xmlns:a="http://schemas.openxmlformats.org/drawingml/2006/main" xmlns:r="http://schemas.openxmlformats.org/officeDocument/2006/relationships" xmlns:p="http://schemas.openxmlformats.org/presentationml/2006/main" showMasterSp="0" showMasterPhAnim="0">
   <p:cSld>
@@ -1842,7 +1050,7 @@
   <p:cSld>
     <p:spTree>
       <p:nvGrpSpPr>
-        <p:cNvPr id="1" name="Shape 54"/>
+        <p:cNvPr id="1" name="Shape 66"/>
         <p:cNvGrpSpPr/>
         <p:nvPr/>
       </p:nvGrpSpPr>
@@ -1856,7 +1064,7 @@
       </p:grpSpPr>
       <p:sp>
         <p:nvSpPr>
-          <p:cNvPr id="55" name="Google Shape;55;gd8e9b03fd4_0_10:notes"/>
+          <p:cNvPr id="67" name="Google Shape;67;gd8e9b03fd4_0_15:notes"/>
           <p:cNvSpPr>
             <a:spLocks noGrp="1" noRot="1" noChangeAspect="1"/>
           </p:cNvSpPr>
@@ -1897,7 +1105,7 @@
       </p:sp>
       <p:sp>
         <p:nvSpPr>
-          <p:cNvPr id="56" name="Google Shape;56;gd8e9b03fd4_0_10:notes"/>
+          <p:cNvPr id="68" name="Google Shape;68;gd8e9b03fd4_0_15:notes"/>
           <p:cNvSpPr txBox="1">
             <a:spLocks noGrp="1"/>
           </p:cNvSpPr>
@@ -1931,7 +1139,7 @@
             </a:pPr>
             <a:r>
               <a:rPr lang="pt-BR"/>
-              <a:t>Objetivo: apresentar mais informações sobre a aula e o que será entregue com mais detalhamento.</a:t>
+              <a:t>Objetivo: informar à audiência o que é necessário para melhor aproveitamento do conteúdo.</a:t>
             </a:r>
             <a:endParaRPr/>
           </a:p>
@@ -1950,7 +1158,7 @@
   <p:cSld>
     <p:spTree>
       <p:nvGrpSpPr>
-        <p:cNvPr id="1" name="Shape 54"/>
+        <p:cNvPr id="1" name="Shape 60"/>
         <p:cNvGrpSpPr/>
         <p:nvPr/>
       </p:nvGrpSpPr>
@@ -1964,7 +1172,7 @@
       </p:grpSpPr>
       <p:sp>
         <p:nvSpPr>
-          <p:cNvPr id="55" name="Google Shape;55;gd8e9b03fd4_0_10:notes"/>
+          <p:cNvPr id="61" name="Google Shape;61;gd8e9b03fd4_0_117:notes"/>
           <p:cNvSpPr>
             <a:spLocks noGrp="1" noRot="1" noChangeAspect="1"/>
           </p:cNvSpPr>
@@ -2005,7 +1213,7 @@
       </p:sp>
       <p:sp>
         <p:nvSpPr>
-          <p:cNvPr id="56" name="Google Shape;56;gd8e9b03fd4_0_10:notes"/>
+          <p:cNvPr id="62" name="Google Shape;62;gd8e9b03fd4_0_117:notes"/>
           <p:cNvSpPr txBox="1">
             <a:spLocks noGrp="1"/>
           </p:cNvSpPr>
@@ -2039,470 +1247,13 @@
             </a:pPr>
             <a:r>
               <a:rPr lang="pt-BR"/>
-              <a:t>Objetivo: apresentar mais informações sobre a aula e o que será entregue com mais detalhamento.</a:t>
+              <a:t>Objetivo: agradecer!</a:t>
             </a:r>
             <a:endParaRPr/>
           </a:p>
         </p:txBody>
       </p:sp>
     </p:spTree>
-    <p:extLst>
-      <p:ext uri="{BB962C8B-B14F-4D97-AF65-F5344CB8AC3E}">
-        <p14:creationId xmlns:p14="http://schemas.microsoft.com/office/powerpoint/2010/main" val="3067436840"/>
-      </p:ext>
-    </p:extLst>
-  </p:cSld>
-  <p:clrMapOvr>
-    <a:masterClrMapping/>
-  </p:clrMapOvr>
-</p:notes>
-</file>
-
-<file path=ppt/notesSlides/notesSlide6.xml><?xml version="1.0" encoding="utf-8"?>
-<p:notes xmlns:a="http://schemas.openxmlformats.org/drawingml/2006/main" xmlns:r="http://schemas.openxmlformats.org/officeDocument/2006/relationships" xmlns:p="http://schemas.openxmlformats.org/presentationml/2006/main" showMasterSp="0" showMasterPhAnim="0">
-  <p:cSld>
-    <p:spTree>
-      <p:nvGrpSpPr>
-        <p:cNvPr id="1" name="Shape 54"/>
-        <p:cNvGrpSpPr/>
-        <p:nvPr/>
-      </p:nvGrpSpPr>
-      <p:grpSpPr>
-        <a:xfrm>
-          <a:off x="0" y="0"/>
-          <a:ext cx="0" cy="0"/>
-          <a:chOff x="0" y="0"/>
-          <a:chExt cx="0" cy="0"/>
-        </a:xfrm>
-      </p:grpSpPr>
-      <p:sp>
-        <p:nvSpPr>
-          <p:cNvPr id="55" name="Google Shape;55;gd8e9b03fd4_0_10:notes"/>
-          <p:cNvSpPr>
-            <a:spLocks noGrp="1" noRot="1" noChangeAspect="1"/>
-          </p:cNvSpPr>
-          <p:nvPr>
-            <p:ph type="sldImg" idx="2"/>
-          </p:nvPr>
-        </p:nvSpPr>
-        <p:spPr>
-          <a:xfrm>
-            <a:off x="381000" y="685800"/>
-            <a:ext cx="6096000" cy="3429000"/>
-          </a:xfrm>
-          <a:custGeom>
-            <a:avLst/>
-            <a:gdLst/>
-            <a:ahLst/>
-            <a:cxnLst/>
-            <a:rect l="l" t="t" r="r" b="b"/>
-            <a:pathLst>
-              <a:path w="120000" h="120000" extrusionOk="0">
-                <a:moveTo>
-                  <a:pt x="0" y="0"/>
-                </a:moveTo>
-                <a:lnTo>
-                  <a:pt x="120000" y="0"/>
-                </a:lnTo>
-                <a:lnTo>
-                  <a:pt x="120000" y="120000"/>
-                </a:lnTo>
-                <a:lnTo>
-                  <a:pt x="0" y="120000"/>
-                </a:lnTo>
-                <a:close/>
-              </a:path>
-            </a:pathLst>
-          </a:custGeom>
-        </p:spPr>
-      </p:sp>
-      <p:sp>
-        <p:nvSpPr>
-          <p:cNvPr id="56" name="Google Shape;56;gd8e9b03fd4_0_10:notes"/>
-          <p:cNvSpPr txBox="1">
-            <a:spLocks noGrp="1"/>
-          </p:cNvSpPr>
-          <p:nvPr>
-            <p:ph type="body" idx="1"/>
-          </p:nvPr>
-        </p:nvSpPr>
-        <p:spPr>
-          <a:xfrm>
-            <a:off x="685800" y="4343400"/>
-            <a:ext cx="5486400" cy="4114800"/>
-          </a:xfrm>
-          <a:prstGeom prst="rect">
-            <a:avLst/>
-          </a:prstGeom>
-        </p:spPr>
-        <p:txBody>
-          <a:bodyPr spcFirstLastPara="1" wrap="square" lIns="91425" tIns="91425" rIns="91425" bIns="91425" anchor="t" anchorCtr="0">
-            <a:noAutofit/>
-          </a:bodyPr>
-          <a:lstStyle/>
-          <a:p>
-            <a:pPr marL="0" lvl="0" indent="0" algn="l" rtl="0">
-              <a:spcBef>
-                <a:spcPts val="0"/>
-              </a:spcBef>
-              <a:spcAft>
-                <a:spcPts val="0"/>
-              </a:spcAft>
-              <a:buNone/>
-            </a:pPr>
-            <a:r>
-              <a:rPr lang="pt-BR"/>
-              <a:t>Objetivo: apresentar mais informações sobre a aula e o que será entregue com mais detalhamento.</a:t>
-            </a:r>
-            <a:endParaRPr/>
-          </a:p>
-        </p:txBody>
-      </p:sp>
-    </p:spTree>
-    <p:extLst>
-      <p:ext uri="{BB962C8B-B14F-4D97-AF65-F5344CB8AC3E}">
-        <p14:creationId xmlns:p14="http://schemas.microsoft.com/office/powerpoint/2010/main" val="1505383875"/>
-      </p:ext>
-    </p:extLst>
-  </p:cSld>
-  <p:clrMapOvr>
-    <a:masterClrMapping/>
-  </p:clrMapOvr>
-</p:notes>
-</file>
-
-<file path=ppt/notesSlides/notesSlide7.xml><?xml version="1.0" encoding="utf-8"?>
-<p:notes xmlns:a="http://schemas.openxmlformats.org/drawingml/2006/main" xmlns:r="http://schemas.openxmlformats.org/officeDocument/2006/relationships" xmlns:p="http://schemas.openxmlformats.org/presentationml/2006/main" showMasterSp="0" showMasterPhAnim="0">
-  <p:cSld>
-    <p:spTree>
-      <p:nvGrpSpPr>
-        <p:cNvPr id="1" name="Shape 54"/>
-        <p:cNvGrpSpPr/>
-        <p:nvPr/>
-      </p:nvGrpSpPr>
-      <p:grpSpPr>
-        <a:xfrm>
-          <a:off x="0" y="0"/>
-          <a:ext cx="0" cy="0"/>
-          <a:chOff x="0" y="0"/>
-          <a:chExt cx="0" cy="0"/>
-        </a:xfrm>
-      </p:grpSpPr>
-      <p:sp>
-        <p:nvSpPr>
-          <p:cNvPr id="55" name="Google Shape;55;gd8e9b03fd4_0_10:notes"/>
-          <p:cNvSpPr>
-            <a:spLocks noGrp="1" noRot="1" noChangeAspect="1"/>
-          </p:cNvSpPr>
-          <p:nvPr>
-            <p:ph type="sldImg" idx="2"/>
-          </p:nvPr>
-        </p:nvSpPr>
-        <p:spPr>
-          <a:xfrm>
-            <a:off x="381000" y="685800"/>
-            <a:ext cx="6096000" cy="3429000"/>
-          </a:xfrm>
-          <a:custGeom>
-            <a:avLst/>
-            <a:gdLst/>
-            <a:ahLst/>
-            <a:cxnLst/>
-            <a:rect l="l" t="t" r="r" b="b"/>
-            <a:pathLst>
-              <a:path w="120000" h="120000" extrusionOk="0">
-                <a:moveTo>
-                  <a:pt x="0" y="0"/>
-                </a:moveTo>
-                <a:lnTo>
-                  <a:pt x="120000" y="0"/>
-                </a:lnTo>
-                <a:lnTo>
-                  <a:pt x="120000" y="120000"/>
-                </a:lnTo>
-                <a:lnTo>
-                  <a:pt x="0" y="120000"/>
-                </a:lnTo>
-                <a:close/>
-              </a:path>
-            </a:pathLst>
-          </a:custGeom>
-        </p:spPr>
-      </p:sp>
-      <p:sp>
-        <p:nvSpPr>
-          <p:cNvPr id="56" name="Google Shape;56;gd8e9b03fd4_0_10:notes"/>
-          <p:cNvSpPr txBox="1">
-            <a:spLocks noGrp="1"/>
-          </p:cNvSpPr>
-          <p:nvPr>
-            <p:ph type="body" idx="1"/>
-          </p:nvPr>
-        </p:nvSpPr>
-        <p:spPr>
-          <a:xfrm>
-            <a:off x="685800" y="4343400"/>
-            <a:ext cx="5486400" cy="4114800"/>
-          </a:xfrm>
-          <a:prstGeom prst="rect">
-            <a:avLst/>
-          </a:prstGeom>
-        </p:spPr>
-        <p:txBody>
-          <a:bodyPr spcFirstLastPara="1" wrap="square" lIns="91425" tIns="91425" rIns="91425" bIns="91425" anchor="t" anchorCtr="0">
-            <a:noAutofit/>
-          </a:bodyPr>
-          <a:lstStyle/>
-          <a:p>
-            <a:pPr marL="0" lvl="0" indent="0" algn="l" rtl="0">
-              <a:spcBef>
-                <a:spcPts val="0"/>
-              </a:spcBef>
-              <a:spcAft>
-                <a:spcPts val="0"/>
-              </a:spcAft>
-              <a:buNone/>
-            </a:pPr>
-            <a:r>
-              <a:rPr lang="pt-BR"/>
-              <a:t>Objetivo: apresentar mais informações sobre a aula e o que será entregue com mais detalhamento.</a:t>
-            </a:r>
-            <a:endParaRPr/>
-          </a:p>
-        </p:txBody>
-      </p:sp>
-    </p:spTree>
-    <p:extLst>
-      <p:ext uri="{BB962C8B-B14F-4D97-AF65-F5344CB8AC3E}">
-        <p14:creationId xmlns:p14="http://schemas.microsoft.com/office/powerpoint/2010/main" val="4127924863"/>
-      </p:ext>
-    </p:extLst>
-  </p:cSld>
-  <p:clrMapOvr>
-    <a:masterClrMapping/>
-  </p:clrMapOvr>
-</p:notes>
-</file>
-
-<file path=ppt/notesSlides/notesSlide8.xml><?xml version="1.0" encoding="utf-8"?>
-<p:notes xmlns:a="http://schemas.openxmlformats.org/drawingml/2006/main" xmlns:r="http://schemas.openxmlformats.org/officeDocument/2006/relationships" xmlns:p="http://schemas.openxmlformats.org/presentationml/2006/main" showMasterSp="0" showMasterPhAnim="0">
-  <p:cSld>
-    <p:spTree>
-      <p:nvGrpSpPr>
-        <p:cNvPr id="1" name="Shape 54"/>
-        <p:cNvGrpSpPr/>
-        <p:nvPr/>
-      </p:nvGrpSpPr>
-      <p:grpSpPr>
-        <a:xfrm>
-          <a:off x="0" y="0"/>
-          <a:ext cx="0" cy="0"/>
-          <a:chOff x="0" y="0"/>
-          <a:chExt cx="0" cy="0"/>
-        </a:xfrm>
-      </p:grpSpPr>
-      <p:sp>
-        <p:nvSpPr>
-          <p:cNvPr id="55" name="Google Shape;55;gd8e9b03fd4_0_10:notes"/>
-          <p:cNvSpPr>
-            <a:spLocks noGrp="1" noRot="1" noChangeAspect="1"/>
-          </p:cNvSpPr>
-          <p:nvPr>
-            <p:ph type="sldImg" idx="2"/>
-          </p:nvPr>
-        </p:nvSpPr>
-        <p:spPr>
-          <a:xfrm>
-            <a:off x="381000" y="685800"/>
-            <a:ext cx="6096000" cy="3429000"/>
-          </a:xfrm>
-          <a:custGeom>
-            <a:avLst/>
-            <a:gdLst/>
-            <a:ahLst/>
-            <a:cxnLst/>
-            <a:rect l="l" t="t" r="r" b="b"/>
-            <a:pathLst>
-              <a:path w="120000" h="120000" extrusionOk="0">
-                <a:moveTo>
-                  <a:pt x="0" y="0"/>
-                </a:moveTo>
-                <a:lnTo>
-                  <a:pt x="120000" y="0"/>
-                </a:lnTo>
-                <a:lnTo>
-                  <a:pt x="120000" y="120000"/>
-                </a:lnTo>
-                <a:lnTo>
-                  <a:pt x="0" y="120000"/>
-                </a:lnTo>
-                <a:close/>
-              </a:path>
-            </a:pathLst>
-          </a:custGeom>
-        </p:spPr>
-      </p:sp>
-      <p:sp>
-        <p:nvSpPr>
-          <p:cNvPr id="56" name="Google Shape;56;gd8e9b03fd4_0_10:notes"/>
-          <p:cNvSpPr txBox="1">
-            <a:spLocks noGrp="1"/>
-          </p:cNvSpPr>
-          <p:nvPr>
-            <p:ph type="body" idx="1"/>
-          </p:nvPr>
-        </p:nvSpPr>
-        <p:spPr>
-          <a:xfrm>
-            <a:off x="685800" y="4343400"/>
-            <a:ext cx="5486400" cy="4114800"/>
-          </a:xfrm>
-          <a:prstGeom prst="rect">
-            <a:avLst/>
-          </a:prstGeom>
-        </p:spPr>
-        <p:txBody>
-          <a:bodyPr spcFirstLastPara="1" wrap="square" lIns="91425" tIns="91425" rIns="91425" bIns="91425" anchor="t" anchorCtr="0">
-            <a:noAutofit/>
-          </a:bodyPr>
-          <a:lstStyle/>
-          <a:p>
-            <a:pPr marL="0" lvl="0" indent="0" algn="l" rtl="0">
-              <a:spcBef>
-                <a:spcPts val="0"/>
-              </a:spcBef>
-              <a:spcAft>
-                <a:spcPts val="0"/>
-              </a:spcAft>
-              <a:buNone/>
-            </a:pPr>
-            <a:r>
-              <a:rPr lang="pt-BR"/>
-              <a:t>Objetivo: apresentar mais informações sobre a aula e o que será entregue com mais detalhamento.</a:t>
-            </a:r>
-            <a:endParaRPr/>
-          </a:p>
-        </p:txBody>
-      </p:sp>
-    </p:spTree>
-    <p:extLst>
-      <p:ext uri="{BB962C8B-B14F-4D97-AF65-F5344CB8AC3E}">
-        <p14:creationId xmlns:p14="http://schemas.microsoft.com/office/powerpoint/2010/main" val="1088264248"/>
-      </p:ext>
-    </p:extLst>
-  </p:cSld>
-  <p:clrMapOvr>
-    <a:masterClrMapping/>
-  </p:clrMapOvr>
-</p:notes>
-</file>
-
-<file path=ppt/notesSlides/notesSlide9.xml><?xml version="1.0" encoding="utf-8"?>
-<p:notes xmlns:a="http://schemas.openxmlformats.org/drawingml/2006/main" xmlns:r="http://schemas.openxmlformats.org/officeDocument/2006/relationships" xmlns:p="http://schemas.openxmlformats.org/presentationml/2006/main" showMasterSp="0" showMasterPhAnim="0">
-  <p:cSld>
-    <p:spTree>
-      <p:nvGrpSpPr>
-        <p:cNvPr id="1" name="Shape 54"/>
-        <p:cNvGrpSpPr/>
-        <p:nvPr/>
-      </p:nvGrpSpPr>
-      <p:grpSpPr>
-        <a:xfrm>
-          <a:off x="0" y="0"/>
-          <a:ext cx="0" cy="0"/>
-          <a:chOff x="0" y="0"/>
-          <a:chExt cx="0" cy="0"/>
-        </a:xfrm>
-      </p:grpSpPr>
-      <p:sp>
-        <p:nvSpPr>
-          <p:cNvPr id="55" name="Google Shape;55;gd8e9b03fd4_0_10:notes"/>
-          <p:cNvSpPr>
-            <a:spLocks noGrp="1" noRot="1" noChangeAspect="1"/>
-          </p:cNvSpPr>
-          <p:nvPr>
-            <p:ph type="sldImg" idx="2"/>
-          </p:nvPr>
-        </p:nvSpPr>
-        <p:spPr>
-          <a:xfrm>
-            <a:off x="381000" y="685800"/>
-            <a:ext cx="6096000" cy="3429000"/>
-          </a:xfrm>
-          <a:custGeom>
-            <a:avLst/>
-            <a:gdLst/>
-            <a:ahLst/>
-            <a:cxnLst/>
-            <a:rect l="l" t="t" r="r" b="b"/>
-            <a:pathLst>
-              <a:path w="120000" h="120000" extrusionOk="0">
-                <a:moveTo>
-                  <a:pt x="0" y="0"/>
-                </a:moveTo>
-                <a:lnTo>
-                  <a:pt x="120000" y="0"/>
-                </a:lnTo>
-                <a:lnTo>
-                  <a:pt x="120000" y="120000"/>
-                </a:lnTo>
-                <a:lnTo>
-                  <a:pt x="0" y="120000"/>
-                </a:lnTo>
-                <a:close/>
-              </a:path>
-            </a:pathLst>
-          </a:custGeom>
-        </p:spPr>
-      </p:sp>
-      <p:sp>
-        <p:nvSpPr>
-          <p:cNvPr id="56" name="Google Shape;56;gd8e9b03fd4_0_10:notes"/>
-          <p:cNvSpPr txBox="1">
-            <a:spLocks noGrp="1"/>
-          </p:cNvSpPr>
-          <p:nvPr>
-            <p:ph type="body" idx="1"/>
-          </p:nvPr>
-        </p:nvSpPr>
-        <p:spPr>
-          <a:xfrm>
-            <a:off x="685800" y="4343400"/>
-            <a:ext cx="5486400" cy="4114800"/>
-          </a:xfrm>
-          <a:prstGeom prst="rect">
-            <a:avLst/>
-          </a:prstGeom>
-        </p:spPr>
-        <p:txBody>
-          <a:bodyPr spcFirstLastPara="1" wrap="square" lIns="91425" tIns="91425" rIns="91425" bIns="91425" anchor="t" anchorCtr="0">
-            <a:noAutofit/>
-          </a:bodyPr>
-          <a:lstStyle/>
-          <a:p>
-            <a:pPr marL="0" lvl="0" indent="0" algn="l" rtl="0">
-              <a:spcBef>
-                <a:spcPts val="0"/>
-              </a:spcBef>
-              <a:spcAft>
-                <a:spcPts val="0"/>
-              </a:spcAft>
-              <a:buNone/>
-            </a:pPr>
-            <a:r>
-              <a:rPr lang="pt-BR"/>
-              <a:t>Objetivo: apresentar mais informações sobre a aula e o que será entregue com mais detalhamento.</a:t>
-            </a:r>
-            <a:endParaRPr/>
-          </a:p>
-        </p:txBody>
-      </p:sp>
-    </p:spTree>
-    <p:extLst>
-      <p:ext uri="{BB962C8B-B14F-4D97-AF65-F5344CB8AC3E}">
-        <p14:creationId xmlns:p14="http://schemas.microsoft.com/office/powerpoint/2010/main" val="592581122"/>
-      </p:ext>
-    </p:extLst>
   </p:cSld>
   <p:clrMapOvr>
     <a:masterClrMapping/>
@@ -5103,10 +3854,10 @@
               <a:buNone/>
             </a:pPr>
             <a:r>
-              <a:rPr lang="pt-BR"/>
-              <a:t>21/09/2021</a:t>
-            </a:r>
-            <a:endParaRPr dirty="0"/>
+              <a:rPr lang="pt-BR" u="sng" dirty="0"/>
+              <a:t>22/09/2021</a:t>
+            </a:r>
+            <a:endParaRPr u="sng" dirty="0"/>
           </a:p>
         </p:txBody>
       </p:sp>
@@ -5147,2568 +3898,6 @@
               <a:buNone/>
             </a:pPr>
             <a:endParaRPr/>
-          </a:p>
-        </p:txBody>
-      </p:sp>
-    </p:spTree>
-  </p:cSld>
-  <p:clrMapOvr>
-    <a:masterClrMapping/>
-  </p:clrMapOvr>
-</p:sld>
-</file>
-
-<file path=ppt/slides/slide10.xml><?xml version="1.0" encoding="utf-8"?>
-<p:sld xmlns:a="http://schemas.openxmlformats.org/drawingml/2006/main" xmlns:r="http://schemas.openxmlformats.org/officeDocument/2006/relationships" xmlns:p="http://schemas.openxmlformats.org/presentationml/2006/main">
-  <p:cSld>
-    <p:spTree>
-      <p:nvGrpSpPr>
-        <p:cNvPr id="1" name="Shape 57"/>
-        <p:cNvGrpSpPr/>
-        <p:nvPr/>
-      </p:nvGrpSpPr>
-      <p:grpSpPr>
-        <a:xfrm>
-          <a:off x="0" y="0"/>
-          <a:ext cx="0" cy="0"/>
-          <a:chOff x="0" y="0"/>
-          <a:chExt cx="0" cy="0"/>
-        </a:xfrm>
-      </p:grpSpPr>
-      <p:sp>
-        <p:nvSpPr>
-          <p:cNvPr id="58" name="Google Shape;58;p11"/>
-          <p:cNvSpPr txBox="1">
-            <a:spLocks noGrp="1"/>
-          </p:cNvSpPr>
-          <p:nvPr>
-            <p:ph type="title"/>
-          </p:nvPr>
-        </p:nvSpPr>
-        <p:spPr>
-          <a:xfrm>
-            <a:off x="585300" y="180625"/>
-            <a:ext cx="8247000" cy="572700"/>
-          </a:xfrm>
-          <a:prstGeom prst="rect">
-            <a:avLst/>
-          </a:prstGeom>
-        </p:spPr>
-        <p:txBody>
-          <a:bodyPr spcFirstLastPara="1" wrap="square" lIns="91425" tIns="91425" rIns="91425" bIns="91425" anchor="t" anchorCtr="0">
-            <a:normAutofit/>
-          </a:bodyPr>
-          <a:lstStyle/>
-          <a:p>
-            <a:pPr marL="0" lvl="0" indent="0" algn="l" rtl="0">
-              <a:spcBef>
-                <a:spcPts val="0"/>
-              </a:spcBef>
-              <a:spcAft>
-                <a:spcPts val="0"/>
-              </a:spcAft>
-              <a:buNone/>
-            </a:pPr>
-            <a:r>
-              <a:rPr lang="pt-BR" dirty="0"/>
-              <a:t>Benefícios dos módulos por funcionalidade</a:t>
-            </a:r>
-          </a:p>
-        </p:txBody>
-      </p:sp>
-      <p:sp>
-        <p:nvSpPr>
-          <p:cNvPr id="59" name="Google Shape;59;p11"/>
-          <p:cNvSpPr txBox="1">
-            <a:spLocks noGrp="1"/>
-          </p:cNvSpPr>
-          <p:nvPr>
-            <p:ph type="body" idx="1"/>
-          </p:nvPr>
-        </p:nvSpPr>
-        <p:spPr>
-          <a:xfrm>
-            <a:off x="585300" y="1192560"/>
-            <a:ext cx="8247000" cy="2758379"/>
-          </a:xfrm>
-          <a:prstGeom prst="rect">
-            <a:avLst/>
-          </a:prstGeom>
-        </p:spPr>
-        <p:txBody>
-          <a:bodyPr spcFirstLastPara="1" wrap="square" lIns="91425" tIns="91425" rIns="91425" bIns="91425" anchor="t" anchorCtr="0">
-            <a:normAutofit/>
-          </a:bodyPr>
-          <a:lstStyle/>
-          <a:p>
-            <a:pPr algn="l" fontAlgn="base"/>
-            <a:r>
-              <a:rPr lang="pt-BR" b="0" dirty="0">
-                <a:solidFill>
-                  <a:schemeClr val="bg1"/>
-                </a:solidFill>
-                <a:latin typeface="Roboto" panose="02000000000000000000" pitchFamily="2" charset="0"/>
-                <a:ea typeface="Roboto" panose="02000000000000000000" pitchFamily="2" charset="0"/>
-              </a:rPr>
-              <a:t>Permitem definir uma clara separação das funcionalidades;</a:t>
-            </a:r>
-          </a:p>
-          <a:p>
-            <a:pPr algn="l" fontAlgn="base"/>
-            <a:r>
-              <a:rPr lang="pt-BR" b="0" dirty="0">
-                <a:solidFill>
-                  <a:schemeClr val="bg1"/>
-                </a:solidFill>
-                <a:latin typeface="Roboto" panose="02000000000000000000" pitchFamily="2" charset="0"/>
-                <a:ea typeface="Roboto" panose="02000000000000000000" pitchFamily="2" charset="0"/>
-              </a:rPr>
-              <a:t>Facilita a organização do código e da estrutura da aplicação;</a:t>
-            </a:r>
-          </a:p>
-          <a:p>
-            <a:pPr algn="l" fontAlgn="base"/>
-            <a:r>
-              <a:rPr lang="pt-BR" b="0" dirty="0">
-                <a:solidFill>
-                  <a:schemeClr val="bg1"/>
-                </a:solidFill>
-                <a:latin typeface="Roboto" panose="02000000000000000000" pitchFamily="2" charset="0"/>
-                <a:ea typeface="Roboto" panose="02000000000000000000" pitchFamily="2" charset="0"/>
-              </a:rPr>
-              <a:t>Permitem utilizar o conceito de “</a:t>
-            </a:r>
-            <a:r>
-              <a:rPr lang="pt-BR" b="0" dirty="0" err="1">
-                <a:solidFill>
-                  <a:schemeClr val="bg1"/>
-                </a:solidFill>
-                <a:latin typeface="Roboto" panose="02000000000000000000" pitchFamily="2" charset="0"/>
-                <a:ea typeface="Roboto" panose="02000000000000000000" pitchFamily="2" charset="0"/>
-              </a:rPr>
-              <a:t>lazy</a:t>
-            </a:r>
-            <a:r>
-              <a:rPr lang="pt-BR" b="0" dirty="0">
-                <a:solidFill>
-                  <a:schemeClr val="bg1"/>
-                </a:solidFill>
-                <a:latin typeface="Roboto" panose="02000000000000000000" pitchFamily="2" charset="0"/>
-                <a:ea typeface="Roboto" panose="02000000000000000000" pitchFamily="2" charset="0"/>
-              </a:rPr>
-              <a:t> </a:t>
-            </a:r>
-            <a:r>
-              <a:rPr lang="pt-BR" b="0" dirty="0" err="1">
-                <a:solidFill>
-                  <a:schemeClr val="bg1"/>
-                </a:solidFill>
-                <a:latin typeface="Roboto" panose="02000000000000000000" pitchFamily="2" charset="0"/>
-                <a:ea typeface="Roboto" panose="02000000000000000000" pitchFamily="2" charset="0"/>
-              </a:rPr>
-              <a:t>loaded</a:t>
-            </a:r>
-            <a:r>
-              <a:rPr lang="pt-BR" b="0" dirty="0">
-                <a:solidFill>
-                  <a:schemeClr val="bg1"/>
-                </a:solidFill>
-                <a:latin typeface="Roboto" panose="02000000000000000000" pitchFamily="2" charset="0"/>
-                <a:ea typeface="Roboto" panose="02000000000000000000" pitchFamily="2" charset="0"/>
-              </a:rPr>
-              <a:t> modules”, facilitando a criação de aplicações escaláveis e reduzindo o tempo de carregamento inicial da aplicação.</a:t>
-            </a:r>
-          </a:p>
-          <a:p>
-            <a:pPr algn="l" fontAlgn="base"/>
-            <a:r>
-              <a:rPr lang="pt-BR" b="0" dirty="0">
-                <a:solidFill>
-                  <a:schemeClr val="bg1"/>
-                </a:solidFill>
-                <a:latin typeface="Roboto" panose="02000000000000000000" pitchFamily="2" charset="0"/>
-                <a:ea typeface="Roboto" panose="02000000000000000000" pitchFamily="2" charset="0"/>
-              </a:rPr>
-              <a:t>Facilita a separação das funcionalidades e das responsabilidades do código através do princípio da Separação de Conceitos (SOC).</a:t>
-            </a:r>
-          </a:p>
-        </p:txBody>
-      </p:sp>
-    </p:spTree>
-    <p:extLst>
-      <p:ext uri="{BB962C8B-B14F-4D97-AF65-F5344CB8AC3E}">
-        <p14:creationId xmlns:p14="http://schemas.microsoft.com/office/powerpoint/2010/main" val="766375843"/>
-      </p:ext>
-    </p:extLst>
-  </p:cSld>
-  <p:clrMapOvr>
-    <a:masterClrMapping/>
-  </p:clrMapOvr>
-</p:sld>
-</file>
-
-<file path=ppt/slides/slide11.xml><?xml version="1.0" encoding="utf-8"?>
-<p:sld xmlns:a="http://schemas.openxmlformats.org/drawingml/2006/main" xmlns:r="http://schemas.openxmlformats.org/officeDocument/2006/relationships" xmlns:p="http://schemas.openxmlformats.org/presentationml/2006/main">
-  <p:cSld>
-    <p:spTree>
-      <p:nvGrpSpPr>
-        <p:cNvPr id="1" name="Shape 57"/>
-        <p:cNvGrpSpPr/>
-        <p:nvPr/>
-      </p:nvGrpSpPr>
-      <p:grpSpPr>
-        <a:xfrm>
-          <a:off x="0" y="0"/>
-          <a:ext cx="0" cy="0"/>
-          <a:chOff x="0" y="0"/>
-          <a:chExt cx="0" cy="0"/>
-        </a:xfrm>
-      </p:grpSpPr>
-      <p:sp>
-        <p:nvSpPr>
-          <p:cNvPr id="58" name="Google Shape;58;p11"/>
-          <p:cNvSpPr txBox="1">
-            <a:spLocks noGrp="1"/>
-          </p:cNvSpPr>
-          <p:nvPr>
-            <p:ph type="title"/>
-          </p:nvPr>
-        </p:nvSpPr>
-        <p:spPr>
-          <a:xfrm>
-            <a:off x="585300" y="180625"/>
-            <a:ext cx="8247000" cy="572700"/>
-          </a:xfrm>
-          <a:prstGeom prst="rect">
-            <a:avLst/>
-          </a:prstGeom>
-        </p:spPr>
-        <p:txBody>
-          <a:bodyPr spcFirstLastPara="1" wrap="square" lIns="91425" tIns="91425" rIns="91425" bIns="91425" anchor="t" anchorCtr="0">
-            <a:normAutofit/>
-          </a:bodyPr>
-          <a:lstStyle/>
-          <a:p>
-            <a:pPr marL="0" lvl="0" indent="0" algn="l" rtl="0">
-              <a:spcBef>
-                <a:spcPts val="0"/>
-              </a:spcBef>
-              <a:spcAft>
-                <a:spcPts val="0"/>
-              </a:spcAft>
-              <a:buNone/>
-            </a:pPr>
-            <a:r>
-              <a:rPr lang="pt-BR" dirty="0"/>
-              <a:t>Demo do projeto final</a:t>
-            </a:r>
-          </a:p>
-        </p:txBody>
-      </p:sp>
-      <p:pic>
-        <p:nvPicPr>
-          <p:cNvPr id="3" name="Imagem 2">
-            <a:extLst>
-              <a:ext uri="{FF2B5EF4-FFF2-40B4-BE49-F238E27FC236}">
-                <a16:creationId xmlns:a16="http://schemas.microsoft.com/office/drawing/2014/main" id="{17EFAABC-35D9-494D-B999-0C301C34341D}"/>
-              </a:ext>
-            </a:extLst>
-          </p:cNvPr>
-          <p:cNvPicPr>
-            <a:picLocks noChangeAspect="1"/>
-          </p:cNvPicPr>
-          <p:nvPr/>
-        </p:nvPicPr>
-        <p:blipFill>
-          <a:blip r:embed="rId3"/>
-          <a:stretch>
-            <a:fillRect/>
-          </a:stretch>
-        </p:blipFill>
-        <p:spPr>
-          <a:xfrm>
-            <a:off x="585299" y="1766368"/>
-            <a:ext cx="5401643" cy="2367272"/>
-          </a:xfrm>
-          <a:prstGeom prst="rect">
-            <a:avLst/>
-          </a:prstGeom>
-        </p:spPr>
-      </p:pic>
-      <p:pic>
-        <p:nvPicPr>
-          <p:cNvPr id="5" name="Imagem 4">
-            <a:extLst>
-              <a:ext uri="{FF2B5EF4-FFF2-40B4-BE49-F238E27FC236}">
-                <a16:creationId xmlns:a16="http://schemas.microsoft.com/office/drawing/2014/main" id="{D6577742-867A-4C58-A0B5-B14C52A9C49B}"/>
-              </a:ext>
-            </a:extLst>
-          </p:cNvPr>
-          <p:cNvPicPr>
-            <a:picLocks noChangeAspect="1"/>
-          </p:cNvPicPr>
-          <p:nvPr/>
-        </p:nvPicPr>
-        <p:blipFill>
-          <a:blip r:embed="rId4"/>
-          <a:stretch>
-            <a:fillRect/>
-          </a:stretch>
-        </p:blipFill>
-        <p:spPr>
-          <a:xfrm>
-            <a:off x="5986942" y="722143"/>
-            <a:ext cx="2845358" cy="2153243"/>
-          </a:xfrm>
-          <a:prstGeom prst="rect">
-            <a:avLst/>
-          </a:prstGeom>
-        </p:spPr>
-      </p:pic>
-      <p:pic>
-        <p:nvPicPr>
-          <p:cNvPr id="7" name="Imagem 6">
-            <a:extLst>
-              <a:ext uri="{FF2B5EF4-FFF2-40B4-BE49-F238E27FC236}">
-                <a16:creationId xmlns:a16="http://schemas.microsoft.com/office/drawing/2014/main" id="{B484B565-4088-4B08-BAEF-F3CDFC6FD61C}"/>
-              </a:ext>
-            </a:extLst>
-          </p:cNvPr>
-          <p:cNvPicPr>
-            <a:picLocks noChangeAspect="1"/>
-          </p:cNvPicPr>
-          <p:nvPr/>
-        </p:nvPicPr>
-        <p:blipFill>
-          <a:blip r:embed="rId5"/>
-          <a:stretch>
-            <a:fillRect/>
-          </a:stretch>
-        </p:blipFill>
-        <p:spPr>
-          <a:xfrm>
-            <a:off x="5986942" y="2918483"/>
-            <a:ext cx="2845358" cy="2121391"/>
-          </a:xfrm>
-          <a:prstGeom prst="rect">
-            <a:avLst/>
-          </a:prstGeom>
-        </p:spPr>
-      </p:pic>
-    </p:spTree>
-    <p:extLst>
-      <p:ext uri="{BB962C8B-B14F-4D97-AF65-F5344CB8AC3E}">
-        <p14:creationId xmlns:p14="http://schemas.microsoft.com/office/powerpoint/2010/main" val="2576631534"/>
-      </p:ext>
-    </p:extLst>
-  </p:cSld>
-  <p:clrMapOvr>
-    <a:masterClrMapping/>
-  </p:clrMapOvr>
-</p:sld>
-</file>
-
-<file path=ppt/slides/slide12.xml><?xml version="1.0" encoding="utf-8"?>
-<p:sld xmlns:a="http://schemas.openxmlformats.org/drawingml/2006/main" xmlns:r="http://schemas.openxmlformats.org/officeDocument/2006/relationships" xmlns:p="http://schemas.openxmlformats.org/presentationml/2006/main">
-  <p:cSld>
-    <p:spTree>
-      <p:nvGrpSpPr>
-        <p:cNvPr id="1" name="Shape 69"/>
-        <p:cNvGrpSpPr/>
-        <p:nvPr/>
-      </p:nvGrpSpPr>
-      <p:grpSpPr>
-        <a:xfrm>
-          <a:off x="0" y="0"/>
-          <a:ext cx="0" cy="0"/>
-          <a:chOff x="0" y="0"/>
-          <a:chExt cx="0" cy="0"/>
-        </a:xfrm>
-      </p:grpSpPr>
-      <p:sp>
-        <p:nvSpPr>
-          <p:cNvPr id="70" name="Google Shape;70;p13"/>
-          <p:cNvSpPr txBox="1">
-            <a:spLocks noGrp="1"/>
-          </p:cNvSpPr>
-          <p:nvPr>
-            <p:ph type="title"/>
-          </p:nvPr>
-        </p:nvSpPr>
-        <p:spPr>
-          <a:xfrm>
-            <a:off x="585300" y="180625"/>
-            <a:ext cx="8247000" cy="572700"/>
-          </a:xfrm>
-          <a:prstGeom prst="rect">
-            <a:avLst/>
-          </a:prstGeom>
-        </p:spPr>
-        <p:txBody>
-          <a:bodyPr spcFirstLastPara="1" wrap="square" lIns="91425" tIns="91425" rIns="91425" bIns="91425" anchor="t" anchorCtr="0">
-            <a:normAutofit/>
-          </a:bodyPr>
-          <a:lstStyle/>
-          <a:p>
-            <a:pPr marL="0" lvl="0" indent="0" algn="l" rtl="0">
-              <a:spcBef>
-                <a:spcPts val="0"/>
-              </a:spcBef>
-              <a:spcAft>
-                <a:spcPts val="0"/>
-              </a:spcAft>
-              <a:buNone/>
-            </a:pPr>
-            <a:r>
-              <a:rPr lang="pt-BR" dirty="0"/>
-              <a:t>Requisitos, ambiente e recursos</a:t>
-            </a:r>
-            <a:endParaRPr dirty="0"/>
-          </a:p>
-        </p:txBody>
-      </p:sp>
-      <p:sp>
-        <p:nvSpPr>
-          <p:cNvPr id="71" name="Google Shape;71;p13"/>
-          <p:cNvSpPr txBox="1">
-            <a:spLocks noGrp="1"/>
-          </p:cNvSpPr>
-          <p:nvPr>
-            <p:ph type="body" idx="1"/>
-          </p:nvPr>
-        </p:nvSpPr>
-        <p:spPr>
-          <a:xfrm>
-            <a:off x="585300" y="833718"/>
-            <a:ext cx="8247000" cy="4182035"/>
-          </a:xfrm>
-          <a:prstGeom prst="rect">
-            <a:avLst/>
-          </a:prstGeom>
-        </p:spPr>
-        <p:txBody>
-          <a:bodyPr spcFirstLastPara="1" wrap="square" lIns="91425" tIns="91425" rIns="91425" bIns="91425" anchor="t" anchorCtr="0">
-            <a:normAutofit lnSpcReduction="10000"/>
-          </a:bodyPr>
-          <a:lstStyle/>
-          <a:p>
-            <a:pPr marL="457200" lvl="0" indent="-342900" algn="l" rtl="0">
-              <a:lnSpc>
-                <a:spcPct val="150000"/>
-              </a:lnSpc>
-              <a:spcBef>
-                <a:spcPts val="0"/>
-              </a:spcBef>
-              <a:spcAft>
-                <a:spcPts val="0"/>
-              </a:spcAft>
-              <a:buSzPts val="1800"/>
-              <a:buChar char="●"/>
-            </a:pPr>
-            <a:r>
-              <a:rPr lang="pt-BR" dirty="0"/>
-              <a:t>Link uteis </a:t>
-            </a:r>
-          </a:p>
-          <a:p>
-            <a:pPr lvl="1" indent="-342900">
-              <a:lnSpc>
-                <a:spcPct val="150000"/>
-              </a:lnSpc>
-              <a:buSzPts val="1800"/>
-              <a:buChar char="●"/>
-            </a:pPr>
-            <a:r>
-              <a:rPr lang="pt-BR" dirty="0">
-                <a:solidFill>
-                  <a:schemeClr val="bg1"/>
-                </a:solidFill>
-              </a:rPr>
-              <a:t>Angular CLI - </a:t>
-            </a:r>
-            <a:r>
-              <a:rPr lang="pt-BR" dirty="0">
-                <a:solidFill>
-                  <a:srgbClr val="D73628"/>
-                </a:solidFill>
-                <a:hlinkClick r:id="rId3">
-                  <a:extLst>
-                    <a:ext uri="{A12FA001-AC4F-418D-AE19-62706E023703}">
-                      <ahyp:hlinkClr xmlns:ahyp="http://schemas.microsoft.com/office/drawing/2018/hyperlinkcolor" val="tx"/>
-                    </a:ext>
-                  </a:extLst>
-                </a:hlinkClick>
-              </a:rPr>
-              <a:t>https://angular.io/cli</a:t>
-            </a:r>
-            <a:endParaRPr lang="pt-BR" dirty="0">
-              <a:solidFill>
-                <a:srgbClr val="D73628"/>
-              </a:solidFill>
-            </a:endParaRPr>
-          </a:p>
-          <a:p>
-            <a:pPr lvl="2" indent="-342900">
-              <a:lnSpc>
-                <a:spcPct val="150000"/>
-              </a:lnSpc>
-              <a:buSzPts val="1800"/>
-              <a:buChar char="●"/>
-            </a:pPr>
-            <a:r>
-              <a:rPr lang="pt-BR" sz="1200" dirty="0">
-                <a:solidFill>
-                  <a:schemeClr val="bg1"/>
-                </a:solidFill>
-              </a:rPr>
-              <a:t>new - </a:t>
-            </a:r>
-            <a:r>
-              <a:rPr lang="pt-BR" sz="1200" dirty="0">
-                <a:solidFill>
-                  <a:srgbClr val="D73628"/>
-                </a:solidFill>
-                <a:hlinkClick r:id="rId4">
-                  <a:extLst>
-                    <a:ext uri="{A12FA001-AC4F-418D-AE19-62706E023703}">
-                      <ahyp:hlinkClr xmlns:ahyp="http://schemas.microsoft.com/office/drawing/2018/hyperlinkcolor" val="tx"/>
-                    </a:ext>
-                  </a:extLst>
-                </a:hlinkClick>
-              </a:rPr>
-              <a:t>https://angular.io/cli/new</a:t>
-            </a:r>
-            <a:endParaRPr lang="pt-BR" sz="1200" dirty="0">
-              <a:solidFill>
-                <a:srgbClr val="D73628"/>
-              </a:solidFill>
-            </a:endParaRPr>
-          </a:p>
-          <a:p>
-            <a:pPr lvl="2" indent="-342900">
-              <a:lnSpc>
-                <a:spcPct val="150000"/>
-              </a:lnSpc>
-              <a:buSzPts val="1800"/>
-              <a:buChar char="●"/>
-            </a:pPr>
-            <a:r>
-              <a:rPr lang="pt-BR" sz="1200" dirty="0" err="1">
-                <a:solidFill>
-                  <a:schemeClr val="bg1"/>
-                </a:solidFill>
-              </a:rPr>
-              <a:t>generate</a:t>
-            </a:r>
-            <a:r>
-              <a:rPr lang="pt-BR" sz="1200" dirty="0">
-                <a:solidFill>
-                  <a:schemeClr val="bg1"/>
-                </a:solidFill>
-              </a:rPr>
-              <a:t> - </a:t>
-            </a:r>
-            <a:r>
-              <a:rPr lang="pt-BR" sz="1200" dirty="0">
-                <a:solidFill>
-                  <a:srgbClr val="D73628"/>
-                </a:solidFill>
-                <a:hlinkClick r:id="rId5">
-                  <a:extLst>
-                    <a:ext uri="{A12FA001-AC4F-418D-AE19-62706E023703}">
-                      <ahyp:hlinkClr xmlns:ahyp="http://schemas.microsoft.com/office/drawing/2018/hyperlinkcolor" val="tx"/>
-                    </a:ext>
-                  </a:extLst>
-                </a:hlinkClick>
-              </a:rPr>
-              <a:t>https://angular.io/cli/generate</a:t>
-            </a:r>
-            <a:endParaRPr lang="pt-BR" sz="1200" dirty="0">
-              <a:solidFill>
-                <a:srgbClr val="D73628"/>
-              </a:solidFill>
-            </a:endParaRPr>
-          </a:p>
-          <a:p>
-            <a:pPr lvl="1" indent="-342900">
-              <a:lnSpc>
-                <a:spcPct val="150000"/>
-              </a:lnSpc>
-              <a:buSzPts val="1800"/>
-              <a:buChar char="●"/>
-            </a:pPr>
-            <a:r>
-              <a:rPr lang="pt-BR" dirty="0" err="1">
-                <a:solidFill>
-                  <a:schemeClr val="bg1"/>
-                </a:solidFill>
-              </a:rPr>
-              <a:t>Ng-Bootstrap</a:t>
-            </a:r>
-            <a:r>
-              <a:rPr lang="pt-BR" dirty="0">
-                <a:solidFill>
-                  <a:schemeClr val="bg1"/>
-                </a:solidFill>
-              </a:rPr>
-              <a:t> - </a:t>
-            </a:r>
-            <a:r>
-              <a:rPr lang="pt-BR" dirty="0">
-                <a:solidFill>
-                  <a:srgbClr val="D73628"/>
-                </a:solidFill>
-                <a:hlinkClick r:id="rId6">
-                  <a:extLst>
-                    <a:ext uri="{A12FA001-AC4F-418D-AE19-62706E023703}">
-                      <ahyp:hlinkClr xmlns:ahyp="http://schemas.microsoft.com/office/drawing/2018/hyperlinkcolor" val="tx"/>
-                    </a:ext>
-                  </a:extLst>
-                </a:hlinkClick>
-              </a:rPr>
-              <a:t>https://ng-bootstrap.github.io/#/home</a:t>
-            </a:r>
-            <a:endParaRPr lang="pt-BR" dirty="0">
-              <a:solidFill>
-                <a:srgbClr val="D73628"/>
-              </a:solidFill>
-            </a:endParaRPr>
-          </a:p>
-          <a:p>
-            <a:pPr lvl="1" indent="-342900">
-              <a:lnSpc>
-                <a:spcPct val="150000"/>
-              </a:lnSpc>
-              <a:buSzPts val="1800"/>
-              <a:buChar char="●"/>
-            </a:pPr>
-            <a:r>
-              <a:rPr lang="pt-BR" dirty="0" err="1">
-                <a:solidFill>
-                  <a:schemeClr val="bg1"/>
-                </a:solidFill>
-              </a:rPr>
-              <a:t>Font</a:t>
-            </a:r>
-            <a:r>
-              <a:rPr lang="pt-BR" dirty="0">
-                <a:solidFill>
-                  <a:schemeClr val="bg1"/>
-                </a:solidFill>
-              </a:rPr>
-              <a:t> </a:t>
-            </a:r>
-            <a:r>
-              <a:rPr lang="pt-BR" dirty="0" err="1">
-                <a:solidFill>
-                  <a:schemeClr val="bg1"/>
-                </a:solidFill>
-              </a:rPr>
-              <a:t>Awesome</a:t>
-            </a:r>
-            <a:r>
-              <a:rPr lang="pt-BR" dirty="0">
-                <a:solidFill>
-                  <a:schemeClr val="bg1"/>
-                </a:solidFill>
-              </a:rPr>
-              <a:t> - </a:t>
-            </a:r>
-            <a:r>
-              <a:rPr lang="pt-BR" dirty="0">
-                <a:solidFill>
-                  <a:srgbClr val="D73628"/>
-                </a:solidFill>
-                <a:hlinkClick r:id="rId7">
-                  <a:extLst>
-                    <a:ext uri="{A12FA001-AC4F-418D-AE19-62706E023703}">
-                      <ahyp:hlinkClr xmlns:ahyp="http://schemas.microsoft.com/office/drawing/2018/hyperlinkcolor" val="tx"/>
-                    </a:ext>
-                  </a:extLst>
-                </a:hlinkClick>
-              </a:rPr>
-              <a:t>https://fontawesome.com</a:t>
-            </a:r>
-            <a:endParaRPr lang="pt-BR" dirty="0">
-              <a:solidFill>
-                <a:srgbClr val="D73628"/>
-              </a:solidFill>
-            </a:endParaRPr>
-          </a:p>
-          <a:p>
-            <a:pPr>
-              <a:lnSpc>
-                <a:spcPct val="150000"/>
-              </a:lnSpc>
-            </a:pPr>
-            <a:r>
-              <a:rPr lang="pt-BR" dirty="0">
-                <a:solidFill>
-                  <a:schemeClr val="bg1"/>
-                </a:solidFill>
-              </a:rPr>
-              <a:t>Requisitos</a:t>
-            </a:r>
-          </a:p>
-          <a:p>
-            <a:pPr lvl="1">
-              <a:lnSpc>
-                <a:spcPct val="150000"/>
-              </a:lnSpc>
-            </a:pPr>
-            <a:r>
-              <a:rPr lang="pt-BR" dirty="0">
-                <a:solidFill>
-                  <a:schemeClr val="bg1"/>
-                </a:solidFill>
-              </a:rPr>
-              <a:t>Ter familiaridade com HTML, CSS e </a:t>
-            </a:r>
-            <a:r>
-              <a:rPr lang="pt-BR" dirty="0" err="1">
-                <a:solidFill>
-                  <a:schemeClr val="bg1"/>
-                </a:solidFill>
-              </a:rPr>
-              <a:t>JavaScript</a:t>
-            </a:r>
-            <a:r>
-              <a:rPr lang="pt-BR" dirty="0">
-                <a:solidFill>
-                  <a:schemeClr val="bg1"/>
-                </a:solidFill>
-              </a:rPr>
-              <a:t>;</a:t>
-            </a:r>
-          </a:p>
-          <a:p>
-            <a:pPr marL="457200" lvl="0" indent="-342900" algn="l" rtl="0">
-              <a:lnSpc>
-                <a:spcPct val="150000"/>
-              </a:lnSpc>
-              <a:spcBef>
-                <a:spcPts val="0"/>
-              </a:spcBef>
-              <a:spcAft>
-                <a:spcPts val="0"/>
-              </a:spcAft>
-              <a:buSzPts val="1800"/>
-              <a:buChar char="●"/>
-            </a:pPr>
-            <a:r>
-              <a:rPr lang="pt-BR" dirty="0"/>
-              <a:t>Ambiente e recursos necessários:</a:t>
-            </a:r>
-          </a:p>
-          <a:p>
-            <a:pPr marL="914400" lvl="1" indent="-317500" algn="l" rtl="0">
-              <a:lnSpc>
-                <a:spcPct val="150000"/>
-              </a:lnSpc>
-              <a:spcBef>
-                <a:spcPts val="0"/>
-              </a:spcBef>
-              <a:spcAft>
-                <a:spcPts val="0"/>
-              </a:spcAft>
-              <a:buSzPts val="1400"/>
-              <a:buChar char="○"/>
-            </a:pPr>
-            <a:r>
-              <a:rPr lang="pt-BR" dirty="0">
-                <a:solidFill>
-                  <a:schemeClr val="bg1"/>
-                </a:solidFill>
-              </a:rPr>
-              <a:t>Node 14.17.5 (LTS);</a:t>
-            </a:r>
-          </a:p>
-          <a:p>
-            <a:pPr marL="914400" lvl="1" indent="-317500" algn="l" rtl="0">
-              <a:lnSpc>
-                <a:spcPct val="150000"/>
-              </a:lnSpc>
-              <a:spcBef>
-                <a:spcPts val="0"/>
-              </a:spcBef>
-              <a:spcAft>
-                <a:spcPts val="0"/>
-              </a:spcAft>
-              <a:buSzPts val="1400"/>
-              <a:buChar char="○"/>
-            </a:pPr>
-            <a:r>
-              <a:rPr lang="pt-BR" dirty="0">
-                <a:solidFill>
-                  <a:schemeClr val="bg1"/>
-                </a:solidFill>
-              </a:rPr>
-              <a:t>Seu editor de código de preferência (No meu caso, Visual Studio </a:t>
-            </a:r>
-            <a:r>
-              <a:rPr lang="pt-BR" dirty="0" err="1">
-                <a:solidFill>
-                  <a:schemeClr val="bg1"/>
-                </a:solidFill>
-              </a:rPr>
-              <a:t>Code</a:t>
-            </a:r>
-            <a:r>
-              <a:rPr lang="pt-BR" dirty="0">
-                <a:solidFill>
-                  <a:schemeClr val="bg1"/>
-                </a:solidFill>
-              </a:rPr>
-              <a:t>);</a:t>
-            </a:r>
-          </a:p>
-          <a:p>
-            <a:pPr marL="914400" lvl="1" indent="-317500" algn="l" rtl="0">
-              <a:lnSpc>
-                <a:spcPct val="150000"/>
-              </a:lnSpc>
-              <a:spcBef>
-                <a:spcPts val="0"/>
-              </a:spcBef>
-              <a:spcAft>
-                <a:spcPts val="0"/>
-              </a:spcAft>
-              <a:buSzPts val="1400"/>
-              <a:buChar char="○"/>
-            </a:pPr>
-            <a:r>
-              <a:rPr lang="pt-BR" dirty="0">
-                <a:solidFill>
-                  <a:schemeClr val="bg1"/>
-                </a:solidFill>
-              </a:rPr>
-              <a:t>Vontade de aprender :D</a:t>
-            </a:r>
-          </a:p>
-        </p:txBody>
-      </p:sp>
-    </p:spTree>
-  </p:cSld>
-  <p:clrMapOvr>
-    <a:masterClrMapping/>
-  </p:clrMapOvr>
-</p:sld>
-</file>
-
-<file path=ppt/slides/slide13.xml><?xml version="1.0" encoding="utf-8"?>
-<p:sld xmlns:a="http://schemas.openxmlformats.org/drawingml/2006/main" xmlns:r="http://schemas.openxmlformats.org/officeDocument/2006/relationships" xmlns:p="http://schemas.openxmlformats.org/presentationml/2006/main">
-  <p:cSld>
-    <p:spTree>
-      <p:nvGrpSpPr>
-        <p:cNvPr id="1" name="Shape 69"/>
-        <p:cNvGrpSpPr/>
-        <p:nvPr/>
-      </p:nvGrpSpPr>
-      <p:grpSpPr>
-        <a:xfrm>
-          <a:off x="0" y="0"/>
-          <a:ext cx="0" cy="0"/>
-          <a:chOff x="0" y="0"/>
-          <a:chExt cx="0" cy="0"/>
-        </a:xfrm>
-      </p:grpSpPr>
-      <p:sp>
-        <p:nvSpPr>
-          <p:cNvPr id="70" name="Google Shape;70;p13"/>
-          <p:cNvSpPr txBox="1">
-            <a:spLocks noGrp="1"/>
-          </p:cNvSpPr>
-          <p:nvPr>
-            <p:ph type="title"/>
-          </p:nvPr>
-        </p:nvSpPr>
-        <p:spPr>
-          <a:xfrm>
-            <a:off x="585300" y="180625"/>
-            <a:ext cx="8247000" cy="572700"/>
-          </a:xfrm>
-          <a:prstGeom prst="rect">
-            <a:avLst/>
-          </a:prstGeom>
-        </p:spPr>
-        <p:txBody>
-          <a:bodyPr spcFirstLastPara="1" wrap="square" lIns="91425" tIns="91425" rIns="91425" bIns="91425" anchor="t" anchorCtr="0">
-            <a:normAutofit/>
-          </a:bodyPr>
-          <a:lstStyle/>
-          <a:p>
-            <a:pPr marL="0" lvl="0" indent="0" algn="l" rtl="0">
-              <a:spcBef>
-                <a:spcPts val="0"/>
-              </a:spcBef>
-              <a:spcAft>
-                <a:spcPts val="0"/>
-              </a:spcAft>
-              <a:buNone/>
-            </a:pPr>
-            <a:r>
-              <a:rPr lang="pt-BR" dirty="0"/>
-              <a:t>Criando o projeto com a CLI do Angular</a:t>
-            </a:r>
-          </a:p>
-        </p:txBody>
-      </p:sp>
-      <p:sp>
-        <p:nvSpPr>
-          <p:cNvPr id="71" name="Google Shape;71;p13"/>
-          <p:cNvSpPr txBox="1">
-            <a:spLocks noGrp="1"/>
-          </p:cNvSpPr>
-          <p:nvPr>
-            <p:ph type="body" idx="1"/>
-          </p:nvPr>
-        </p:nvSpPr>
-        <p:spPr>
-          <a:xfrm>
-            <a:off x="585300" y="833718"/>
-            <a:ext cx="8247000" cy="4182035"/>
-          </a:xfrm>
-          <a:prstGeom prst="rect">
-            <a:avLst/>
-          </a:prstGeom>
-        </p:spPr>
-        <p:txBody>
-          <a:bodyPr spcFirstLastPara="1" wrap="square" lIns="91425" tIns="91425" rIns="91425" bIns="91425" anchor="t" anchorCtr="0">
-            <a:normAutofit/>
-          </a:bodyPr>
-          <a:lstStyle/>
-          <a:p>
-            <a:pPr marL="457200" lvl="0" indent="-342900" algn="l" rtl="0">
-              <a:lnSpc>
-                <a:spcPct val="150000"/>
-              </a:lnSpc>
-              <a:spcBef>
-                <a:spcPts val="0"/>
-              </a:spcBef>
-              <a:spcAft>
-                <a:spcPts val="0"/>
-              </a:spcAft>
-              <a:buSzPts val="1800"/>
-              <a:buChar char="●"/>
-            </a:pPr>
-            <a:r>
-              <a:rPr lang="pt-BR" b="0" dirty="0">
-                <a:solidFill>
-                  <a:schemeClr val="bg1"/>
-                </a:solidFill>
-              </a:rPr>
-              <a:t>Para criarmos nossa primeira aplicação em Angular, precisamos abrir nosso terminal no local desejado e inserir o seguinte comando:</a:t>
-            </a:r>
-          </a:p>
-          <a:p>
-            <a:pPr lvl="1" indent="-342900">
-              <a:lnSpc>
-                <a:spcPct val="150000"/>
-              </a:lnSpc>
-              <a:buSzPts val="1800"/>
-              <a:buChar char="●"/>
-            </a:pPr>
-            <a:r>
-              <a:rPr lang="pt-BR" dirty="0" err="1">
-                <a:solidFill>
-                  <a:srgbClr val="FF0000"/>
-                </a:solidFill>
-              </a:rPr>
-              <a:t>ng</a:t>
-            </a:r>
-            <a:r>
-              <a:rPr lang="pt-BR" dirty="0">
-                <a:solidFill>
-                  <a:srgbClr val="FF0000"/>
-                </a:solidFill>
-              </a:rPr>
-              <a:t> new angular-</a:t>
-            </a:r>
-            <a:r>
-              <a:rPr lang="pt-BR" dirty="0" err="1">
-                <a:solidFill>
-                  <a:srgbClr val="FF0000"/>
-                </a:solidFill>
-              </a:rPr>
-              <a:t>crud</a:t>
-            </a:r>
-            <a:r>
-              <a:rPr lang="pt-BR" dirty="0">
-                <a:solidFill>
-                  <a:srgbClr val="FF0000"/>
-                </a:solidFill>
-              </a:rPr>
-              <a:t>-modules –</a:t>
-            </a:r>
-            <a:r>
-              <a:rPr lang="pt-BR" dirty="0" err="1">
-                <a:solidFill>
-                  <a:srgbClr val="FF0000"/>
-                </a:solidFill>
-              </a:rPr>
-              <a:t>routing</a:t>
-            </a:r>
-            <a:r>
-              <a:rPr lang="pt-BR" dirty="0">
-                <a:solidFill>
-                  <a:srgbClr val="FF0000"/>
-                </a:solidFill>
-              </a:rPr>
-              <a:t> –</a:t>
-            </a:r>
-            <a:r>
-              <a:rPr lang="pt-BR" dirty="0" err="1">
-                <a:solidFill>
-                  <a:srgbClr val="FF0000"/>
-                </a:solidFill>
-              </a:rPr>
-              <a:t>skip-tests</a:t>
-            </a:r>
-            <a:endParaRPr lang="pt-BR" b="0" dirty="0">
-              <a:solidFill>
-                <a:schemeClr val="bg1"/>
-              </a:solidFill>
-            </a:endParaRPr>
-          </a:p>
-          <a:p>
-            <a:pPr marL="457200" lvl="0" indent="-342900" algn="l" rtl="0">
-              <a:lnSpc>
-                <a:spcPct val="150000"/>
-              </a:lnSpc>
-              <a:spcBef>
-                <a:spcPts val="0"/>
-              </a:spcBef>
-              <a:spcAft>
-                <a:spcPts val="0"/>
-              </a:spcAft>
-              <a:buSzPts val="1800"/>
-              <a:buChar char="●"/>
-            </a:pPr>
-            <a:r>
-              <a:rPr lang="pt-BR" b="0" dirty="0">
-                <a:solidFill>
-                  <a:schemeClr val="bg1"/>
-                </a:solidFill>
-              </a:rPr>
-              <a:t>Após a criação do projeto pelo Angular CLI, vamos instalar nossas dependências, sendo elas:</a:t>
-            </a:r>
-          </a:p>
-          <a:p>
-            <a:pPr lvl="1" indent="-342900">
-              <a:lnSpc>
-                <a:spcPct val="150000"/>
-              </a:lnSpc>
-              <a:buSzPts val="1800"/>
-              <a:buChar char="●"/>
-            </a:pPr>
-            <a:r>
-              <a:rPr lang="pt-BR" b="0" dirty="0" err="1">
-                <a:solidFill>
-                  <a:srgbClr val="FF0000"/>
-                </a:solidFill>
-              </a:rPr>
-              <a:t>ng</a:t>
-            </a:r>
-            <a:r>
-              <a:rPr lang="pt-BR" b="0" dirty="0">
-                <a:solidFill>
-                  <a:srgbClr val="FF0000"/>
-                </a:solidFill>
-              </a:rPr>
-              <a:t> </a:t>
-            </a:r>
-            <a:r>
-              <a:rPr lang="pt-BR" b="0" dirty="0" err="1">
-                <a:solidFill>
-                  <a:srgbClr val="FF0000"/>
-                </a:solidFill>
-              </a:rPr>
-              <a:t>add</a:t>
-            </a:r>
-            <a:r>
-              <a:rPr lang="pt-BR" b="0" dirty="0">
-                <a:solidFill>
-                  <a:srgbClr val="FF0000"/>
-                </a:solidFill>
-              </a:rPr>
-              <a:t> @ng-bootstrap/ng-bootstrap</a:t>
-            </a:r>
-          </a:p>
-          <a:p>
-            <a:pPr lvl="1" indent="-342900">
-              <a:lnSpc>
-                <a:spcPct val="150000"/>
-              </a:lnSpc>
-              <a:buSzPts val="1800"/>
-              <a:buChar char="●"/>
-            </a:pPr>
-            <a:r>
-              <a:rPr lang="nb-NO" dirty="0">
-                <a:solidFill>
-                  <a:srgbClr val="FF0000"/>
-                </a:solidFill>
-              </a:rPr>
-              <a:t>npm install --save @fortawesome/fontawesome-free</a:t>
-            </a:r>
-            <a:endParaRPr lang="pt-BR" b="0" dirty="0">
-              <a:solidFill>
-                <a:srgbClr val="FF0000"/>
-              </a:solidFill>
-            </a:endParaRPr>
-          </a:p>
-        </p:txBody>
-      </p:sp>
-    </p:spTree>
-    <p:extLst>
-      <p:ext uri="{BB962C8B-B14F-4D97-AF65-F5344CB8AC3E}">
-        <p14:creationId xmlns:p14="http://schemas.microsoft.com/office/powerpoint/2010/main" val="1781736655"/>
-      </p:ext>
-    </p:extLst>
-  </p:cSld>
-  <p:clrMapOvr>
-    <a:masterClrMapping/>
-  </p:clrMapOvr>
-</p:sld>
-</file>
-
-<file path=ppt/slides/slide14.xml><?xml version="1.0" encoding="utf-8"?>
-<p:sld xmlns:a="http://schemas.openxmlformats.org/drawingml/2006/main" xmlns:r="http://schemas.openxmlformats.org/officeDocument/2006/relationships" xmlns:p="http://schemas.openxmlformats.org/presentationml/2006/main">
-  <p:cSld>
-    <p:spTree>
-      <p:nvGrpSpPr>
-        <p:cNvPr id="1" name="Shape 69"/>
-        <p:cNvGrpSpPr/>
-        <p:nvPr/>
-      </p:nvGrpSpPr>
-      <p:grpSpPr>
-        <a:xfrm>
-          <a:off x="0" y="0"/>
-          <a:ext cx="0" cy="0"/>
-          <a:chOff x="0" y="0"/>
-          <a:chExt cx="0" cy="0"/>
-        </a:xfrm>
-      </p:grpSpPr>
-      <p:sp>
-        <p:nvSpPr>
-          <p:cNvPr id="70" name="Google Shape;70;p13"/>
-          <p:cNvSpPr txBox="1">
-            <a:spLocks noGrp="1"/>
-          </p:cNvSpPr>
-          <p:nvPr>
-            <p:ph type="title"/>
-          </p:nvPr>
-        </p:nvSpPr>
-        <p:spPr>
-          <a:xfrm>
-            <a:off x="585300" y="180625"/>
-            <a:ext cx="8247000" cy="572700"/>
-          </a:xfrm>
-          <a:prstGeom prst="rect">
-            <a:avLst/>
-          </a:prstGeom>
-        </p:spPr>
-        <p:txBody>
-          <a:bodyPr spcFirstLastPara="1" wrap="square" lIns="91425" tIns="91425" rIns="91425" bIns="91425" anchor="t" anchorCtr="0">
-            <a:normAutofit/>
-          </a:bodyPr>
-          <a:lstStyle/>
-          <a:p>
-            <a:pPr marL="0" lvl="0" indent="0" algn="l" rtl="0">
-              <a:spcBef>
-                <a:spcPts val="0"/>
-              </a:spcBef>
-              <a:spcAft>
-                <a:spcPts val="0"/>
-              </a:spcAft>
-              <a:buNone/>
-            </a:pPr>
-            <a:r>
-              <a:rPr lang="pt-BR" dirty="0"/>
-              <a:t>Criando o projeto com a CLI do Angular</a:t>
-            </a:r>
-          </a:p>
-        </p:txBody>
-      </p:sp>
-      <p:sp>
-        <p:nvSpPr>
-          <p:cNvPr id="71" name="Google Shape;71;p13"/>
-          <p:cNvSpPr txBox="1">
-            <a:spLocks noGrp="1"/>
-          </p:cNvSpPr>
-          <p:nvPr>
-            <p:ph type="body" idx="1"/>
-          </p:nvPr>
-        </p:nvSpPr>
-        <p:spPr>
-          <a:xfrm>
-            <a:off x="585300" y="833718"/>
-            <a:ext cx="8247000" cy="4182035"/>
-          </a:xfrm>
-          <a:prstGeom prst="rect">
-            <a:avLst/>
-          </a:prstGeom>
-        </p:spPr>
-        <p:txBody>
-          <a:bodyPr spcFirstLastPara="1" wrap="square" lIns="91425" tIns="91425" rIns="91425" bIns="91425" anchor="t" anchorCtr="0">
-            <a:normAutofit/>
-          </a:bodyPr>
-          <a:lstStyle/>
-          <a:p>
-            <a:pPr marL="457200" lvl="0" indent="-342900" algn="l" rtl="0">
-              <a:lnSpc>
-                <a:spcPct val="150000"/>
-              </a:lnSpc>
-              <a:spcBef>
-                <a:spcPts val="0"/>
-              </a:spcBef>
-              <a:spcAft>
-                <a:spcPts val="0"/>
-              </a:spcAft>
-              <a:buSzPts val="1800"/>
-              <a:buChar char="●"/>
-            </a:pPr>
-            <a:r>
-              <a:rPr lang="pt-BR" b="0" dirty="0">
-                <a:solidFill>
-                  <a:schemeClr val="bg1"/>
-                </a:solidFill>
-              </a:rPr>
-              <a:t>Com as dependências instaladas, iremos começar criando os módulos da nossa aplicação:</a:t>
-            </a:r>
-          </a:p>
-          <a:p>
-            <a:pPr lvl="1" indent="-342900">
-              <a:lnSpc>
-                <a:spcPct val="150000"/>
-              </a:lnSpc>
-              <a:buSzPts val="1800"/>
-              <a:buChar char="●"/>
-            </a:pPr>
-            <a:r>
-              <a:rPr lang="pt-BR" b="0" dirty="0" err="1">
-                <a:solidFill>
-                  <a:srgbClr val="FF0000"/>
-                </a:solidFill>
-              </a:rPr>
-              <a:t>ng</a:t>
-            </a:r>
-            <a:r>
-              <a:rPr lang="pt-BR" b="0" dirty="0">
-                <a:solidFill>
-                  <a:srgbClr val="FF0000"/>
-                </a:solidFill>
-              </a:rPr>
-              <a:t> g module core</a:t>
-            </a:r>
-          </a:p>
-          <a:p>
-            <a:pPr lvl="1" indent="-342900">
-              <a:lnSpc>
-                <a:spcPct val="150000"/>
-              </a:lnSpc>
-              <a:buSzPts val="1800"/>
-              <a:buChar char="●"/>
-            </a:pPr>
-            <a:r>
-              <a:rPr lang="pt-BR" b="0" dirty="0" err="1">
-                <a:solidFill>
-                  <a:srgbClr val="FF0000"/>
-                </a:solidFill>
-              </a:rPr>
-              <a:t>ng</a:t>
-            </a:r>
-            <a:r>
-              <a:rPr lang="pt-BR" b="0" dirty="0">
-                <a:solidFill>
-                  <a:srgbClr val="FF0000"/>
-                </a:solidFill>
-              </a:rPr>
-              <a:t> g module </a:t>
-            </a:r>
-            <a:r>
-              <a:rPr lang="pt-BR" b="0" dirty="0" err="1">
-                <a:solidFill>
-                  <a:srgbClr val="FF0000"/>
-                </a:solidFill>
-              </a:rPr>
-              <a:t>shared</a:t>
-            </a:r>
-            <a:endParaRPr lang="pt-BR" b="0" dirty="0">
-              <a:solidFill>
-                <a:srgbClr val="FF0000"/>
-              </a:solidFill>
-            </a:endParaRPr>
-          </a:p>
-          <a:p>
-            <a:pPr lvl="1" indent="-342900">
-              <a:lnSpc>
-                <a:spcPct val="150000"/>
-              </a:lnSpc>
-              <a:buSzPts val="1800"/>
-              <a:buChar char="●"/>
-            </a:pPr>
-            <a:r>
-              <a:rPr lang="pt-BR" b="0" dirty="0" err="1">
-                <a:solidFill>
-                  <a:srgbClr val="FF0000"/>
-                </a:solidFill>
-              </a:rPr>
-              <a:t>mkdir</a:t>
-            </a:r>
-            <a:r>
-              <a:rPr lang="pt-BR" b="0" dirty="0">
-                <a:solidFill>
-                  <a:srgbClr val="FF0000"/>
-                </a:solidFill>
-              </a:rPr>
-              <a:t> </a:t>
-            </a:r>
-            <a:r>
-              <a:rPr lang="pt-BR" b="0" dirty="0" err="1">
-                <a:solidFill>
-                  <a:srgbClr val="FF0000"/>
-                </a:solidFill>
-              </a:rPr>
-              <a:t>src</a:t>
-            </a:r>
-            <a:r>
-              <a:rPr lang="pt-BR" b="0" dirty="0">
-                <a:solidFill>
-                  <a:srgbClr val="FF0000"/>
-                </a:solidFill>
-              </a:rPr>
-              <a:t>/app/</a:t>
-            </a:r>
-            <a:r>
-              <a:rPr lang="pt-BR" b="0" dirty="0" err="1">
-                <a:solidFill>
-                  <a:srgbClr val="FF0000"/>
-                </a:solidFill>
-              </a:rPr>
-              <a:t>features</a:t>
-            </a:r>
-            <a:endParaRPr lang="pt-BR" b="0" dirty="0">
-              <a:solidFill>
-                <a:srgbClr val="FF0000"/>
-              </a:solidFill>
-            </a:endParaRPr>
-          </a:p>
-          <a:p>
-            <a:pPr lvl="2" indent="-342900">
-              <a:lnSpc>
-                <a:spcPct val="150000"/>
-              </a:lnSpc>
-              <a:buSzPts val="1800"/>
-              <a:buChar char="●"/>
-            </a:pPr>
-            <a:r>
-              <a:rPr lang="pt-BR" b="0" dirty="0">
-                <a:solidFill>
-                  <a:schemeClr val="bg1"/>
-                </a:solidFill>
-              </a:rPr>
-              <a:t>Os módulos de funcionalidade serão criados dentro dessa pasta para manter uma melhor organização do código</a:t>
-            </a:r>
-          </a:p>
-          <a:p>
-            <a:pPr marL="457200" lvl="0" indent="-342900" algn="l" rtl="0">
-              <a:lnSpc>
-                <a:spcPct val="150000"/>
-              </a:lnSpc>
-              <a:spcBef>
-                <a:spcPts val="0"/>
-              </a:spcBef>
-              <a:spcAft>
-                <a:spcPts val="0"/>
-              </a:spcAft>
-              <a:buSzPts val="1800"/>
-              <a:buChar char="●"/>
-            </a:pPr>
-            <a:r>
-              <a:rPr lang="pt-BR" b="0" dirty="0">
-                <a:solidFill>
-                  <a:schemeClr val="bg1"/>
-                </a:solidFill>
-              </a:rPr>
-              <a:t>Agora precisamos criar o cabeçalho que será utilizado em toda a nossa aplicação e que precisará ser carregado juntamente com o módulo principal </a:t>
-            </a:r>
-            <a:r>
-              <a:rPr lang="pt-BR" b="0" dirty="0" err="1">
-                <a:solidFill>
-                  <a:schemeClr val="bg1"/>
-                </a:solidFill>
-              </a:rPr>
-              <a:t>AppModule</a:t>
-            </a:r>
-            <a:r>
-              <a:rPr lang="pt-BR" b="0" dirty="0">
-                <a:solidFill>
-                  <a:schemeClr val="bg1"/>
-                </a:solidFill>
-              </a:rPr>
-              <a:t>:</a:t>
-            </a:r>
-          </a:p>
-          <a:p>
-            <a:pPr lvl="1" indent="-342900">
-              <a:lnSpc>
-                <a:spcPct val="150000"/>
-              </a:lnSpc>
-              <a:buSzPts val="1800"/>
-              <a:buChar char="●"/>
-            </a:pPr>
-            <a:r>
-              <a:rPr lang="pt-BR" dirty="0" err="1">
-                <a:solidFill>
-                  <a:srgbClr val="D73628"/>
-                </a:solidFill>
-              </a:rPr>
-              <a:t>ng</a:t>
-            </a:r>
-            <a:r>
-              <a:rPr lang="pt-BR" dirty="0">
-                <a:solidFill>
-                  <a:srgbClr val="D73628"/>
-                </a:solidFill>
-              </a:rPr>
-              <a:t> </a:t>
-            </a:r>
-            <a:r>
-              <a:rPr lang="pt-BR" dirty="0" err="1">
-                <a:solidFill>
-                  <a:srgbClr val="D73628"/>
-                </a:solidFill>
-              </a:rPr>
-              <a:t>generate</a:t>
-            </a:r>
-            <a:r>
-              <a:rPr lang="pt-BR" dirty="0">
-                <a:solidFill>
-                  <a:srgbClr val="D73628"/>
-                </a:solidFill>
-              </a:rPr>
-              <a:t> </a:t>
-            </a:r>
-            <a:r>
-              <a:rPr lang="pt-BR" dirty="0" err="1">
-                <a:solidFill>
-                  <a:srgbClr val="D73628"/>
-                </a:solidFill>
-              </a:rPr>
-              <a:t>component</a:t>
-            </a:r>
-            <a:r>
-              <a:rPr lang="pt-BR" dirty="0">
-                <a:solidFill>
-                  <a:srgbClr val="D73628"/>
-                </a:solidFill>
-              </a:rPr>
-              <a:t> core/header</a:t>
-            </a:r>
-          </a:p>
-        </p:txBody>
-      </p:sp>
-    </p:spTree>
-    <p:extLst>
-      <p:ext uri="{BB962C8B-B14F-4D97-AF65-F5344CB8AC3E}">
-        <p14:creationId xmlns:p14="http://schemas.microsoft.com/office/powerpoint/2010/main" val="3822810266"/>
-      </p:ext>
-    </p:extLst>
-  </p:cSld>
-  <p:clrMapOvr>
-    <a:masterClrMapping/>
-  </p:clrMapOvr>
-</p:sld>
-</file>
-
-<file path=ppt/slides/slide15.xml><?xml version="1.0" encoding="utf-8"?>
-<p:sld xmlns:a="http://schemas.openxmlformats.org/drawingml/2006/main" xmlns:r="http://schemas.openxmlformats.org/officeDocument/2006/relationships" xmlns:p="http://schemas.openxmlformats.org/presentationml/2006/main">
-  <p:cSld>
-    <p:spTree>
-      <p:nvGrpSpPr>
-        <p:cNvPr id="1" name="Shape 69"/>
-        <p:cNvGrpSpPr/>
-        <p:nvPr/>
-      </p:nvGrpSpPr>
-      <p:grpSpPr>
-        <a:xfrm>
-          <a:off x="0" y="0"/>
-          <a:ext cx="0" cy="0"/>
-          <a:chOff x="0" y="0"/>
-          <a:chExt cx="0" cy="0"/>
-        </a:xfrm>
-      </p:grpSpPr>
-      <p:sp>
-        <p:nvSpPr>
-          <p:cNvPr id="70" name="Google Shape;70;p13"/>
-          <p:cNvSpPr txBox="1">
-            <a:spLocks noGrp="1"/>
-          </p:cNvSpPr>
-          <p:nvPr>
-            <p:ph type="title"/>
-          </p:nvPr>
-        </p:nvSpPr>
-        <p:spPr>
-          <a:xfrm>
-            <a:off x="585300" y="180625"/>
-            <a:ext cx="8247000" cy="572700"/>
-          </a:xfrm>
-          <a:prstGeom prst="rect">
-            <a:avLst/>
-          </a:prstGeom>
-        </p:spPr>
-        <p:txBody>
-          <a:bodyPr spcFirstLastPara="1" wrap="square" lIns="91425" tIns="91425" rIns="91425" bIns="91425" anchor="t" anchorCtr="0">
-            <a:normAutofit/>
-          </a:bodyPr>
-          <a:lstStyle/>
-          <a:p>
-            <a:pPr marL="0" lvl="0" indent="0" algn="l" rtl="0">
-              <a:spcBef>
-                <a:spcPts val="0"/>
-              </a:spcBef>
-              <a:spcAft>
-                <a:spcPts val="0"/>
-              </a:spcAft>
-              <a:buNone/>
-            </a:pPr>
-            <a:r>
-              <a:rPr lang="pt-BR" dirty="0"/>
-              <a:t>Criando o projeto com a CLI do Angular</a:t>
-            </a:r>
-          </a:p>
-        </p:txBody>
-      </p:sp>
-      <p:sp>
-        <p:nvSpPr>
-          <p:cNvPr id="71" name="Google Shape;71;p13"/>
-          <p:cNvSpPr txBox="1">
-            <a:spLocks noGrp="1"/>
-          </p:cNvSpPr>
-          <p:nvPr>
-            <p:ph type="body" idx="1"/>
-          </p:nvPr>
-        </p:nvSpPr>
-        <p:spPr>
-          <a:xfrm>
-            <a:off x="585300" y="833718"/>
-            <a:ext cx="8247000" cy="4309782"/>
-          </a:xfrm>
-          <a:prstGeom prst="rect">
-            <a:avLst/>
-          </a:prstGeom>
-        </p:spPr>
-        <p:txBody>
-          <a:bodyPr spcFirstLastPara="1" wrap="square" lIns="91425" tIns="91425" rIns="91425" bIns="91425" anchor="t" anchorCtr="0">
-            <a:normAutofit lnSpcReduction="10000"/>
-          </a:bodyPr>
-          <a:lstStyle/>
-          <a:p>
-            <a:pPr marL="457200" lvl="0" indent="-342900" algn="l" rtl="0">
-              <a:lnSpc>
-                <a:spcPct val="150000"/>
-              </a:lnSpc>
-              <a:spcBef>
-                <a:spcPts val="0"/>
-              </a:spcBef>
-              <a:spcAft>
-                <a:spcPts val="0"/>
-              </a:spcAft>
-              <a:buSzPts val="1800"/>
-              <a:buChar char="●"/>
-            </a:pPr>
-            <a:r>
-              <a:rPr lang="pt-BR" b="0" dirty="0">
-                <a:solidFill>
-                  <a:schemeClr val="bg1"/>
-                </a:solidFill>
-              </a:rPr>
-              <a:t>Depois de configurados todos os principais módulos da aplicação, iremos criar o módulo responsável por toda a funcionalidade de “</a:t>
-            </a:r>
-            <a:r>
-              <a:rPr lang="pt-BR" b="0" dirty="0" err="1">
-                <a:solidFill>
-                  <a:schemeClr val="bg1"/>
-                </a:solidFill>
-              </a:rPr>
-              <a:t>students</a:t>
-            </a:r>
-            <a:r>
-              <a:rPr lang="pt-BR" b="0" dirty="0">
-                <a:solidFill>
-                  <a:schemeClr val="bg1"/>
-                </a:solidFill>
-              </a:rPr>
-              <a:t>”, juntamente com seus respectivos componentes.</a:t>
-            </a:r>
-          </a:p>
-          <a:p>
-            <a:pPr lvl="1" indent="-342900">
-              <a:lnSpc>
-                <a:spcPct val="150000"/>
-              </a:lnSpc>
-              <a:buSzPts val="1800"/>
-              <a:buChar char="●"/>
-            </a:pPr>
-            <a:r>
-              <a:rPr lang="pt-BR" b="0" dirty="0" err="1">
-                <a:solidFill>
-                  <a:srgbClr val="FF0000"/>
-                </a:solidFill>
-              </a:rPr>
-              <a:t>ng</a:t>
-            </a:r>
-            <a:r>
-              <a:rPr lang="pt-BR" b="0" dirty="0">
-                <a:solidFill>
-                  <a:srgbClr val="FF0000"/>
-                </a:solidFill>
-              </a:rPr>
-              <a:t> </a:t>
-            </a:r>
-            <a:r>
-              <a:rPr lang="pt-BR" b="0" dirty="0" err="1">
-                <a:solidFill>
-                  <a:srgbClr val="FF0000"/>
-                </a:solidFill>
-              </a:rPr>
-              <a:t>generate</a:t>
-            </a:r>
-            <a:r>
-              <a:rPr lang="pt-BR" b="0" dirty="0">
-                <a:solidFill>
-                  <a:srgbClr val="FF0000"/>
-                </a:solidFill>
-              </a:rPr>
-              <a:t> module </a:t>
-            </a:r>
-            <a:r>
-              <a:rPr lang="pt-BR" b="0" dirty="0" err="1">
-                <a:solidFill>
-                  <a:srgbClr val="FF0000"/>
-                </a:solidFill>
-              </a:rPr>
-              <a:t>features</a:t>
-            </a:r>
-            <a:r>
-              <a:rPr lang="pt-BR" b="0" dirty="0">
-                <a:solidFill>
-                  <a:srgbClr val="FF0000"/>
-                </a:solidFill>
-              </a:rPr>
-              <a:t>/</a:t>
-            </a:r>
-            <a:r>
-              <a:rPr lang="pt-BR" b="0" dirty="0" err="1">
-                <a:solidFill>
-                  <a:srgbClr val="FF0000"/>
-                </a:solidFill>
-              </a:rPr>
-              <a:t>students</a:t>
-            </a:r>
-            <a:r>
-              <a:rPr lang="pt-BR" b="0" dirty="0">
-                <a:solidFill>
-                  <a:srgbClr val="FF0000"/>
-                </a:solidFill>
-              </a:rPr>
-              <a:t> –</a:t>
-            </a:r>
-            <a:r>
-              <a:rPr lang="pt-BR" b="0" dirty="0" err="1">
-                <a:solidFill>
-                  <a:srgbClr val="FF0000"/>
-                </a:solidFill>
-              </a:rPr>
-              <a:t>routing</a:t>
-            </a:r>
-            <a:endParaRPr lang="pt-BR" b="0" dirty="0">
-              <a:solidFill>
-                <a:srgbClr val="FF0000"/>
-              </a:solidFill>
-            </a:endParaRPr>
-          </a:p>
-          <a:p>
-            <a:pPr lvl="1" indent="-342900">
-              <a:lnSpc>
-                <a:spcPct val="150000"/>
-              </a:lnSpc>
-              <a:buSzPts val="1800"/>
-              <a:buChar char="●"/>
-            </a:pPr>
-            <a:r>
-              <a:rPr lang="pt-BR" b="0" dirty="0" err="1">
-                <a:solidFill>
-                  <a:srgbClr val="D73628"/>
-                </a:solidFill>
-              </a:rPr>
-              <a:t>ng</a:t>
-            </a:r>
-            <a:r>
-              <a:rPr lang="pt-BR" b="0" dirty="0">
-                <a:solidFill>
-                  <a:srgbClr val="D73628"/>
-                </a:solidFill>
-              </a:rPr>
-              <a:t> </a:t>
-            </a:r>
-            <a:r>
-              <a:rPr lang="pt-BR" b="0" dirty="0" err="1">
-                <a:solidFill>
-                  <a:srgbClr val="D73628"/>
-                </a:solidFill>
-              </a:rPr>
-              <a:t>generate</a:t>
-            </a:r>
-            <a:r>
-              <a:rPr lang="pt-BR" b="0" dirty="0">
-                <a:solidFill>
-                  <a:srgbClr val="D73628"/>
-                </a:solidFill>
-              </a:rPr>
-              <a:t> </a:t>
-            </a:r>
-            <a:r>
-              <a:rPr lang="pt-BR" b="0" dirty="0" err="1">
-                <a:solidFill>
-                  <a:srgbClr val="D73628"/>
-                </a:solidFill>
-              </a:rPr>
-              <a:t>component</a:t>
-            </a:r>
-            <a:r>
-              <a:rPr lang="pt-BR" b="0" dirty="0">
-                <a:solidFill>
-                  <a:srgbClr val="D73628"/>
-                </a:solidFill>
-              </a:rPr>
-              <a:t> </a:t>
-            </a:r>
-            <a:r>
-              <a:rPr lang="pt-BR" b="0" dirty="0" err="1">
-                <a:solidFill>
-                  <a:srgbClr val="D73628"/>
-                </a:solidFill>
-              </a:rPr>
-              <a:t>features</a:t>
-            </a:r>
-            <a:r>
-              <a:rPr lang="pt-BR" b="0" dirty="0">
-                <a:solidFill>
-                  <a:srgbClr val="D73628"/>
-                </a:solidFill>
-              </a:rPr>
-              <a:t>/</a:t>
-            </a:r>
-            <a:r>
-              <a:rPr lang="pt-BR" b="0" dirty="0" err="1">
-                <a:solidFill>
-                  <a:srgbClr val="D73628"/>
-                </a:solidFill>
-              </a:rPr>
-              <a:t>students</a:t>
-            </a:r>
-            <a:r>
-              <a:rPr lang="pt-BR" b="0" dirty="0">
-                <a:solidFill>
-                  <a:srgbClr val="D73628"/>
-                </a:solidFill>
-              </a:rPr>
-              <a:t>/</a:t>
-            </a:r>
-            <a:r>
-              <a:rPr lang="pt-BR" b="0" dirty="0" err="1">
-                <a:solidFill>
-                  <a:srgbClr val="D73628"/>
-                </a:solidFill>
-              </a:rPr>
-              <a:t>student-list</a:t>
-            </a:r>
-            <a:endParaRPr lang="pt-BR" b="0" dirty="0">
-              <a:solidFill>
-                <a:srgbClr val="D73628"/>
-              </a:solidFill>
-            </a:endParaRPr>
-          </a:p>
-          <a:p>
-            <a:pPr lvl="1" indent="-342900">
-              <a:lnSpc>
-                <a:spcPct val="150000"/>
-              </a:lnSpc>
-              <a:buSzPts val="1800"/>
-              <a:buChar char="●"/>
-            </a:pPr>
-            <a:r>
-              <a:rPr lang="pt-BR" b="0" dirty="0" err="1">
-                <a:solidFill>
-                  <a:srgbClr val="D73628"/>
-                </a:solidFill>
-              </a:rPr>
-              <a:t>ng</a:t>
-            </a:r>
-            <a:r>
-              <a:rPr lang="pt-BR" b="0" dirty="0">
-                <a:solidFill>
-                  <a:srgbClr val="D73628"/>
-                </a:solidFill>
-              </a:rPr>
-              <a:t> </a:t>
-            </a:r>
-            <a:r>
-              <a:rPr lang="pt-BR" b="0" dirty="0" err="1">
-                <a:solidFill>
-                  <a:srgbClr val="D73628"/>
-                </a:solidFill>
-              </a:rPr>
-              <a:t>generate</a:t>
-            </a:r>
-            <a:r>
-              <a:rPr lang="pt-BR" b="0" dirty="0">
-                <a:solidFill>
-                  <a:srgbClr val="D73628"/>
-                </a:solidFill>
-              </a:rPr>
-              <a:t> </a:t>
-            </a:r>
-            <a:r>
-              <a:rPr lang="pt-BR" b="0" dirty="0" err="1">
-                <a:solidFill>
-                  <a:srgbClr val="D73628"/>
-                </a:solidFill>
-              </a:rPr>
-              <a:t>component</a:t>
-            </a:r>
-            <a:r>
-              <a:rPr lang="pt-BR" b="0" dirty="0">
-                <a:solidFill>
-                  <a:srgbClr val="D73628"/>
-                </a:solidFill>
-              </a:rPr>
-              <a:t> </a:t>
-            </a:r>
-            <a:r>
-              <a:rPr lang="pt-BR" b="0" dirty="0" err="1">
-                <a:solidFill>
-                  <a:srgbClr val="D73628"/>
-                </a:solidFill>
-              </a:rPr>
-              <a:t>features</a:t>
-            </a:r>
-            <a:r>
-              <a:rPr lang="pt-BR" b="0" dirty="0">
-                <a:solidFill>
-                  <a:srgbClr val="D73628"/>
-                </a:solidFill>
-              </a:rPr>
-              <a:t>/</a:t>
-            </a:r>
-            <a:r>
-              <a:rPr lang="pt-BR" b="0" dirty="0" err="1">
-                <a:solidFill>
-                  <a:srgbClr val="D73628"/>
-                </a:solidFill>
-              </a:rPr>
-              <a:t>students</a:t>
-            </a:r>
-            <a:r>
-              <a:rPr lang="pt-BR" b="0" dirty="0">
-                <a:solidFill>
-                  <a:srgbClr val="D73628"/>
-                </a:solidFill>
-              </a:rPr>
-              <a:t>/</a:t>
-            </a:r>
-            <a:r>
-              <a:rPr lang="pt-BR" b="0" dirty="0" err="1">
-                <a:solidFill>
-                  <a:srgbClr val="D73628"/>
-                </a:solidFill>
-              </a:rPr>
-              <a:t>student-edit</a:t>
-            </a:r>
-            <a:endParaRPr lang="pt-BR" b="0" dirty="0">
-              <a:solidFill>
-                <a:srgbClr val="D73628"/>
-              </a:solidFill>
-            </a:endParaRPr>
-          </a:p>
-          <a:p>
-            <a:pPr lvl="1" indent="-342900">
-              <a:lnSpc>
-                <a:spcPct val="150000"/>
-              </a:lnSpc>
-              <a:buSzPts val="1800"/>
-              <a:buChar char="●"/>
-            </a:pPr>
-            <a:r>
-              <a:rPr lang="pt-BR" b="0" dirty="0" err="1">
-                <a:solidFill>
-                  <a:srgbClr val="D73628"/>
-                </a:solidFill>
-              </a:rPr>
-              <a:t>ng</a:t>
-            </a:r>
-            <a:r>
-              <a:rPr lang="pt-BR" b="0" dirty="0">
-                <a:solidFill>
-                  <a:srgbClr val="D73628"/>
-                </a:solidFill>
-              </a:rPr>
-              <a:t> </a:t>
-            </a:r>
-            <a:r>
-              <a:rPr lang="pt-BR" b="0" dirty="0" err="1">
-                <a:solidFill>
-                  <a:srgbClr val="D73628"/>
-                </a:solidFill>
-              </a:rPr>
-              <a:t>generate</a:t>
-            </a:r>
-            <a:r>
-              <a:rPr lang="pt-BR" b="0" dirty="0">
-                <a:solidFill>
-                  <a:srgbClr val="D73628"/>
-                </a:solidFill>
-              </a:rPr>
-              <a:t> </a:t>
-            </a:r>
-            <a:r>
-              <a:rPr lang="pt-BR" b="0" dirty="0" err="1">
-                <a:solidFill>
-                  <a:srgbClr val="D73628"/>
-                </a:solidFill>
-              </a:rPr>
-              <a:t>component</a:t>
-            </a:r>
-            <a:r>
-              <a:rPr lang="pt-BR" b="0" dirty="0">
-                <a:solidFill>
-                  <a:srgbClr val="D73628"/>
-                </a:solidFill>
-              </a:rPr>
-              <a:t> </a:t>
-            </a:r>
-            <a:r>
-              <a:rPr lang="pt-BR" b="0" dirty="0" err="1">
-                <a:solidFill>
-                  <a:srgbClr val="D73628"/>
-                </a:solidFill>
-              </a:rPr>
-              <a:t>features</a:t>
-            </a:r>
-            <a:r>
-              <a:rPr lang="pt-BR" b="0" dirty="0">
-                <a:solidFill>
-                  <a:srgbClr val="D73628"/>
-                </a:solidFill>
-              </a:rPr>
-              <a:t>/</a:t>
-            </a:r>
-            <a:r>
-              <a:rPr lang="pt-BR" b="0" dirty="0" err="1">
-                <a:solidFill>
-                  <a:srgbClr val="D73628"/>
-                </a:solidFill>
-              </a:rPr>
-              <a:t>students</a:t>
-            </a:r>
-            <a:r>
-              <a:rPr lang="pt-BR" b="0" dirty="0">
-                <a:solidFill>
-                  <a:srgbClr val="D73628"/>
-                </a:solidFill>
-              </a:rPr>
-              <a:t>/</a:t>
-            </a:r>
-            <a:r>
-              <a:rPr lang="pt-BR" b="0" dirty="0" err="1">
-                <a:solidFill>
-                  <a:srgbClr val="D73628"/>
-                </a:solidFill>
-              </a:rPr>
-              <a:t>student</a:t>
-            </a:r>
-            <a:r>
-              <a:rPr lang="pt-BR" b="0" dirty="0">
-                <a:solidFill>
-                  <a:srgbClr val="D73628"/>
-                </a:solidFill>
-              </a:rPr>
-              <a:t>-new</a:t>
-            </a:r>
-            <a:endParaRPr lang="pt-BR" b="0" dirty="0">
-              <a:solidFill>
-                <a:schemeClr val="bg1"/>
-              </a:solidFill>
-            </a:endParaRPr>
-          </a:p>
-          <a:p>
-            <a:pPr marL="457200" lvl="0" indent="-342900" algn="l" rtl="0">
-              <a:lnSpc>
-                <a:spcPct val="150000"/>
-              </a:lnSpc>
-              <a:spcBef>
-                <a:spcPts val="0"/>
-              </a:spcBef>
-              <a:spcAft>
-                <a:spcPts val="0"/>
-              </a:spcAft>
-              <a:buSzPts val="1800"/>
-              <a:buChar char="●"/>
-            </a:pPr>
-            <a:r>
-              <a:rPr lang="pt-BR" b="0" dirty="0">
-                <a:solidFill>
-                  <a:schemeClr val="bg1"/>
-                </a:solidFill>
-              </a:rPr>
-              <a:t>Para finalizar nossa estrutura e código base para ser utilizado em aula, criaremos o modelo que representará o aluno (</a:t>
-            </a:r>
-            <a:r>
-              <a:rPr lang="pt-BR" b="0" dirty="0" err="1">
-                <a:solidFill>
-                  <a:schemeClr val="bg1"/>
-                </a:solidFill>
-              </a:rPr>
-              <a:t>student</a:t>
-            </a:r>
-            <a:r>
-              <a:rPr lang="pt-BR" b="0" dirty="0">
-                <a:solidFill>
-                  <a:schemeClr val="bg1"/>
-                </a:solidFill>
-              </a:rPr>
-              <a:t>) e seu respectivo serviço:</a:t>
-            </a:r>
-          </a:p>
-          <a:p>
-            <a:pPr lvl="1" indent="-342900">
-              <a:lnSpc>
-                <a:spcPct val="150000"/>
-              </a:lnSpc>
-              <a:buSzPts val="1800"/>
-              <a:buChar char="●"/>
-            </a:pPr>
-            <a:r>
-              <a:rPr lang="pt-BR" b="0" dirty="0" err="1">
-                <a:solidFill>
-                  <a:srgbClr val="D73628"/>
-                </a:solidFill>
-              </a:rPr>
-              <a:t>ng</a:t>
-            </a:r>
-            <a:r>
-              <a:rPr lang="pt-BR" b="0" dirty="0">
-                <a:solidFill>
-                  <a:srgbClr val="D73628"/>
-                </a:solidFill>
-              </a:rPr>
-              <a:t> </a:t>
-            </a:r>
-            <a:r>
-              <a:rPr lang="pt-BR" b="0" dirty="0" err="1">
-                <a:solidFill>
-                  <a:srgbClr val="D73628"/>
-                </a:solidFill>
-              </a:rPr>
-              <a:t>generate</a:t>
-            </a:r>
-            <a:r>
-              <a:rPr lang="pt-BR" b="0" dirty="0">
-                <a:solidFill>
-                  <a:srgbClr val="D73628"/>
-                </a:solidFill>
-              </a:rPr>
-              <a:t> </a:t>
-            </a:r>
-            <a:r>
-              <a:rPr lang="pt-BR" b="0" dirty="0" err="1">
-                <a:solidFill>
-                  <a:srgbClr val="D73628"/>
-                </a:solidFill>
-              </a:rPr>
-              <a:t>class</a:t>
-            </a:r>
-            <a:r>
-              <a:rPr lang="pt-BR" b="0" dirty="0">
-                <a:solidFill>
-                  <a:srgbClr val="D73628"/>
-                </a:solidFill>
-              </a:rPr>
-              <a:t> </a:t>
-            </a:r>
-            <a:r>
-              <a:rPr lang="pt-BR" b="0" dirty="0" err="1">
-                <a:solidFill>
-                  <a:srgbClr val="D73628"/>
-                </a:solidFill>
-              </a:rPr>
-              <a:t>features</a:t>
-            </a:r>
-            <a:r>
-              <a:rPr lang="pt-BR" b="0" dirty="0">
-                <a:solidFill>
-                  <a:srgbClr val="D73628"/>
-                </a:solidFill>
-              </a:rPr>
-              <a:t>/</a:t>
-            </a:r>
-            <a:r>
-              <a:rPr lang="pt-BR" b="0" dirty="0" err="1">
-                <a:solidFill>
-                  <a:srgbClr val="D73628"/>
-                </a:solidFill>
-              </a:rPr>
-              <a:t>students</a:t>
-            </a:r>
-            <a:r>
-              <a:rPr lang="pt-BR" b="0" dirty="0">
-                <a:solidFill>
-                  <a:srgbClr val="D73628"/>
-                </a:solidFill>
-              </a:rPr>
-              <a:t>/</a:t>
-            </a:r>
-            <a:r>
-              <a:rPr lang="pt-BR" b="0" dirty="0" err="1">
-                <a:solidFill>
-                  <a:srgbClr val="D73628"/>
-                </a:solidFill>
-              </a:rPr>
-              <a:t>student</a:t>
-            </a:r>
-            <a:endParaRPr lang="pt-BR" b="0" dirty="0">
-              <a:solidFill>
-                <a:srgbClr val="D73628"/>
-              </a:solidFill>
-            </a:endParaRPr>
-          </a:p>
-          <a:p>
-            <a:pPr lvl="1" indent="-342900">
-              <a:lnSpc>
-                <a:spcPct val="150000"/>
-              </a:lnSpc>
-              <a:buSzPts val="1800"/>
-              <a:buChar char="●"/>
-            </a:pPr>
-            <a:r>
-              <a:rPr lang="pt-BR" b="0" dirty="0" err="1">
-                <a:solidFill>
-                  <a:srgbClr val="D73628"/>
-                </a:solidFill>
-              </a:rPr>
-              <a:t>ng</a:t>
-            </a:r>
-            <a:r>
-              <a:rPr lang="pt-BR" b="0" dirty="0">
-                <a:solidFill>
-                  <a:srgbClr val="D73628"/>
-                </a:solidFill>
-              </a:rPr>
-              <a:t> </a:t>
-            </a:r>
-            <a:r>
-              <a:rPr lang="pt-BR" b="0" dirty="0" err="1">
-                <a:solidFill>
-                  <a:srgbClr val="D73628"/>
-                </a:solidFill>
-              </a:rPr>
-              <a:t>generate</a:t>
-            </a:r>
-            <a:r>
-              <a:rPr lang="pt-BR" b="0" dirty="0">
-                <a:solidFill>
-                  <a:srgbClr val="D73628"/>
-                </a:solidFill>
-              </a:rPr>
-              <a:t> </a:t>
-            </a:r>
-            <a:r>
-              <a:rPr lang="pt-BR" b="0" dirty="0" err="1">
-                <a:solidFill>
-                  <a:srgbClr val="D73628"/>
-                </a:solidFill>
-              </a:rPr>
-              <a:t>service</a:t>
-            </a:r>
-            <a:r>
-              <a:rPr lang="pt-BR" b="0" dirty="0">
-                <a:solidFill>
-                  <a:srgbClr val="D73628"/>
-                </a:solidFill>
-              </a:rPr>
-              <a:t> </a:t>
-            </a:r>
-            <a:r>
-              <a:rPr lang="pt-BR" b="0" dirty="0" err="1">
-                <a:solidFill>
-                  <a:srgbClr val="D73628"/>
-                </a:solidFill>
-              </a:rPr>
-              <a:t>features</a:t>
-            </a:r>
-            <a:r>
-              <a:rPr lang="pt-BR" b="0" dirty="0">
-                <a:solidFill>
-                  <a:srgbClr val="D73628"/>
-                </a:solidFill>
-              </a:rPr>
-              <a:t>/</a:t>
-            </a:r>
-            <a:r>
-              <a:rPr lang="pt-BR" b="0" dirty="0" err="1">
-                <a:solidFill>
-                  <a:srgbClr val="D73628"/>
-                </a:solidFill>
-              </a:rPr>
-              <a:t>students</a:t>
-            </a:r>
-            <a:r>
-              <a:rPr lang="pt-BR" b="0" dirty="0">
-                <a:solidFill>
-                  <a:srgbClr val="D73628"/>
-                </a:solidFill>
-              </a:rPr>
-              <a:t>/</a:t>
-            </a:r>
-            <a:r>
-              <a:rPr lang="pt-BR" b="0" dirty="0" err="1">
-                <a:solidFill>
-                  <a:srgbClr val="D73628"/>
-                </a:solidFill>
-              </a:rPr>
-              <a:t>students</a:t>
-            </a:r>
-            <a:endParaRPr lang="pt-BR" b="0" dirty="0">
-              <a:solidFill>
-                <a:srgbClr val="D73628"/>
-              </a:solidFill>
-            </a:endParaRPr>
-          </a:p>
-        </p:txBody>
-      </p:sp>
-    </p:spTree>
-    <p:extLst>
-      <p:ext uri="{BB962C8B-B14F-4D97-AF65-F5344CB8AC3E}">
-        <p14:creationId xmlns:p14="http://schemas.microsoft.com/office/powerpoint/2010/main" val="2394023314"/>
-      </p:ext>
-    </p:extLst>
-  </p:cSld>
-  <p:clrMapOvr>
-    <a:masterClrMapping/>
-  </p:clrMapOvr>
-</p:sld>
-</file>
-
-<file path=ppt/slides/slide16.xml><?xml version="1.0" encoding="utf-8"?>
-<p:sld xmlns:a="http://schemas.openxmlformats.org/drawingml/2006/main" xmlns:r="http://schemas.openxmlformats.org/officeDocument/2006/relationships" xmlns:p="http://schemas.openxmlformats.org/presentationml/2006/main">
-  <p:cSld>
-    <p:spTree>
-      <p:nvGrpSpPr>
-        <p:cNvPr id="1" name="Shape 63"/>
-        <p:cNvGrpSpPr/>
-        <p:nvPr/>
-      </p:nvGrpSpPr>
-      <p:grpSpPr>
-        <a:xfrm>
-          <a:off x="0" y="0"/>
-          <a:ext cx="0" cy="0"/>
-          <a:chOff x="0" y="0"/>
-          <a:chExt cx="0" cy="0"/>
-        </a:xfrm>
-      </p:grpSpPr>
-      <p:sp>
-        <p:nvSpPr>
-          <p:cNvPr id="64" name="Google Shape;64;p12"/>
-          <p:cNvSpPr txBox="1">
-            <a:spLocks noGrp="1"/>
-          </p:cNvSpPr>
-          <p:nvPr>
-            <p:ph type="ctrTitle"/>
-          </p:nvPr>
-        </p:nvSpPr>
-        <p:spPr>
-          <a:xfrm>
-            <a:off x="565200" y="1517527"/>
-            <a:ext cx="6198000" cy="984855"/>
-          </a:xfrm>
-          <a:prstGeom prst="rect">
-            <a:avLst/>
-          </a:prstGeom>
-        </p:spPr>
-        <p:txBody>
-          <a:bodyPr spcFirstLastPara="1" wrap="square" lIns="91425" tIns="91425" rIns="91425" bIns="91425" anchor="ctr" anchorCtr="0">
-            <a:spAutoFit/>
-          </a:bodyPr>
-          <a:lstStyle/>
-          <a:p>
-            <a:pPr marL="0" lvl="0" indent="0" algn="l" rtl="0">
-              <a:spcBef>
-                <a:spcPts val="0"/>
-              </a:spcBef>
-              <a:spcAft>
-                <a:spcPts val="0"/>
-              </a:spcAft>
-              <a:buNone/>
-            </a:pPr>
-            <a:r>
-              <a:rPr lang="pt-BR" sz="5200" dirty="0">
-                <a:solidFill>
-                  <a:srgbClr val="D73628"/>
-                </a:solidFill>
-              </a:rPr>
-              <a:t>Obrigado!</a:t>
-            </a:r>
-          </a:p>
-        </p:txBody>
-      </p:sp>
-      <p:sp>
-        <p:nvSpPr>
-          <p:cNvPr id="65" name="Google Shape;65;p12"/>
-          <p:cNvSpPr txBox="1">
-            <a:spLocks noGrp="1"/>
-          </p:cNvSpPr>
-          <p:nvPr>
-            <p:ph type="subTitle" idx="1"/>
-          </p:nvPr>
-        </p:nvSpPr>
-        <p:spPr>
-          <a:xfrm>
-            <a:off x="565200" y="2502382"/>
-            <a:ext cx="6198000" cy="2414477"/>
-          </a:xfrm>
-          <a:prstGeom prst="rect">
-            <a:avLst/>
-          </a:prstGeom>
-        </p:spPr>
-        <p:txBody>
-          <a:bodyPr spcFirstLastPara="1" wrap="square" lIns="91425" tIns="91425" rIns="91425" bIns="91425" anchor="ctr" anchorCtr="0">
-            <a:spAutoFit/>
-          </a:bodyPr>
-          <a:lstStyle/>
-          <a:p>
-            <a:pPr marL="0" lvl="0" indent="0" algn="l" rtl="0">
-              <a:lnSpc>
-                <a:spcPct val="115000"/>
-              </a:lnSpc>
-              <a:spcBef>
-                <a:spcPts val="0"/>
-              </a:spcBef>
-              <a:spcAft>
-                <a:spcPts val="0"/>
-              </a:spcAft>
-              <a:buNone/>
-            </a:pPr>
-            <a:r>
-              <a:rPr lang="pt-BR" b="1" dirty="0">
-                <a:solidFill>
-                  <a:schemeClr val="lt1"/>
-                </a:solidFill>
-                <a:latin typeface="Roboto"/>
-                <a:ea typeface="Roboto"/>
-                <a:cs typeface="Roboto"/>
-                <a:sym typeface="Roboto"/>
-              </a:rPr>
-              <a:t>Pedro Henrique Lacombe </a:t>
-            </a:r>
-            <a:r>
-              <a:rPr lang="pt-BR" dirty="0">
-                <a:solidFill>
-                  <a:schemeClr val="lt1"/>
-                </a:solidFill>
-                <a:uFill>
-                  <a:noFill/>
-                </a:uFill>
-                <a:hlinkClick r:id="rId3">
-                  <a:extLst>
-                    <a:ext uri="{A12FA001-AC4F-418D-AE19-62706E023703}">
-                      <ahyp:hlinkClr xmlns:ahyp="http://schemas.microsoft.com/office/drawing/2018/hyperlinkcolor" val="tx"/>
-                    </a:ext>
-                  </a:extLst>
-                </a:hlinkClick>
-              </a:rPr>
-              <a:t>pedrohenriquelacombe@gmail.com</a:t>
-            </a:r>
-            <a:endParaRPr lang="pt-BR" dirty="0">
-              <a:solidFill>
-                <a:schemeClr val="lt1"/>
-              </a:solidFill>
-            </a:endParaRPr>
-          </a:p>
-          <a:p>
-            <a:pPr marL="0" lvl="0" indent="0" algn="l" rtl="0">
-              <a:lnSpc>
-                <a:spcPct val="115000"/>
-              </a:lnSpc>
-              <a:spcBef>
-                <a:spcPts val="0"/>
-              </a:spcBef>
-              <a:spcAft>
-                <a:spcPts val="0"/>
-              </a:spcAft>
-              <a:buNone/>
-            </a:pPr>
-            <a:r>
-              <a:rPr lang="pt-BR" dirty="0">
-                <a:solidFill>
-                  <a:schemeClr val="lt1"/>
-                </a:solidFill>
-              </a:rPr>
-              <a:t>Redes sociais: </a:t>
-            </a:r>
-          </a:p>
-          <a:p>
-            <a:pPr marL="0" lvl="0" indent="0" algn="l" rtl="0">
-              <a:lnSpc>
-                <a:spcPct val="115000"/>
-              </a:lnSpc>
-              <a:spcBef>
-                <a:spcPts val="0"/>
-              </a:spcBef>
-              <a:spcAft>
-                <a:spcPts val="0"/>
-              </a:spcAft>
-              <a:buNone/>
-            </a:pPr>
-            <a:r>
-              <a:rPr lang="pt-BR" dirty="0">
-                <a:solidFill>
-                  <a:srgbClr val="D73628"/>
-                </a:solidFill>
-                <a:latin typeface="Roboto Light" panose="02000000000000000000" pitchFamily="2" charset="0"/>
-                <a:ea typeface="Roboto Light" panose="02000000000000000000" pitchFamily="2" charset="0"/>
-                <a:hlinkClick r:id="rId4">
-                  <a:extLst>
-                    <a:ext uri="{A12FA001-AC4F-418D-AE19-62706E023703}">
-                      <ahyp:hlinkClr xmlns:ahyp="http://schemas.microsoft.com/office/drawing/2018/hyperlinkcolor" val="tx"/>
-                    </a:ext>
-                  </a:extLst>
-                </a:hlinkClick>
-              </a:rPr>
-              <a:t>https://app.rocketseat.com.br/me/fuskinha</a:t>
-            </a:r>
-            <a:endParaRPr lang="pt-BR" dirty="0">
-              <a:solidFill>
-                <a:srgbClr val="D73628"/>
-              </a:solidFill>
-              <a:latin typeface="Roboto Light" panose="02000000000000000000" pitchFamily="2" charset="0"/>
-              <a:ea typeface="Roboto Light" panose="02000000000000000000" pitchFamily="2" charset="0"/>
-            </a:endParaRPr>
-          </a:p>
-          <a:p>
-            <a:pPr marL="0" lvl="0" indent="0" algn="l" rtl="0">
-              <a:lnSpc>
-                <a:spcPct val="115000"/>
-              </a:lnSpc>
-              <a:spcBef>
-                <a:spcPts val="0"/>
-              </a:spcBef>
-              <a:spcAft>
-                <a:spcPts val="0"/>
-              </a:spcAft>
-              <a:buNone/>
-            </a:pPr>
-            <a:r>
-              <a:rPr lang="pt-BR" dirty="0">
-                <a:solidFill>
-                  <a:srgbClr val="D73628"/>
-                </a:solidFill>
-                <a:latin typeface="Roboto Light" panose="02000000000000000000" pitchFamily="2" charset="0"/>
-                <a:ea typeface="Roboto Light" panose="02000000000000000000" pitchFamily="2" charset="0"/>
-                <a:hlinkClick r:id="rId5">
-                  <a:extLst>
-                    <a:ext uri="{A12FA001-AC4F-418D-AE19-62706E023703}">
-                      <ahyp:hlinkClr xmlns:ahyp="http://schemas.microsoft.com/office/drawing/2018/hyperlinkcolor" val="tx"/>
-                    </a:ext>
-                  </a:extLst>
-                </a:hlinkClick>
-              </a:rPr>
-              <a:t>https://www.linkedin.com/in/pedrohenriquelacombe</a:t>
-            </a:r>
-            <a:endParaRPr lang="pt-BR" dirty="0">
-              <a:solidFill>
-                <a:srgbClr val="D73628"/>
-              </a:solidFill>
-              <a:latin typeface="Roboto Light" panose="02000000000000000000" pitchFamily="2" charset="0"/>
-              <a:ea typeface="Roboto Light" panose="02000000000000000000" pitchFamily="2" charset="0"/>
-            </a:endParaRPr>
-          </a:p>
-          <a:p>
-            <a:pPr marL="0" lvl="0" indent="0" algn="l" rtl="0">
-              <a:lnSpc>
-                <a:spcPct val="115000"/>
-              </a:lnSpc>
-              <a:spcBef>
-                <a:spcPts val="0"/>
-              </a:spcBef>
-              <a:spcAft>
-                <a:spcPts val="0"/>
-              </a:spcAft>
-              <a:buNone/>
-            </a:pPr>
-            <a:r>
-              <a:rPr lang="pt-BR" dirty="0">
-                <a:solidFill>
-                  <a:srgbClr val="D73628"/>
-                </a:solidFill>
-                <a:latin typeface="Roboto Light" panose="02000000000000000000" pitchFamily="2" charset="0"/>
-                <a:ea typeface="Roboto Light" panose="02000000000000000000" pitchFamily="2" charset="0"/>
-                <a:hlinkClick r:id="rId6">
-                  <a:extLst>
-                    <a:ext uri="{A12FA001-AC4F-418D-AE19-62706E023703}">
-                      <ahyp:hlinkClr xmlns:ahyp="http://schemas.microsoft.com/office/drawing/2018/hyperlinkcolor" val="tx"/>
-                    </a:ext>
-                  </a:extLst>
-                </a:hlinkClick>
-              </a:rPr>
-              <a:t>https://github.com/pedrohenriquelacombe</a:t>
-            </a:r>
-            <a:endParaRPr lang="pt-BR" dirty="0">
-              <a:solidFill>
-                <a:srgbClr val="D73628"/>
-              </a:solidFill>
-              <a:latin typeface="Roboto Light" panose="02000000000000000000" pitchFamily="2" charset="0"/>
-              <a:ea typeface="Roboto Light" panose="02000000000000000000" pitchFamily="2" charset="0"/>
-            </a:endParaRPr>
-          </a:p>
-          <a:p>
-            <a:pPr marL="0" lvl="0" indent="0" algn="l" rtl="0">
-              <a:lnSpc>
-                <a:spcPct val="115000"/>
-              </a:lnSpc>
-              <a:spcBef>
-                <a:spcPts val="0"/>
-              </a:spcBef>
-              <a:spcAft>
-                <a:spcPts val="0"/>
-              </a:spcAft>
-              <a:buNone/>
-            </a:pPr>
-            <a:r>
-              <a:rPr lang="pt-BR" i="0" u="none" strike="noStrike" dirty="0">
-                <a:solidFill>
-                  <a:srgbClr val="D73628"/>
-                </a:solidFill>
-                <a:effectLst/>
-                <a:latin typeface="Roboto Light" panose="02000000000000000000" pitchFamily="2" charset="0"/>
-                <a:ea typeface="Roboto Light" panose="02000000000000000000" pitchFamily="2" charset="0"/>
-                <a:hlinkClick r:id="rId7">
-                  <a:extLst>
-                    <a:ext uri="{A12FA001-AC4F-418D-AE19-62706E023703}">
-                      <ahyp:hlinkClr xmlns:ahyp="http://schemas.microsoft.com/office/drawing/2018/hyperlinkcolor" val="tx"/>
-                    </a:ext>
-                  </a:extLst>
-                </a:hlinkClick>
-              </a:rPr>
-              <a:t>https://www.twitch.tv/fuskinha</a:t>
-            </a:r>
-            <a:endParaRPr lang="pt-BR" dirty="0">
-              <a:solidFill>
-                <a:srgbClr val="D73628"/>
-              </a:solidFill>
-              <a:latin typeface="Roboto Light" panose="02000000000000000000" pitchFamily="2" charset="0"/>
-              <a:ea typeface="Roboto Light" panose="02000000000000000000" pitchFamily="2" charset="0"/>
-            </a:endParaRPr>
           </a:p>
         </p:txBody>
       </p:sp>
@@ -7823,22 +4012,14 @@
             </a:r>
           </a:p>
           <a:p>
-            <a:pPr marL="457200" lvl="0" indent="-342900" algn="l" rtl="0">
+            <a:pPr>
               <a:lnSpc>
                 <a:spcPct val="150000"/>
               </a:lnSpc>
-              <a:spcBef>
-                <a:spcPts val="0"/>
-              </a:spcBef>
-              <a:spcAft>
-                <a:spcPts val="0"/>
-              </a:spcAft>
-              <a:buSzPts val="1800"/>
-              <a:buChar char="●"/>
             </a:pPr>
             <a:r>
               <a:rPr lang="pt-BR" dirty="0"/>
-              <a:t>Sobre a aula e o que será entregue no final;</a:t>
+              <a:t>Requisitos, ambiente e recursos;</a:t>
             </a:r>
           </a:p>
           <a:p>
@@ -7857,7 +4038,7 @@
             </a:pPr>
             <a:r>
               <a:rPr lang="pt-BR" dirty="0"/>
-              <a:t>Requisitos, ambiente e recursos;</a:t>
+              <a:t>Sobre a aula e o que será entregue no final;</a:t>
             </a:r>
           </a:p>
           <a:p>
@@ -8232,7 +4413,7 @@
   <p:cSld>
     <p:spTree>
       <p:nvGrpSpPr>
-        <p:cNvPr id="1" name="Shape 57"/>
+        <p:cNvPr id="1" name="Shape 69"/>
         <p:cNvGrpSpPr/>
         <p:nvPr/>
       </p:nvGrpSpPr>
@@ -8246,7 +4427,7 @@
       </p:grpSpPr>
       <p:sp>
         <p:nvSpPr>
-          <p:cNvPr id="58" name="Google Shape;58;p11"/>
+          <p:cNvPr id="70" name="Google Shape;70;p13"/>
           <p:cNvSpPr txBox="1">
             <a:spLocks noGrp="1"/>
           </p:cNvSpPr>
@@ -8279,16 +4460,16 @@
               <a:buNone/>
             </a:pPr>
             <a:r>
-              <a:rPr lang="pt-BR"/>
-              <a:t>Sobre a aula e o que será entregue no final</a:t>
-            </a:r>
-            <a:endParaRPr/>
+              <a:rPr lang="pt-BR" dirty="0"/>
+              <a:t>Requisitos, ambiente e recursos</a:t>
+            </a:r>
+            <a:endParaRPr dirty="0"/>
           </a:p>
         </p:txBody>
       </p:sp>
       <p:sp>
         <p:nvSpPr>
-          <p:cNvPr id="59" name="Google Shape;59;p11"/>
+          <p:cNvPr id="71" name="Google Shape;71;p13"/>
           <p:cNvSpPr txBox="1">
             <a:spLocks noGrp="1"/>
           </p:cNvSpPr>
@@ -8298,8 +4479,8 @@
         </p:nvSpPr>
         <p:spPr>
           <a:xfrm>
-            <a:off x="585300" y="753326"/>
-            <a:ext cx="8247000" cy="4282598"/>
+            <a:off x="585300" y="833718"/>
+            <a:ext cx="8247000" cy="4182035"/>
           </a:xfrm>
           <a:prstGeom prst="rect">
             <a:avLst/>
@@ -8326,140 +4507,7 @@
             </a:pPr>
             <a:r>
               <a:rPr lang="pt-BR" dirty="0"/>
-              <a:t>O que é CRUD;</a:t>
-            </a:r>
-          </a:p>
-          <a:p>
-            <a:pPr marL="457200" lvl="0" indent="-342900" algn="l" rtl="0">
-              <a:lnSpc>
-                <a:spcPct val="150000"/>
-              </a:lnSpc>
-              <a:spcBef>
-                <a:spcPts val="0"/>
-              </a:spcBef>
-              <a:spcAft>
-                <a:spcPts val="0"/>
-              </a:spcAft>
-              <a:buSzPts val="1800"/>
-              <a:buChar char="●"/>
-            </a:pPr>
-            <a:r>
-              <a:rPr lang="pt-BR" dirty="0"/>
-              <a:t>Por que utilizar módulos no Angular;</a:t>
-            </a:r>
-          </a:p>
-          <a:p>
-            <a:pPr marL="457200" lvl="0" indent="-342900" algn="l" rtl="0">
-              <a:lnSpc>
-                <a:spcPct val="150000"/>
-              </a:lnSpc>
-              <a:spcBef>
-                <a:spcPts val="0"/>
-              </a:spcBef>
-              <a:spcAft>
-                <a:spcPts val="0"/>
-              </a:spcAft>
-              <a:buSzPts val="1800"/>
-              <a:buChar char="●"/>
-            </a:pPr>
-            <a:r>
-              <a:rPr lang="pt-BR" dirty="0"/>
-              <a:t>O que são módulos por funcionalidade;</a:t>
-            </a:r>
-          </a:p>
-          <a:p>
-            <a:pPr marL="457200" lvl="0" indent="-342900" algn="l" rtl="0">
-              <a:lnSpc>
-                <a:spcPct val="150000"/>
-              </a:lnSpc>
-              <a:spcBef>
-                <a:spcPts val="0"/>
-              </a:spcBef>
-              <a:spcAft>
-                <a:spcPts val="0"/>
-              </a:spcAft>
-              <a:buSzPts val="1800"/>
-              <a:buChar char="●"/>
-            </a:pPr>
-            <a:r>
-              <a:rPr lang="pt-BR" dirty="0"/>
-              <a:t>Benefícios dos módulos por funcionalidade;</a:t>
-            </a:r>
-          </a:p>
-          <a:p>
-            <a:pPr marL="457200" lvl="0" indent="-342900" algn="l" rtl="0">
-              <a:lnSpc>
-                <a:spcPct val="150000"/>
-              </a:lnSpc>
-              <a:spcBef>
-                <a:spcPts val="0"/>
-              </a:spcBef>
-              <a:spcAft>
-                <a:spcPts val="0"/>
-              </a:spcAft>
-              <a:buSzPts val="1800"/>
-              <a:buChar char="●"/>
-            </a:pPr>
-            <a:r>
-              <a:rPr lang="pt-BR" dirty="0"/>
-              <a:t>Criando o projeto com a CLI do Angular;</a:t>
-            </a:r>
-          </a:p>
-          <a:p>
-            <a:pPr marL="457200" lvl="0" indent="-342900" algn="l" rtl="0">
-              <a:lnSpc>
-                <a:spcPct val="150000"/>
-              </a:lnSpc>
-              <a:spcBef>
-                <a:spcPts val="0"/>
-              </a:spcBef>
-              <a:spcAft>
-                <a:spcPts val="0"/>
-              </a:spcAft>
-              <a:buSzPts val="1800"/>
-              <a:buChar char="●"/>
-            </a:pPr>
-            <a:r>
-              <a:rPr lang="pt-BR" dirty="0"/>
-              <a:t>Utilizando a CLI para gerar os arquivos do projeto;</a:t>
-            </a:r>
-          </a:p>
-          <a:p>
-            <a:pPr marL="457200" lvl="0" indent="-342900" algn="l" rtl="0">
-              <a:lnSpc>
-                <a:spcPct val="150000"/>
-              </a:lnSpc>
-              <a:spcBef>
-                <a:spcPts val="0"/>
-              </a:spcBef>
-              <a:spcAft>
-                <a:spcPts val="0"/>
-              </a:spcAft>
-              <a:buSzPts val="1800"/>
-              <a:buChar char="●"/>
-            </a:pPr>
-            <a:r>
-              <a:rPr lang="pt-BR" dirty="0"/>
-              <a:t>Demo do projeto final em Angular com </a:t>
-            </a:r>
-            <a:r>
-              <a:rPr lang="pt-BR" dirty="0" err="1"/>
-              <a:t>Bootstrap</a:t>
-            </a:r>
-            <a:r>
-              <a:rPr lang="pt-BR" dirty="0"/>
-              <a:t>;</a:t>
-            </a:r>
-          </a:p>
-          <a:p>
-            <a:pPr>
-              <a:lnSpc>
-                <a:spcPct val="150000"/>
-              </a:lnSpc>
-            </a:pPr>
-            <a:r>
-              <a:rPr lang="pt-BR" dirty="0"/>
-              <a:t>Repositório do projeto no GitHub:</a:t>
+              <a:t>Link uteis </a:t>
             </a:r>
           </a:p>
           <a:p>
@@ -8473,24 +4521,250 @@
             <a:r>
               <a:rPr lang="pt-BR" dirty="0">
                 <a:solidFill>
+                  <a:schemeClr val="bg1"/>
+                </a:solidFill>
+              </a:rPr>
+              <a:t>Spring </a:t>
+            </a:r>
+            <a:r>
+              <a:rPr lang="pt-BR" dirty="0" err="1">
+                <a:solidFill>
+                  <a:schemeClr val="bg1"/>
+                </a:solidFill>
+              </a:rPr>
+              <a:t>Initializr</a:t>
+            </a:r>
+            <a:r>
+              <a:rPr lang="pt-BR" dirty="0">
+                <a:solidFill>
+                  <a:schemeClr val="bg1"/>
+                </a:solidFill>
+              </a:rPr>
+              <a:t> - </a:t>
+            </a:r>
+            <a:r>
+              <a:rPr lang="pt-BR" dirty="0">
+                <a:solidFill>
                   <a:srgbClr val="D73628"/>
                 </a:solidFill>
               </a:rPr>
-              <a:t>https://github.com/rocketseat-experts-club</a:t>
-            </a:r>
-            <a:r>
-              <a:rPr lang="pt-BR">
+              <a:t>https://start.spring.io</a:t>
+            </a:r>
+          </a:p>
+          <a:p>
+            <a:pPr lvl="1" indent="-342900">
+              <a:lnSpc>
+                <a:spcPct val="150000"/>
+              </a:lnSpc>
+              <a:buSzPts val="1800"/>
+              <a:buChar char="●"/>
+            </a:pPr>
+            <a:r>
+              <a:rPr lang="pt-BR" dirty="0">
+                <a:solidFill>
+                  <a:schemeClr val="bg1"/>
+                </a:solidFill>
+              </a:rPr>
+              <a:t>Spring Mail Doc - </a:t>
+            </a:r>
+            <a:r>
+              <a:rPr lang="pt-BR" dirty="0">
                 <a:solidFill>
                   <a:srgbClr val="D73628"/>
                 </a:solidFill>
+                <a:hlinkClick r:id="rId3">
+                  <a:extLst>
+                    <a:ext uri="{A12FA001-AC4F-418D-AE19-62706E023703}">
+                      <ahyp:hlinkClr xmlns:ahyp="http://schemas.microsoft.com/office/drawing/2018/hyperlinkcolor" val="tx"/>
+                    </a:ext>
+                  </a:extLst>
+                </a:hlinkClick>
               </a:rPr>
-              <a:t>/angular-crud-modules-2021-09-15</a:t>
+              <a:t>https://docs.spring.io/spring-framework/docs/3.2.x/spring-framework-reference/html/mail.html</a:t>
             </a:r>
             <a:endParaRPr lang="pt-BR" dirty="0">
               <a:solidFill>
                 <a:srgbClr val="D73628"/>
               </a:solidFill>
             </a:endParaRPr>
+          </a:p>
+          <a:p>
+            <a:pPr>
+              <a:lnSpc>
+                <a:spcPct val="150000"/>
+              </a:lnSpc>
+            </a:pPr>
+            <a:r>
+              <a:rPr lang="pt-BR" dirty="0">
+                <a:solidFill>
+                  <a:schemeClr val="bg1"/>
+                </a:solidFill>
+              </a:rPr>
+              <a:t>Requisitos</a:t>
+            </a:r>
+          </a:p>
+          <a:p>
+            <a:pPr lvl="1">
+              <a:lnSpc>
+                <a:spcPct val="150000"/>
+              </a:lnSpc>
+            </a:pPr>
+            <a:r>
+              <a:rPr lang="pt-BR" dirty="0">
+                <a:solidFill>
+                  <a:schemeClr val="bg1"/>
+                </a:solidFill>
+              </a:rPr>
+              <a:t>Ter familiaridade com HTML e CSS;</a:t>
+            </a:r>
+          </a:p>
+          <a:p>
+            <a:pPr marL="457200" lvl="0" indent="-342900" algn="l" rtl="0">
+              <a:lnSpc>
+                <a:spcPct val="150000"/>
+              </a:lnSpc>
+              <a:spcBef>
+                <a:spcPts val="0"/>
+              </a:spcBef>
+              <a:spcAft>
+                <a:spcPts val="0"/>
+              </a:spcAft>
+              <a:buSzPts val="1800"/>
+              <a:buChar char="●"/>
+            </a:pPr>
+            <a:r>
+              <a:rPr lang="pt-BR" dirty="0"/>
+              <a:t>Ambiente e recursos necessários:</a:t>
+            </a:r>
+          </a:p>
+          <a:p>
+            <a:pPr marL="914400" lvl="1" indent="-317500" algn="l" rtl="0">
+              <a:lnSpc>
+                <a:spcPct val="150000"/>
+              </a:lnSpc>
+              <a:spcBef>
+                <a:spcPts val="0"/>
+              </a:spcBef>
+              <a:spcAft>
+                <a:spcPts val="0"/>
+              </a:spcAft>
+              <a:buSzPts val="1400"/>
+              <a:buChar char="○"/>
+            </a:pPr>
+            <a:r>
+              <a:rPr lang="pt-BR" dirty="0">
+                <a:solidFill>
+                  <a:schemeClr val="bg1"/>
+                </a:solidFill>
+              </a:rPr>
+              <a:t>Java 11+;</a:t>
+            </a:r>
+          </a:p>
+          <a:p>
+            <a:pPr marL="914400" lvl="1" indent="-317500" algn="l" rtl="0">
+              <a:lnSpc>
+                <a:spcPct val="150000"/>
+              </a:lnSpc>
+              <a:spcBef>
+                <a:spcPts val="0"/>
+              </a:spcBef>
+              <a:spcAft>
+                <a:spcPts val="0"/>
+              </a:spcAft>
+              <a:buSzPts val="1400"/>
+              <a:buChar char="○"/>
+            </a:pPr>
+            <a:r>
+              <a:rPr lang="pt-BR" dirty="0" err="1">
+                <a:solidFill>
+                  <a:schemeClr val="bg1"/>
+                </a:solidFill>
+              </a:rPr>
+              <a:t>Postman</a:t>
+            </a:r>
+            <a:r>
+              <a:rPr lang="pt-BR" dirty="0">
+                <a:solidFill>
+                  <a:schemeClr val="bg1"/>
+                </a:solidFill>
+              </a:rPr>
+              <a:t> ou </a:t>
+            </a:r>
+            <a:r>
+              <a:rPr lang="pt-BR" dirty="0" err="1">
+                <a:solidFill>
+                  <a:schemeClr val="bg1"/>
+                </a:solidFill>
+              </a:rPr>
+              <a:t>Insomnia</a:t>
+            </a:r>
+            <a:endParaRPr lang="pt-BR" dirty="0">
+              <a:solidFill>
+                <a:schemeClr val="bg1"/>
+              </a:solidFill>
+            </a:endParaRPr>
+          </a:p>
+          <a:p>
+            <a:pPr marL="914400" lvl="1" indent="-317500" algn="l" rtl="0">
+              <a:lnSpc>
+                <a:spcPct val="150000"/>
+              </a:lnSpc>
+              <a:spcBef>
+                <a:spcPts val="0"/>
+              </a:spcBef>
+              <a:spcAft>
+                <a:spcPts val="0"/>
+              </a:spcAft>
+              <a:buSzPts val="1400"/>
+              <a:buChar char="○"/>
+            </a:pPr>
+            <a:r>
+              <a:rPr lang="pt-BR" dirty="0">
+                <a:solidFill>
+                  <a:schemeClr val="bg1"/>
+                </a:solidFill>
+              </a:rPr>
+              <a:t>Seu editor de código de preferência (No meu caso, </a:t>
+            </a:r>
+            <a:r>
+              <a:rPr lang="pt-BR" dirty="0" err="1">
+                <a:solidFill>
+                  <a:schemeClr val="bg1"/>
+                </a:solidFill>
+              </a:rPr>
+              <a:t>Intellij</a:t>
+            </a:r>
+            <a:r>
+              <a:rPr lang="pt-BR" dirty="0">
+                <a:solidFill>
+                  <a:schemeClr val="bg1"/>
+                </a:solidFill>
+              </a:rPr>
+              <a:t>);</a:t>
+            </a:r>
+          </a:p>
+          <a:p>
+            <a:pPr marL="914400" lvl="1" indent="-317500" algn="l" rtl="0">
+              <a:lnSpc>
+                <a:spcPct val="150000"/>
+              </a:lnSpc>
+              <a:spcBef>
+                <a:spcPts val="0"/>
+              </a:spcBef>
+              <a:spcAft>
+                <a:spcPts val="0"/>
+              </a:spcAft>
+              <a:buSzPts val="1400"/>
+              <a:buChar char="○"/>
+            </a:pPr>
+            <a:r>
+              <a:rPr lang="pt-BR" dirty="0">
+                <a:solidFill>
+                  <a:schemeClr val="bg1"/>
+                </a:solidFill>
+              </a:rPr>
+              <a:t>Vontade de aprender :D</a:t>
+            </a:r>
           </a:p>
         </p:txBody>
       </p:sp>
@@ -8507,7 +4781,7 @@
   <p:cSld>
     <p:spTree>
       <p:nvGrpSpPr>
-        <p:cNvPr id="1" name="Shape 57"/>
+        <p:cNvPr id="1" name="Shape 63"/>
         <p:cNvGrpSpPr/>
         <p:nvPr/>
       </p:nvGrpSpPr>
@@ -8521,26 +4795,26 @@
       </p:grpSpPr>
       <p:sp>
         <p:nvSpPr>
-          <p:cNvPr id="58" name="Google Shape;58;p11"/>
+          <p:cNvPr id="64" name="Google Shape;64;p12"/>
           <p:cNvSpPr txBox="1">
             <a:spLocks noGrp="1"/>
           </p:cNvSpPr>
           <p:nvPr>
-            <p:ph type="title"/>
+            <p:ph type="ctrTitle"/>
           </p:nvPr>
         </p:nvSpPr>
         <p:spPr>
           <a:xfrm>
-            <a:off x="585300" y="180625"/>
-            <a:ext cx="8247000" cy="572700"/>
+            <a:off x="565200" y="1517527"/>
+            <a:ext cx="6198000" cy="984855"/>
           </a:xfrm>
           <a:prstGeom prst="rect">
             <a:avLst/>
           </a:prstGeom>
         </p:spPr>
         <p:txBody>
-          <a:bodyPr spcFirstLastPara="1" wrap="square" lIns="91425" tIns="91425" rIns="91425" bIns="91425" anchor="t" anchorCtr="0">
-            <a:normAutofit/>
+          <a:bodyPr spcFirstLastPara="1" wrap="square" lIns="91425" tIns="91425" rIns="91425" bIns="91425" anchor="ctr" anchorCtr="0">
+            <a:spAutoFit/>
           </a:bodyPr>
           <a:lstStyle/>
           <a:p>
@@ -8554,166 +4828,45 @@
               <a:buNone/>
             </a:pPr>
             <a:r>
-              <a:rPr lang="pt-BR" dirty="0"/>
-              <a:t>O que é CRUD?</a:t>
-            </a:r>
-            <a:endParaRPr dirty="0"/>
+              <a:rPr lang="pt-BR" sz="5200" dirty="0">
+                <a:solidFill>
+                  <a:srgbClr val="D73628"/>
+                </a:solidFill>
+              </a:rPr>
+              <a:t>Obrigado!</a:t>
+            </a:r>
           </a:p>
         </p:txBody>
       </p:sp>
       <p:sp>
         <p:nvSpPr>
-          <p:cNvPr id="59" name="Google Shape;59;p11"/>
+          <p:cNvPr id="65" name="Google Shape;65;p12"/>
           <p:cNvSpPr txBox="1">
             <a:spLocks noGrp="1"/>
           </p:cNvSpPr>
           <p:nvPr>
-            <p:ph type="body" idx="1"/>
+            <p:ph type="subTitle" idx="1"/>
           </p:nvPr>
         </p:nvSpPr>
         <p:spPr>
           <a:xfrm>
-            <a:off x="585300" y="1000075"/>
-            <a:ext cx="8247000" cy="1839042"/>
+            <a:off x="565200" y="2502382"/>
+            <a:ext cx="6198000" cy="2414477"/>
           </a:xfrm>
           <a:prstGeom prst="rect">
             <a:avLst/>
           </a:prstGeom>
         </p:spPr>
         <p:txBody>
-          <a:bodyPr spcFirstLastPara="1" wrap="square" lIns="91425" tIns="91425" rIns="91425" bIns="91425" anchor="t" anchorCtr="0">
-            <a:normAutofit/>
-          </a:bodyPr>
-          <a:lstStyle/>
-          <a:p>
-            <a:r>
-              <a:rPr lang="pt-BR" sz="1800" i="0" dirty="0">
-                <a:solidFill>
-                  <a:schemeClr val="bg1"/>
-                </a:solidFill>
-                <a:effectLst/>
-              </a:rPr>
-              <a:t>CRUD</a:t>
-            </a:r>
-            <a:r>
-              <a:rPr lang="pt-BR" sz="1800" b="0" i="0" dirty="0">
-                <a:effectLst/>
-              </a:rPr>
-              <a:t> é a composição da primeira letra de 4 funções básicas de um sistema que trabalha com banco de dados.</a:t>
-            </a:r>
-          </a:p>
-          <a:p>
-            <a:r>
-              <a:rPr lang="pt-BR" sz="1800" b="0" dirty="0"/>
-              <a:t>Então quando dizemos que iremos desenvolver um </a:t>
-            </a:r>
-            <a:r>
-              <a:rPr lang="pt-BR" sz="1800" dirty="0">
-                <a:solidFill>
-                  <a:schemeClr val="bg1"/>
-                </a:solidFill>
-              </a:rPr>
-              <a:t>CRUD</a:t>
-            </a:r>
-            <a:r>
-              <a:rPr lang="pt-BR" sz="1800" b="0" dirty="0"/>
-              <a:t> simples, estamos basicamente informando que vamos desenvolver uma aplicação que possua essas operações.</a:t>
-            </a:r>
-          </a:p>
-        </p:txBody>
-      </p:sp>
-      <p:pic>
-        <p:nvPicPr>
-          <p:cNvPr id="4" name="Imagem 3" descr="Interface gráfica do usuário, Aplicativo&#10;&#10;Descrição gerada automaticamente">
-            <a:extLst>
-              <a:ext uri="{FF2B5EF4-FFF2-40B4-BE49-F238E27FC236}">
-                <a16:creationId xmlns:a16="http://schemas.microsoft.com/office/drawing/2014/main" id="{20123933-F2EA-456F-877F-9055D2132EA5}"/>
-              </a:ext>
-            </a:extLst>
-          </p:cNvPr>
-          <p:cNvPicPr>
-            <a:picLocks noChangeAspect="1"/>
-          </p:cNvPicPr>
-          <p:nvPr/>
-        </p:nvPicPr>
-        <p:blipFill>
-          <a:blip r:embed="rId3">
-            <a:extLst>
-              <a:ext uri="{28A0092B-C50C-407E-A947-70E740481C1C}">
-                <a14:useLocalDpi xmlns:a14="http://schemas.microsoft.com/office/drawing/2010/main" val="0"/>
-              </a:ext>
-            </a:extLst>
-          </a:blip>
-          <a:stretch>
-            <a:fillRect/>
-          </a:stretch>
-        </p:blipFill>
-        <p:spPr>
-          <a:xfrm>
-            <a:off x="1876717" y="2652432"/>
-            <a:ext cx="5390565" cy="2166592"/>
-          </a:xfrm>
-          <a:prstGeom prst="rect">
-            <a:avLst/>
-          </a:prstGeom>
-        </p:spPr>
-      </p:pic>
-    </p:spTree>
-    <p:extLst>
-      <p:ext uri="{BB962C8B-B14F-4D97-AF65-F5344CB8AC3E}">
-        <p14:creationId xmlns:p14="http://schemas.microsoft.com/office/powerpoint/2010/main" val="3339091638"/>
-      </p:ext>
-    </p:extLst>
-  </p:cSld>
-  <p:clrMapOvr>
-    <a:masterClrMapping/>
-  </p:clrMapOvr>
-</p:sld>
-</file>
-
-<file path=ppt/slides/slide6.xml><?xml version="1.0" encoding="utf-8"?>
-<p:sld xmlns:a="http://schemas.openxmlformats.org/drawingml/2006/main" xmlns:r="http://schemas.openxmlformats.org/officeDocument/2006/relationships" xmlns:p="http://schemas.openxmlformats.org/presentationml/2006/main">
-  <p:cSld>
-    <p:spTree>
-      <p:nvGrpSpPr>
-        <p:cNvPr id="1" name="Shape 57"/>
-        <p:cNvGrpSpPr/>
-        <p:nvPr/>
-      </p:nvGrpSpPr>
-      <p:grpSpPr>
-        <a:xfrm>
-          <a:off x="0" y="0"/>
-          <a:ext cx="0" cy="0"/>
-          <a:chOff x="0" y="0"/>
-          <a:chExt cx="0" cy="0"/>
-        </a:xfrm>
-      </p:grpSpPr>
-      <p:sp>
-        <p:nvSpPr>
-          <p:cNvPr id="58" name="Google Shape;58;p11"/>
-          <p:cNvSpPr txBox="1">
-            <a:spLocks noGrp="1"/>
-          </p:cNvSpPr>
-          <p:nvPr>
-            <p:ph type="title"/>
-          </p:nvPr>
-        </p:nvSpPr>
-        <p:spPr>
-          <a:xfrm>
-            <a:off x="585300" y="180625"/>
-            <a:ext cx="8247000" cy="572700"/>
-          </a:xfrm>
-          <a:prstGeom prst="rect">
-            <a:avLst/>
-          </a:prstGeom>
-        </p:spPr>
-        <p:txBody>
-          <a:bodyPr spcFirstLastPara="1" wrap="square" lIns="91425" tIns="91425" rIns="91425" bIns="91425" anchor="t" anchorCtr="0">
-            <a:normAutofit/>
+          <a:bodyPr spcFirstLastPara="1" wrap="square" lIns="91425" tIns="91425" rIns="91425" bIns="91425" anchor="ctr" anchorCtr="0">
+            <a:spAutoFit/>
           </a:bodyPr>
           <a:lstStyle/>
           <a:p>
             <a:pPr marL="0" lvl="0" indent="0" algn="l" rtl="0">
+              <a:lnSpc>
+                <a:spcPct val="115000"/>
+              </a:lnSpc>
               <a:spcBef>
                 <a:spcPts val="0"/>
               </a:spcBef>
@@ -8723,777 +4876,219 @@
               <a:buNone/>
             </a:pPr>
             <a:r>
-              <a:rPr lang="pt-BR" dirty="0"/>
-              <a:t>O que são módulos no Angular?</a:t>
-            </a:r>
-          </a:p>
-        </p:txBody>
-      </p:sp>
-      <p:sp>
-        <p:nvSpPr>
-          <p:cNvPr id="59" name="Google Shape;59;p11"/>
-          <p:cNvSpPr txBox="1">
-            <a:spLocks noGrp="1"/>
-          </p:cNvSpPr>
-          <p:nvPr>
-            <p:ph type="body" idx="1"/>
-          </p:nvPr>
-        </p:nvSpPr>
-        <p:spPr>
-          <a:xfrm>
-            <a:off x="585300" y="1000074"/>
-            <a:ext cx="8247000" cy="3962801"/>
-          </a:xfrm>
-          <a:prstGeom prst="rect">
-            <a:avLst/>
-          </a:prstGeom>
-        </p:spPr>
-        <p:txBody>
-          <a:bodyPr spcFirstLastPara="1" wrap="square" lIns="91425" tIns="91425" rIns="91425" bIns="91425" anchor="t" anchorCtr="0">
-            <a:normAutofit/>
-          </a:bodyPr>
-          <a:lstStyle/>
-          <a:p>
-            <a:pPr algn="l" fontAlgn="base"/>
-            <a:r>
-              <a:rPr lang="pt-BR" b="0" dirty="0">
-                <a:solidFill>
-                  <a:schemeClr val="bg1"/>
-                </a:solidFill>
-                <a:latin typeface="Roboto" panose="02000000000000000000" pitchFamily="2" charset="0"/>
-                <a:ea typeface="Roboto" panose="02000000000000000000" pitchFamily="2" charset="0"/>
+              <a:rPr lang="pt-BR" b="1" dirty="0">
+                <a:solidFill>
+                  <a:schemeClr val="lt1"/>
+                </a:solidFill>
+                <a:latin typeface="Roboto"/>
+                <a:ea typeface="Roboto"/>
+                <a:cs typeface="Roboto"/>
+                <a:sym typeface="Roboto"/>
               </a:rPr>
-              <a:t>Em aplicações Angular, os módulos são pequenos pedações de código com funcionalidades e comportamentos independentes.</a:t>
-            </a:r>
+              <a:t>Pedro Henrique Lacombe </a:t>
+            </a:r>
+            <a:r>
+              <a:rPr lang="pt-BR" dirty="0">
+                <a:solidFill>
+                  <a:schemeClr val="lt1"/>
+                </a:solidFill>
+                <a:uFill>
+                  <a:noFill/>
+                </a:uFill>
+                <a:hlinkClick r:id="rId3">
+                  <a:extLst>
+                    <a:ext uri="{A12FA001-AC4F-418D-AE19-62706E023703}">
+                      <ahyp:hlinkClr xmlns:ahyp="http://schemas.microsoft.com/office/drawing/2018/hyperlinkcolor" val="tx"/>
+                    </a:ext>
+                  </a:extLst>
+                </a:hlinkClick>
+              </a:rPr>
+              <a:t>pedrohenriquelacombe@gmail.com</a:t>
+            </a:r>
+            <a:endParaRPr lang="pt-BR" dirty="0">
+              <a:solidFill>
+                <a:schemeClr val="lt1"/>
+              </a:solidFill>
+            </a:endParaRPr>
           </a:p>
           <a:p>
-            <a:pPr algn="l" fontAlgn="base"/>
-            <a:r>
-              <a:rPr lang="pt-BR" b="0" dirty="0">
-                <a:solidFill>
-                  <a:schemeClr val="bg1"/>
-                </a:solidFill>
-                <a:latin typeface="Roboto" panose="02000000000000000000" pitchFamily="2" charset="0"/>
-                <a:ea typeface="Roboto" panose="02000000000000000000" pitchFamily="2" charset="0"/>
+            <a:pPr marL="0" lvl="0" indent="0" algn="l" rtl="0">
+              <a:lnSpc>
+                <a:spcPct val="115000"/>
+              </a:lnSpc>
+              <a:spcBef>
+                <a:spcPts val="0"/>
+              </a:spcBef>
+              <a:spcAft>
+                <a:spcPts val="0"/>
+              </a:spcAft>
+              <a:buNone/>
+            </a:pPr>
+            <a:r>
+              <a:rPr lang="pt-BR" dirty="0">
+                <a:solidFill>
+                  <a:schemeClr val="lt1"/>
+                </a:solidFill>
               </a:rPr>
-              <a:t>Dividir essas funcionalidades em módulos ajuda a dividir a aplicação em áreas dedicadas, permitindo que vários </a:t>
-            </a:r>
-            <a:r>
-              <a:rPr lang="pt-BR" b="0" dirty="0" err="1">
-                <a:solidFill>
-                  <a:schemeClr val="bg1"/>
-                </a:solidFill>
-                <a:latin typeface="Roboto" panose="02000000000000000000" pitchFamily="2" charset="0"/>
-                <a:ea typeface="Roboto" panose="02000000000000000000" pitchFamily="2" charset="0"/>
-              </a:rPr>
-              <a:t>devs</a:t>
-            </a:r>
-            <a:r>
-              <a:rPr lang="pt-BR" b="0" dirty="0">
-                <a:solidFill>
-                  <a:schemeClr val="bg1"/>
-                </a:solidFill>
-                <a:latin typeface="Roboto" panose="02000000000000000000" pitchFamily="2" charset="0"/>
-                <a:ea typeface="Roboto" panose="02000000000000000000" pitchFamily="2" charset="0"/>
-              </a:rPr>
-              <a:t> trabalhem em funcionalidades independentes sem impactar outras partes da aplicação.</a:t>
+              <a:t>Redes sociais: </a:t>
             </a:r>
           </a:p>
           <a:p>
-            <a:pPr algn="l" fontAlgn="base"/>
-            <a:r>
-              <a:rPr lang="pt-BR" b="0" dirty="0">
-                <a:solidFill>
-                  <a:schemeClr val="bg1"/>
-                </a:solidFill>
-                <a:latin typeface="Roboto" panose="02000000000000000000" pitchFamily="2" charset="0"/>
-                <a:ea typeface="Roboto" panose="02000000000000000000" pitchFamily="2" charset="0"/>
+            <a:pPr marL="0" lvl="0" indent="0" algn="l" rtl="0">
+              <a:lnSpc>
+                <a:spcPct val="115000"/>
+              </a:lnSpc>
+              <a:spcBef>
+                <a:spcPts val="0"/>
+              </a:spcBef>
+              <a:spcAft>
+                <a:spcPts val="0"/>
+              </a:spcAft>
+              <a:buNone/>
+            </a:pPr>
+            <a:r>
+              <a:rPr lang="pt-BR" dirty="0">
+                <a:solidFill>
+                  <a:srgbClr val="D73628"/>
+                </a:solidFill>
+                <a:latin typeface="Roboto Light" panose="02000000000000000000" pitchFamily="2" charset="0"/>
+                <a:ea typeface="Roboto Light" panose="02000000000000000000" pitchFamily="2" charset="0"/>
+                <a:hlinkClick r:id="rId4">
+                  <a:extLst>
+                    <a:ext uri="{A12FA001-AC4F-418D-AE19-62706E023703}">
+                      <ahyp:hlinkClr xmlns:ahyp="http://schemas.microsoft.com/office/drawing/2018/hyperlinkcolor" val="tx"/>
+                    </a:ext>
+                  </a:extLst>
+                </a:hlinkClick>
               </a:rPr>
-              <a:t>Dessa forma, os módulos permitem:</a:t>
-            </a:r>
+              <a:t>https://app.rocketseat.com.br/me/fuskinha</a:t>
+            </a:r>
+            <a:endParaRPr lang="pt-BR" dirty="0">
+              <a:solidFill>
+                <a:srgbClr val="D73628"/>
+              </a:solidFill>
+              <a:latin typeface="Roboto Light" panose="02000000000000000000" pitchFamily="2" charset="0"/>
+              <a:ea typeface="Roboto Light" panose="02000000000000000000" pitchFamily="2" charset="0"/>
+            </a:endParaRPr>
           </a:p>
           <a:p>
-            <a:pPr lvl="1" fontAlgn="base"/>
-            <a:r>
-              <a:rPr lang="pt-BR" b="0" dirty="0">
-                <a:solidFill>
-                  <a:schemeClr val="bg1"/>
-                </a:solidFill>
-                <a:latin typeface="Roboto" panose="02000000000000000000" pitchFamily="2" charset="0"/>
-                <a:ea typeface="Roboto" panose="02000000000000000000" pitchFamily="2" charset="0"/>
+            <a:pPr marL="0" lvl="0" indent="0" algn="l" rtl="0">
+              <a:lnSpc>
+                <a:spcPct val="115000"/>
+              </a:lnSpc>
+              <a:spcBef>
+                <a:spcPts val="0"/>
+              </a:spcBef>
+              <a:spcAft>
+                <a:spcPts val="0"/>
+              </a:spcAft>
+              <a:buNone/>
+            </a:pPr>
+            <a:r>
+              <a:rPr lang="pt-BR" dirty="0">
+                <a:solidFill>
+                  <a:srgbClr val="D73628"/>
+                </a:solidFill>
+                <a:latin typeface="Roboto Light" panose="02000000000000000000" pitchFamily="2" charset="0"/>
+                <a:ea typeface="Roboto Light" panose="02000000000000000000" pitchFamily="2" charset="0"/>
+                <a:hlinkClick r:id="rId5">
+                  <a:extLst>
+                    <a:ext uri="{A12FA001-AC4F-418D-AE19-62706E023703}">
+                      <ahyp:hlinkClr xmlns:ahyp="http://schemas.microsoft.com/office/drawing/2018/hyperlinkcolor" val="tx"/>
+                    </a:ext>
+                  </a:extLst>
+                </a:hlinkClick>
               </a:rPr>
-              <a:t>Desenvolver uma determinada funcionalidade independentemente das outras;</a:t>
-            </a:r>
+              <a:t>https://www.linkedin.com/in/pedrohenriquelacombe</a:t>
+            </a:r>
+            <a:endParaRPr lang="pt-BR" dirty="0">
+              <a:solidFill>
+                <a:srgbClr val="D73628"/>
+              </a:solidFill>
+              <a:latin typeface="Roboto Light" panose="02000000000000000000" pitchFamily="2" charset="0"/>
+              <a:ea typeface="Roboto Light" panose="02000000000000000000" pitchFamily="2" charset="0"/>
+            </a:endParaRPr>
           </a:p>
           <a:p>
-            <a:pPr lvl="1" fontAlgn="base"/>
-            <a:r>
-              <a:rPr lang="pt-BR" b="0" dirty="0">
-                <a:solidFill>
-                  <a:schemeClr val="bg1"/>
-                </a:solidFill>
-                <a:latin typeface="Roboto" panose="02000000000000000000" pitchFamily="2" charset="0"/>
-                <a:ea typeface="Roboto" panose="02000000000000000000" pitchFamily="2" charset="0"/>
+            <a:pPr marL="0" lvl="0" indent="0" algn="l" rtl="0">
+              <a:lnSpc>
+                <a:spcPct val="115000"/>
+              </a:lnSpc>
+              <a:spcBef>
+                <a:spcPts val="0"/>
+              </a:spcBef>
+              <a:spcAft>
+                <a:spcPts val="0"/>
+              </a:spcAft>
+              <a:buNone/>
+            </a:pPr>
+            <a:r>
+              <a:rPr lang="pt-BR" dirty="0">
+                <a:solidFill>
+                  <a:srgbClr val="D73628"/>
+                </a:solidFill>
+                <a:latin typeface="Roboto Light" panose="02000000000000000000" pitchFamily="2" charset="0"/>
+                <a:ea typeface="Roboto Light" panose="02000000000000000000" pitchFamily="2" charset="0"/>
+                <a:hlinkClick r:id="rId6">
+                  <a:extLst>
+                    <a:ext uri="{A12FA001-AC4F-418D-AE19-62706E023703}">
+                      <ahyp:hlinkClr xmlns:ahyp="http://schemas.microsoft.com/office/drawing/2018/hyperlinkcolor" val="tx"/>
+                    </a:ext>
+                  </a:extLst>
+                </a:hlinkClick>
               </a:rPr>
-              <a:t>Gerenciar equipes com mais facilidade, permitindo que cada equipe de desenvolvimento trabalhe em um recurso separado;</a:t>
-            </a:r>
+              <a:t>https://github.com/pedrohenriquelacombe</a:t>
+            </a:r>
+            <a:endParaRPr lang="pt-BR" dirty="0">
+              <a:solidFill>
+                <a:srgbClr val="D73628"/>
+              </a:solidFill>
+              <a:latin typeface="Roboto Light" panose="02000000000000000000" pitchFamily="2" charset="0"/>
+              <a:ea typeface="Roboto Light" panose="02000000000000000000" pitchFamily="2" charset="0"/>
+            </a:endParaRPr>
           </a:p>
           <a:p>
-            <a:pPr lvl="1" fontAlgn="base"/>
-            <a:r>
-              <a:rPr lang="pt-BR" b="0" dirty="0">
-                <a:solidFill>
-                  <a:schemeClr val="bg1"/>
-                </a:solidFill>
-                <a:latin typeface="Roboto" panose="02000000000000000000" pitchFamily="2" charset="0"/>
-                <a:ea typeface="Roboto" panose="02000000000000000000" pitchFamily="2" charset="0"/>
+            <a:pPr marL="0" lvl="0" indent="0" algn="l" rtl="0">
+              <a:lnSpc>
+                <a:spcPct val="115000"/>
+              </a:lnSpc>
+              <a:spcBef>
+                <a:spcPts val="0"/>
+              </a:spcBef>
+              <a:spcAft>
+                <a:spcPts val="0"/>
+              </a:spcAft>
+              <a:buNone/>
+            </a:pPr>
+            <a:r>
+              <a:rPr lang="pt-BR" i="0" u="none" strike="noStrike" dirty="0">
+                <a:solidFill>
+                  <a:srgbClr val="D73628"/>
+                </a:solidFill>
+                <a:effectLst/>
+                <a:latin typeface="Roboto Light" panose="02000000000000000000" pitchFamily="2" charset="0"/>
+                <a:ea typeface="Roboto Light" panose="02000000000000000000" pitchFamily="2" charset="0"/>
+                <a:hlinkClick r:id="rId7">
+                  <a:extLst>
+                    <a:ext uri="{A12FA001-AC4F-418D-AE19-62706E023703}">
+                      <ahyp:hlinkClr xmlns:ahyp="http://schemas.microsoft.com/office/drawing/2018/hyperlinkcolor" val="tx"/>
+                    </a:ext>
+                  </a:extLst>
+                </a:hlinkClick>
               </a:rPr>
-              <a:t>Implantar recursos gradualmente;</a:t>
-            </a:r>
-          </a:p>
-          <a:p>
-            <a:pPr lvl="1" fontAlgn="base"/>
-            <a:r>
-              <a:rPr lang="pt-BR" b="0" dirty="0">
-                <a:solidFill>
-                  <a:schemeClr val="bg1"/>
-                </a:solidFill>
-                <a:latin typeface="Roboto" panose="02000000000000000000" pitchFamily="2" charset="0"/>
-                <a:ea typeface="Roboto" panose="02000000000000000000" pitchFamily="2" charset="0"/>
-              </a:rPr>
-              <a:t>Criar aplicativos escaláveis;</a:t>
-            </a:r>
-          </a:p>
-          <a:p>
-            <a:pPr lvl="1" fontAlgn="base"/>
-            <a:r>
-              <a:rPr lang="pt-BR" b="0" dirty="0">
-                <a:solidFill>
-                  <a:schemeClr val="bg1"/>
-                </a:solidFill>
-                <a:latin typeface="Roboto" panose="02000000000000000000" pitchFamily="2" charset="0"/>
-                <a:ea typeface="Roboto" panose="02000000000000000000" pitchFamily="2" charset="0"/>
-              </a:rPr>
-              <a:t>Escrever testes facilmente;</a:t>
-            </a:r>
-          </a:p>
-        </p:txBody>
-      </p:sp>
-    </p:spTree>
-    <p:extLst>
-      <p:ext uri="{BB962C8B-B14F-4D97-AF65-F5344CB8AC3E}">
-        <p14:creationId xmlns:p14="http://schemas.microsoft.com/office/powerpoint/2010/main" val="1103261654"/>
-      </p:ext>
-    </p:extLst>
-  </p:cSld>
-  <p:clrMapOvr>
-    <a:masterClrMapping/>
-  </p:clrMapOvr>
-</p:sld>
-</file>
-
-<file path=ppt/slides/slide7.xml><?xml version="1.0" encoding="utf-8"?>
-<p:sld xmlns:a="http://schemas.openxmlformats.org/drawingml/2006/main" xmlns:r="http://schemas.openxmlformats.org/officeDocument/2006/relationships" xmlns:p="http://schemas.openxmlformats.org/presentationml/2006/main">
-  <p:cSld>
-    <p:spTree>
-      <p:nvGrpSpPr>
-        <p:cNvPr id="1" name="Shape 57"/>
-        <p:cNvGrpSpPr/>
-        <p:nvPr/>
-      </p:nvGrpSpPr>
-      <p:grpSpPr>
-        <a:xfrm>
-          <a:off x="0" y="0"/>
-          <a:ext cx="0" cy="0"/>
-          <a:chOff x="0" y="0"/>
-          <a:chExt cx="0" cy="0"/>
-        </a:xfrm>
-      </p:grpSpPr>
-      <p:sp>
-        <p:nvSpPr>
-          <p:cNvPr id="58" name="Google Shape;58;p11"/>
-          <p:cNvSpPr txBox="1">
-            <a:spLocks noGrp="1"/>
-          </p:cNvSpPr>
-          <p:nvPr>
-            <p:ph type="title"/>
-          </p:nvPr>
-        </p:nvSpPr>
-        <p:spPr>
-          <a:xfrm>
-            <a:off x="585300" y="180625"/>
-            <a:ext cx="8247000" cy="572700"/>
-          </a:xfrm>
-          <a:prstGeom prst="rect">
-            <a:avLst/>
-          </a:prstGeom>
-        </p:spPr>
-        <p:txBody>
-          <a:bodyPr spcFirstLastPara="1" wrap="square" lIns="91425" tIns="91425" rIns="91425" bIns="91425" anchor="t" anchorCtr="0">
-            <a:normAutofit/>
-          </a:bodyPr>
-          <a:lstStyle/>
-          <a:p>
-            <a:pPr marL="0" lvl="0" indent="0" algn="l" rtl="0">
-              <a:spcBef>
-                <a:spcPts val="0"/>
-              </a:spcBef>
-              <a:spcAft>
-                <a:spcPts val="0"/>
-              </a:spcAft>
-              <a:buNone/>
-            </a:pPr>
-            <a:r>
-              <a:rPr lang="pt-BR" dirty="0"/>
-              <a:t>O que são módulos por funcionalidade?</a:t>
-            </a:r>
-          </a:p>
-        </p:txBody>
-      </p:sp>
-      <p:sp>
-        <p:nvSpPr>
-          <p:cNvPr id="59" name="Google Shape;59;p11"/>
-          <p:cNvSpPr txBox="1">
-            <a:spLocks noGrp="1"/>
-          </p:cNvSpPr>
-          <p:nvPr>
-            <p:ph type="body" idx="1"/>
-          </p:nvPr>
-        </p:nvSpPr>
-        <p:spPr>
-          <a:xfrm>
-            <a:off x="585300" y="1000074"/>
-            <a:ext cx="8247000" cy="3962801"/>
-          </a:xfrm>
-          <a:prstGeom prst="rect">
-            <a:avLst/>
-          </a:prstGeom>
-        </p:spPr>
-        <p:txBody>
-          <a:bodyPr spcFirstLastPara="1" wrap="square" lIns="91425" tIns="91425" rIns="91425" bIns="91425" anchor="t" anchorCtr="0">
-            <a:normAutofit/>
-          </a:bodyPr>
-          <a:lstStyle/>
-          <a:p>
-            <a:pPr algn="l" fontAlgn="base"/>
-            <a:r>
-              <a:rPr lang="pt-BR" b="0" dirty="0" err="1">
-                <a:solidFill>
-                  <a:schemeClr val="bg1"/>
-                </a:solidFill>
-                <a:latin typeface="Roboto" panose="02000000000000000000" pitchFamily="2" charset="0"/>
-                <a:ea typeface="Roboto" panose="02000000000000000000" pitchFamily="2" charset="0"/>
-              </a:rPr>
-              <a:t>Feature</a:t>
-            </a:r>
-            <a:r>
-              <a:rPr lang="pt-BR" b="0" dirty="0">
-                <a:solidFill>
-                  <a:schemeClr val="bg1"/>
-                </a:solidFill>
-                <a:latin typeface="Roboto" panose="02000000000000000000" pitchFamily="2" charset="0"/>
-                <a:ea typeface="Roboto" panose="02000000000000000000" pitchFamily="2" charset="0"/>
-              </a:rPr>
-              <a:t> Modules, ou módulos por funcionalidade, são módulos Angular que possuem funcionalidades e comportamentos exclusivamente relacionados ao próprio módulo. </a:t>
-            </a:r>
-          </a:p>
-          <a:p>
-            <a:pPr algn="l" fontAlgn="base"/>
-            <a:r>
-              <a:rPr lang="pt-BR" b="0" dirty="0">
-                <a:solidFill>
-                  <a:schemeClr val="bg1"/>
-                </a:solidFill>
-                <a:latin typeface="Roboto" panose="02000000000000000000" pitchFamily="2" charset="0"/>
-                <a:ea typeface="Roboto" panose="02000000000000000000" pitchFamily="2" charset="0"/>
-              </a:rPr>
-              <a:t>Eles isolam os componentes com base na funcionalidade ou nas regras de negócios e também colaboram com os módulos da aplicação.</a:t>
-            </a:r>
-          </a:p>
-          <a:p>
-            <a:pPr fontAlgn="base"/>
-            <a:r>
-              <a:rPr lang="pt-BR" b="0" dirty="0">
-                <a:solidFill>
-                  <a:schemeClr val="bg1"/>
-                </a:solidFill>
-                <a:latin typeface="Roboto" panose="02000000000000000000" pitchFamily="2" charset="0"/>
-                <a:ea typeface="Roboto" panose="02000000000000000000" pitchFamily="2" charset="0"/>
-              </a:rPr>
-              <a:t>Por exemplo, imagine que estamos construindo uma aplicação e-commerce. Essa aplicação deverá ter um módulo para o carrinho de compras, outro módulo para a seção de produtos, outro para clientes e assim por diante. Portanto, podemos dizer que cada módulo representa uma parte independente da nossa aplicação.</a:t>
-            </a:r>
-          </a:p>
-          <a:p>
-            <a:pPr algn="l" fontAlgn="base"/>
-            <a:endParaRPr lang="pt-BR" b="0" dirty="0">
+              <a:t>https://www.twitch.tv/fuskinha</a:t>
+            </a:r>
+            <a:endParaRPr lang="pt-BR" dirty="0">
               <a:solidFill>
-                <a:schemeClr val="bg1"/>
+                <a:srgbClr val="D73628"/>
               </a:solidFill>
-              <a:latin typeface="Roboto" panose="02000000000000000000" pitchFamily="2" charset="0"/>
-              <a:ea typeface="Roboto" panose="02000000000000000000" pitchFamily="2" charset="0"/>
+              <a:latin typeface="Roboto Light" panose="02000000000000000000" pitchFamily="2" charset="0"/>
+              <a:ea typeface="Roboto Light" panose="02000000000000000000" pitchFamily="2" charset="0"/>
             </a:endParaRPr>
           </a:p>
         </p:txBody>
       </p:sp>
     </p:spTree>
-    <p:extLst>
-      <p:ext uri="{BB962C8B-B14F-4D97-AF65-F5344CB8AC3E}">
-        <p14:creationId xmlns:p14="http://schemas.microsoft.com/office/powerpoint/2010/main" val="4225321179"/>
-      </p:ext>
-    </p:extLst>
-  </p:cSld>
-  <p:clrMapOvr>
-    <a:masterClrMapping/>
-  </p:clrMapOvr>
-</p:sld>
-</file>
-
-<file path=ppt/slides/slide8.xml><?xml version="1.0" encoding="utf-8"?>
-<p:sld xmlns:a="http://schemas.openxmlformats.org/drawingml/2006/main" xmlns:r="http://schemas.openxmlformats.org/officeDocument/2006/relationships" xmlns:p="http://schemas.openxmlformats.org/presentationml/2006/main">
-  <p:cSld>
-    <p:spTree>
-      <p:nvGrpSpPr>
-        <p:cNvPr id="1" name="Shape 57"/>
-        <p:cNvGrpSpPr/>
-        <p:nvPr/>
-      </p:nvGrpSpPr>
-      <p:grpSpPr>
-        <a:xfrm>
-          <a:off x="0" y="0"/>
-          <a:ext cx="0" cy="0"/>
-          <a:chOff x="0" y="0"/>
-          <a:chExt cx="0" cy="0"/>
-        </a:xfrm>
-      </p:grpSpPr>
-      <p:sp>
-        <p:nvSpPr>
-          <p:cNvPr id="58" name="Google Shape;58;p11"/>
-          <p:cNvSpPr txBox="1">
-            <a:spLocks noGrp="1"/>
-          </p:cNvSpPr>
-          <p:nvPr>
-            <p:ph type="title"/>
-          </p:nvPr>
-        </p:nvSpPr>
-        <p:spPr>
-          <a:xfrm>
-            <a:off x="585300" y="180625"/>
-            <a:ext cx="8247000" cy="572700"/>
-          </a:xfrm>
-          <a:prstGeom prst="rect">
-            <a:avLst/>
-          </a:prstGeom>
-        </p:spPr>
-        <p:txBody>
-          <a:bodyPr spcFirstLastPara="1" wrap="square" lIns="91425" tIns="91425" rIns="91425" bIns="91425" anchor="t" anchorCtr="0">
-            <a:normAutofit/>
-          </a:bodyPr>
-          <a:lstStyle/>
-          <a:p>
-            <a:pPr marL="0" lvl="0" indent="0" algn="l" rtl="0">
-              <a:spcBef>
-                <a:spcPts val="0"/>
-              </a:spcBef>
-              <a:spcAft>
-                <a:spcPts val="0"/>
-              </a:spcAft>
-              <a:buNone/>
-            </a:pPr>
-            <a:r>
-              <a:rPr lang="pt-BR" dirty="0"/>
-              <a:t>O que são módulos por funcionalidade?</a:t>
-            </a:r>
-          </a:p>
-        </p:txBody>
-      </p:sp>
-      <p:pic>
-        <p:nvPicPr>
-          <p:cNvPr id="2050" name="Picture 2">
-            <a:extLst>
-              <a:ext uri="{FF2B5EF4-FFF2-40B4-BE49-F238E27FC236}">
-                <a16:creationId xmlns:a16="http://schemas.microsoft.com/office/drawing/2014/main" id="{1A00EA68-50C2-467A-A502-0B3BEF24906C}"/>
-              </a:ext>
-            </a:extLst>
-          </p:cNvPr>
-          <p:cNvPicPr>
-            <a:picLocks noChangeAspect="1" noChangeArrowheads="1"/>
-          </p:cNvPicPr>
-          <p:nvPr/>
-        </p:nvPicPr>
-        <p:blipFill>
-          <a:blip r:embed="rId3">
-            <a:extLst>
-              <a:ext uri="{28A0092B-C50C-407E-A947-70E740481C1C}">
-                <a14:useLocalDpi xmlns:a14="http://schemas.microsoft.com/office/drawing/2010/main" val="0"/>
-              </a:ext>
-            </a:extLst>
-          </a:blip>
-          <a:srcRect/>
-          <a:stretch>
-            <a:fillRect/>
-          </a:stretch>
-        </p:blipFill>
-        <p:spPr bwMode="auto">
-          <a:xfrm>
-            <a:off x="1156446" y="753325"/>
-            <a:ext cx="5805395" cy="4138499"/>
-          </a:xfrm>
-          <a:prstGeom prst="rect">
-            <a:avLst/>
-          </a:prstGeom>
-          <a:noFill/>
-          <a:extLst>
-            <a:ext uri="{909E8E84-426E-40DD-AFC4-6F175D3DCCD1}">
-              <a14:hiddenFill xmlns:a14="http://schemas.microsoft.com/office/drawing/2010/main">
-                <a:solidFill>
-                  <a:srgbClr val="FFFFFF"/>
-                </a:solidFill>
-              </a14:hiddenFill>
-            </a:ext>
-          </a:extLst>
-        </p:spPr>
-      </p:pic>
-    </p:spTree>
-    <p:extLst>
-      <p:ext uri="{BB962C8B-B14F-4D97-AF65-F5344CB8AC3E}">
-        <p14:creationId xmlns:p14="http://schemas.microsoft.com/office/powerpoint/2010/main" val="2430496711"/>
-      </p:ext>
-    </p:extLst>
-  </p:cSld>
-  <p:clrMapOvr>
-    <a:masterClrMapping/>
-  </p:clrMapOvr>
-</p:sld>
-</file>
-
-<file path=ppt/slides/slide9.xml><?xml version="1.0" encoding="utf-8"?>
-<p:sld xmlns:a="http://schemas.openxmlformats.org/drawingml/2006/main" xmlns:r="http://schemas.openxmlformats.org/officeDocument/2006/relationships" xmlns:p="http://schemas.openxmlformats.org/presentationml/2006/main">
-  <p:cSld>
-    <p:spTree>
-      <p:nvGrpSpPr>
-        <p:cNvPr id="1" name="Shape 57"/>
-        <p:cNvGrpSpPr/>
-        <p:nvPr/>
-      </p:nvGrpSpPr>
-      <p:grpSpPr>
-        <a:xfrm>
-          <a:off x="0" y="0"/>
-          <a:ext cx="0" cy="0"/>
-          <a:chOff x="0" y="0"/>
-          <a:chExt cx="0" cy="0"/>
-        </a:xfrm>
-      </p:grpSpPr>
-      <p:sp>
-        <p:nvSpPr>
-          <p:cNvPr id="58" name="Google Shape;58;p11"/>
-          <p:cNvSpPr txBox="1">
-            <a:spLocks noGrp="1"/>
-          </p:cNvSpPr>
-          <p:nvPr>
-            <p:ph type="title"/>
-          </p:nvPr>
-        </p:nvSpPr>
-        <p:spPr>
-          <a:xfrm>
-            <a:off x="585300" y="180625"/>
-            <a:ext cx="8247000" cy="572700"/>
-          </a:xfrm>
-          <a:prstGeom prst="rect">
-            <a:avLst/>
-          </a:prstGeom>
-        </p:spPr>
-        <p:txBody>
-          <a:bodyPr spcFirstLastPara="1" wrap="square" lIns="91425" tIns="91425" rIns="91425" bIns="91425" anchor="t" anchorCtr="0">
-            <a:normAutofit/>
-          </a:bodyPr>
-          <a:lstStyle/>
-          <a:p>
-            <a:pPr marL="0" lvl="0" indent="0" algn="l" rtl="0">
-              <a:spcBef>
-                <a:spcPts val="0"/>
-              </a:spcBef>
-              <a:spcAft>
-                <a:spcPts val="0"/>
-              </a:spcAft>
-              <a:buNone/>
-            </a:pPr>
-            <a:r>
-              <a:rPr lang="pt-BR" dirty="0"/>
-              <a:t>O que são módulos por funcionalidade?</a:t>
-            </a:r>
-          </a:p>
-        </p:txBody>
-      </p:sp>
-      <p:sp>
-        <p:nvSpPr>
-          <p:cNvPr id="59" name="Google Shape;59;p11"/>
-          <p:cNvSpPr txBox="1">
-            <a:spLocks noGrp="1"/>
-          </p:cNvSpPr>
-          <p:nvPr>
-            <p:ph type="body" idx="1"/>
-          </p:nvPr>
-        </p:nvSpPr>
-        <p:spPr>
-          <a:xfrm>
-            <a:off x="585300" y="900953"/>
-            <a:ext cx="8247000" cy="4128247"/>
-          </a:xfrm>
-          <a:prstGeom prst="rect">
-            <a:avLst/>
-          </a:prstGeom>
-        </p:spPr>
-        <p:txBody>
-          <a:bodyPr spcFirstLastPara="1" wrap="square" lIns="91425" tIns="91425" rIns="91425" bIns="91425" anchor="t" anchorCtr="0">
-            <a:normAutofit/>
-          </a:bodyPr>
-          <a:lstStyle/>
-          <a:p>
-            <a:pPr algn="l" fontAlgn="base"/>
-            <a:r>
-              <a:rPr lang="pt-BR" b="0" dirty="0">
-                <a:solidFill>
-                  <a:schemeClr val="bg1"/>
-                </a:solidFill>
-                <a:latin typeface="Roboto" panose="02000000000000000000" pitchFamily="2" charset="0"/>
-                <a:ea typeface="Roboto" panose="02000000000000000000" pitchFamily="2" charset="0"/>
-              </a:rPr>
-              <a:t>Root Module</a:t>
-            </a:r>
-          </a:p>
-          <a:p>
-            <a:pPr lvl="1" fontAlgn="base"/>
-            <a:r>
-              <a:rPr lang="pt-BR" dirty="0">
-                <a:solidFill>
-                  <a:schemeClr val="bg1"/>
-                </a:solidFill>
-                <a:latin typeface="Roboto" panose="02000000000000000000" pitchFamily="2" charset="0"/>
-                <a:ea typeface="Roboto" panose="02000000000000000000" pitchFamily="2" charset="0"/>
-              </a:rPr>
-              <a:t>Módulo principal da aplicação, normalmente gerado automaticamente pelo Angular CLI com o nome </a:t>
-            </a:r>
-            <a:r>
-              <a:rPr lang="pt-BR" dirty="0" err="1">
-                <a:solidFill>
-                  <a:schemeClr val="bg1"/>
-                </a:solidFill>
-                <a:latin typeface="Roboto" panose="02000000000000000000" pitchFamily="2" charset="0"/>
-                <a:ea typeface="Roboto" panose="02000000000000000000" pitchFamily="2" charset="0"/>
-              </a:rPr>
-              <a:t>AppModule</a:t>
-            </a:r>
-            <a:r>
-              <a:rPr lang="pt-BR" dirty="0">
-                <a:solidFill>
-                  <a:schemeClr val="bg1"/>
-                </a:solidFill>
-                <a:latin typeface="Roboto" panose="02000000000000000000" pitchFamily="2" charset="0"/>
-                <a:ea typeface="Roboto" panose="02000000000000000000" pitchFamily="2" charset="0"/>
-              </a:rPr>
-              <a:t>.</a:t>
-            </a:r>
-            <a:endParaRPr lang="pt-BR" b="0" dirty="0">
-              <a:solidFill>
-                <a:schemeClr val="bg1"/>
-              </a:solidFill>
-              <a:latin typeface="Roboto" panose="02000000000000000000" pitchFamily="2" charset="0"/>
-              <a:ea typeface="Roboto" panose="02000000000000000000" pitchFamily="2" charset="0"/>
-            </a:endParaRPr>
-          </a:p>
-          <a:p>
-            <a:pPr algn="l" fontAlgn="base"/>
-            <a:r>
-              <a:rPr lang="pt-BR" b="0" dirty="0">
-                <a:solidFill>
-                  <a:schemeClr val="bg1"/>
-                </a:solidFill>
-                <a:latin typeface="Roboto" panose="02000000000000000000" pitchFamily="2" charset="0"/>
-                <a:ea typeface="Roboto" panose="02000000000000000000" pitchFamily="2" charset="0"/>
-              </a:rPr>
-              <a:t>Core Module</a:t>
-            </a:r>
-          </a:p>
-          <a:p>
-            <a:pPr lvl="1" fontAlgn="base"/>
-            <a:r>
-              <a:rPr lang="pt-BR" dirty="0">
-                <a:solidFill>
-                  <a:schemeClr val="bg1"/>
-                </a:solidFill>
-                <a:latin typeface="Roboto" panose="02000000000000000000" pitchFamily="2" charset="0"/>
-                <a:ea typeface="Roboto" panose="02000000000000000000" pitchFamily="2" charset="0"/>
-              </a:rPr>
-              <a:t>Contém os componentes que são usados ​​uma vez em um aplicativo Angular, como uma barra de navegação, </a:t>
-            </a:r>
-            <a:r>
-              <a:rPr lang="pt-BR" dirty="0" err="1">
-                <a:solidFill>
-                  <a:schemeClr val="bg1"/>
-                </a:solidFill>
-                <a:latin typeface="Roboto" panose="02000000000000000000" pitchFamily="2" charset="0"/>
-                <a:ea typeface="Roboto" panose="02000000000000000000" pitchFamily="2" charset="0"/>
-              </a:rPr>
-              <a:t>loader</a:t>
-            </a:r>
-            <a:r>
-              <a:rPr lang="pt-BR" dirty="0">
-                <a:solidFill>
-                  <a:schemeClr val="bg1"/>
-                </a:solidFill>
-                <a:latin typeface="Roboto" panose="02000000000000000000" pitchFamily="2" charset="0"/>
-                <a:ea typeface="Roboto" panose="02000000000000000000" pitchFamily="2" charset="0"/>
-              </a:rPr>
-              <a:t>, rodapé, </a:t>
-            </a:r>
-            <a:r>
-              <a:rPr lang="pt-BR" dirty="0" err="1">
-                <a:solidFill>
-                  <a:schemeClr val="bg1"/>
-                </a:solidFill>
-                <a:latin typeface="Roboto" panose="02000000000000000000" pitchFamily="2" charset="0"/>
-                <a:ea typeface="Roboto" panose="02000000000000000000" pitchFamily="2" charset="0"/>
-              </a:rPr>
-              <a:t>interceptors</a:t>
-            </a:r>
-            <a:r>
-              <a:rPr lang="pt-BR" dirty="0">
-                <a:solidFill>
-                  <a:schemeClr val="bg1"/>
-                </a:solidFill>
-                <a:latin typeface="Roboto" panose="02000000000000000000" pitchFamily="2" charset="0"/>
-                <a:ea typeface="Roboto" panose="02000000000000000000" pitchFamily="2" charset="0"/>
-              </a:rPr>
-              <a:t>, etc. Este módulo deve ser carregado globalmente no </a:t>
-            </a:r>
-            <a:r>
-              <a:rPr lang="pt-BR" dirty="0" err="1">
-                <a:solidFill>
-                  <a:schemeClr val="bg1"/>
-                </a:solidFill>
-                <a:latin typeface="Roboto" panose="02000000000000000000" pitchFamily="2" charset="0"/>
-                <a:ea typeface="Roboto" panose="02000000000000000000" pitchFamily="2" charset="0"/>
-              </a:rPr>
-              <a:t>AppModule</a:t>
-            </a:r>
-            <a:r>
-              <a:rPr lang="pt-BR" dirty="0">
-                <a:solidFill>
-                  <a:schemeClr val="bg1"/>
-                </a:solidFill>
-                <a:latin typeface="Roboto" panose="02000000000000000000" pitchFamily="2" charset="0"/>
-                <a:ea typeface="Roboto" panose="02000000000000000000" pitchFamily="2" charset="0"/>
-              </a:rPr>
-              <a:t>.</a:t>
-            </a:r>
-          </a:p>
-          <a:p>
-            <a:pPr fontAlgn="base"/>
-            <a:r>
-              <a:rPr lang="pt-BR" b="0" dirty="0" err="1">
-                <a:solidFill>
-                  <a:schemeClr val="bg1"/>
-                </a:solidFill>
-                <a:latin typeface="Roboto" panose="02000000000000000000" pitchFamily="2" charset="0"/>
-                <a:ea typeface="Roboto" panose="02000000000000000000" pitchFamily="2" charset="0"/>
-              </a:rPr>
-              <a:t>Shared</a:t>
-            </a:r>
-            <a:r>
-              <a:rPr lang="pt-BR" b="0" dirty="0">
-                <a:solidFill>
-                  <a:schemeClr val="bg1"/>
-                </a:solidFill>
-                <a:latin typeface="Roboto" panose="02000000000000000000" pitchFamily="2" charset="0"/>
-                <a:ea typeface="Roboto" panose="02000000000000000000" pitchFamily="2" charset="0"/>
-              </a:rPr>
-              <a:t> Module</a:t>
-            </a:r>
-          </a:p>
-          <a:p>
-            <a:pPr lvl="1" fontAlgn="base"/>
-            <a:r>
-              <a:rPr lang="pt-BR" dirty="0">
-                <a:solidFill>
-                  <a:schemeClr val="bg1"/>
-                </a:solidFill>
-                <a:latin typeface="Roboto" panose="02000000000000000000" pitchFamily="2" charset="0"/>
-                <a:ea typeface="Roboto" panose="02000000000000000000" pitchFamily="2" charset="0"/>
-              </a:rPr>
-              <a:t>Composto por diretivas, </a:t>
-            </a:r>
-            <a:r>
-              <a:rPr lang="pt-BR" dirty="0" err="1">
-                <a:solidFill>
-                  <a:schemeClr val="bg1"/>
-                </a:solidFill>
-                <a:latin typeface="Roboto" panose="02000000000000000000" pitchFamily="2" charset="0"/>
-                <a:ea typeface="Roboto" panose="02000000000000000000" pitchFamily="2" charset="0"/>
-              </a:rPr>
-              <a:t>pipes</a:t>
-            </a:r>
-            <a:r>
-              <a:rPr lang="pt-BR" dirty="0">
-                <a:solidFill>
-                  <a:schemeClr val="bg1"/>
-                </a:solidFill>
-                <a:latin typeface="Roboto" panose="02000000000000000000" pitchFamily="2" charset="0"/>
-                <a:ea typeface="Roboto" panose="02000000000000000000" pitchFamily="2" charset="0"/>
-              </a:rPr>
-              <a:t> e componentes que podem ser reutilizados em outros módulos. Por exemplo, um filtro personalizado que é reutilizado em vários módulos da sua aplicação.</a:t>
-            </a:r>
-          </a:p>
-          <a:p>
-            <a:pPr fontAlgn="base"/>
-            <a:r>
-              <a:rPr lang="pt-BR" b="0" dirty="0" err="1">
-                <a:solidFill>
-                  <a:schemeClr val="bg1"/>
-                </a:solidFill>
-                <a:latin typeface="Roboto" panose="02000000000000000000" pitchFamily="2" charset="0"/>
-                <a:ea typeface="Roboto" panose="02000000000000000000" pitchFamily="2" charset="0"/>
-              </a:rPr>
-              <a:t>Feature</a:t>
-            </a:r>
-            <a:r>
-              <a:rPr lang="pt-BR" b="0" dirty="0">
-                <a:solidFill>
-                  <a:schemeClr val="bg1"/>
-                </a:solidFill>
-                <a:latin typeface="Roboto" panose="02000000000000000000" pitchFamily="2" charset="0"/>
-                <a:ea typeface="Roboto" panose="02000000000000000000" pitchFamily="2" charset="0"/>
-              </a:rPr>
-              <a:t> Modules</a:t>
-            </a:r>
-          </a:p>
-          <a:p>
-            <a:pPr lvl="1" fontAlgn="base"/>
-            <a:r>
-              <a:rPr lang="pt-BR" dirty="0">
-                <a:solidFill>
-                  <a:schemeClr val="bg1"/>
-                </a:solidFill>
-                <a:latin typeface="Roboto" panose="02000000000000000000" pitchFamily="2" charset="0"/>
-                <a:ea typeface="Roboto" panose="02000000000000000000" pitchFamily="2" charset="0"/>
-              </a:rPr>
-              <a:t>Representam as principais funcionalidades da sua aplicação.</a:t>
-            </a:r>
-            <a:endParaRPr lang="pt-BR" b="0" dirty="0">
-              <a:solidFill>
-                <a:schemeClr val="bg1"/>
-              </a:solidFill>
-              <a:latin typeface="Roboto" panose="02000000000000000000" pitchFamily="2" charset="0"/>
-              <a:ea typeface="Roboto" panose="02000000000000000000" pitchFamily="2" charset="0"/>
-            </a:endParaRPr>
-          </a:p>
-        </p:txBody>
-      </p:sp>
-    </p:spTree>
-    <p:extLst>
-      <p:ext uri="{BB962C8B-B14F-4D97-AF65-F5344CB8AC3E}">
-        <p14:creationId xmlns:p14="http://schemas.microsoft.com/office/powerpoint/2010/main" val="1871882160"/>
-      </p:ext>
-    </p:extLst>
   </p:cSld>
   <p:clrMapOvr>
     <a:masterClrMapping/>

--- a/src/main/resources/static/docs/Apresentacao_Spring_Mail_Thymeleaf.pptx
+++ b/src/main/resources/static/docs/Apresentacao_Spring_Mail_Thymeleaf.pptx
@@ -3854,8 +3854,8 @@
               <a:buNone/>
             </a:pPr>
             <a:r>
-              <a:rPr lang="pt-BR" u="sng" dirty="0"/>
-              <a:t>22/09/2021</a:t>
+              <a:rPr lang="pt-BR" u="sng"/>
+              <a:t>25/09/2021</a:t>
             </a:r>
             <a:endParaRPr u="sng" dirty="0"/>
           </a:p>
